--- a/figures/diagrams.pptx
+++ b/figures/diagrams.pptx
@@ -5,10 +5,13 @@
     <p:sldMasterId id="2147483648" r:id="rId1"/>
   </p:sldMasterIdLst>
   <p:notesMasterIdLst>
-    <p:notesMasterId r:id="rId3"/>
+    <p:notesMasterId r:id="rId6"/>
   </p:notesMasterIdLst>
   <p:sldIdLst>
-    <p:sldId id="256" r:id="rId2"/>
+    <p:sldId id="257" r:id="rId2"/>
+    <p:sldId id="256" r:id="rId3"/>
+    <p:sldId id="258" r:id="rId4"/>
+    <p:sldId id="259" r:id="rId5"/>
   </p:sldIdLst>
   <p:sldSz cx="12192000" cy="6858000"/>
   <p:notesSz cx="6858000" cy="9144000"/>
@@ -549,7 +552,259 @@
     </p:spTree>
     <p:extLst>
       <p:ext uri="{BB962C8B-B14F-4D97-AF65-F5344CB8AC3E}">
+        <p14:creationId xmlns:p14="http://schemas.microsoft.com/office/powerpoint/2010/main" val="1535333579"/>
+      </p:ext>
+    </p:extLst>
+  </p:cSld>
+  <p:clrMapOvr>
+    <a:masterClrMapping/>
+  </p:clrMapOvr>
+</p:notes>
+</file>
+
+<file path=ppt/notesSlides/notesSlide2.xml><?xml version="1.0" encoding="utf-8"?>
+<p:notes xmlns:a="http://schemas.openxmlformats.org/drawingml/2006/main" xmlns:r="http://schemas.openxmlformats.org/officeDocument/2006/relationships" xmlns:p="http://schemas.openxmlformats.org/presentationml/2006/main">
+  <p:cSld>
+    <p:spTree>
+      <p:nvGrpSpPr>
+        <p:cNvPr id="1" name=""/>
+        <p:cNvGrpSpPr/>
+        <p:nvPr/>
+      </p:nvGrpSpPr>
+      <p:grpSpPr>
+        <a:xfrm>
+          <a:off x="0" y="0"/>
+          <a:ext cx="0" cy="0"/>
+          <a:chOff x="0" y="0"/>
+          <a:chExt cx="0" cy="0"/>
+        </a:xfrm>
+      </p:grpSpPr>
+      <p:sp>
+        <p:nvSpPr>
+          <p:cNvPr id="2" name="Slide Image Placeholder 1"/>
+          <p:cNvSpPr>
+            <a:spLocks noGrp="1" noRot="1" noChangeAspect="1"/>
+          </p:cNvSpPr>
+          <p:nvPr>
+            <p:ph type="sldImg"/>
+          </p:nvPr>
+        </p:nvSpPr>
+        <p:spPr/>
+      </p:sp>
+      <p:sp>
+        <p:nvSpPr>
+          <p:cNvPr id="3" name="Notes Placeholder 2"/>
+          <p:cNvSpPr>
+            <a:spLocks noGrp="1"/>
+          </p:cNvSpPr>
+          <p:nvPr>
+            <p:ph type="body" idx="1"/>
+          </p:nvPr>
+        </p:nvSpPr>
+        <p:spPr/>
+        <p:txBody>
+          <a:bodyPr/>
+          <a:lstStyle/>
+          <a:p>
+            <a:endParaRPr lang="en-US" dirty="0"/>
+          </a:p>
+        </p:txBody>
+      </p:sp>
+      <p:sp>
+        <p:nvSpPr>
+          <p:cNvPr id="4" name="Slide Number Placeholder 3"/>
+          <p:cNvSpPr>
+            <a:spLocks noGrp="1"/>
+          </p:cNvSpPr>
+          <p:nvPr>
+            <p:ph type="sldNum" sz="quarter" idx="5"/>
+          </p:nvPr>
+        </p:nvSpPr>
+        <p:spPr/>
+        <p:txBody>
+          <a:bodyPr/>
+          <a:lstStyle/>
+          <a:p>
+            <a:fld id="{B7605E43-0B20-4A47-9F5C-6BC197AF32C3}" type="slidenum">
+              <a:rPr lang="en-US" smtClean="0"/>
+              <a:t>2</a:t>
+            </a:fld>
+            <a:endParaRPr lang="en-US"/>
+          </a:p>
+        </p:txBody>
+      </p:sp>
+    </p:spTree>
+    <p:extLst>
+      <p:ext uri="{BB962C8B-B14F-4D97-AF65-F5344CB8AC3E}">
         <p14:creationId xmlns:p14="http://schemas.microsoft.com/office/powerpoint/2010/main" val="3795984009"/>
+      </p:ext>
+    </p:extLst>
+  </p:cSld>
+  <p:clrMapOvr>
+    <a:masterClrMapping/>
+  </p:clrMapOvr>
+</p:notes>
+</file>
+
+<file path=ppt/notesSlides/notesSlide3.xml><?xml version="1.0" encoding="utf-8"?>
+<p:notes xmlns:a="http://schemas.openxmlformats.org/drawingml/2006/main" xmlns:r="http://schemas.openxmlformats.org/officeDocument/2006/relationships" xmlns:p="http://schemas.openxmlformats.org/presentationml/2006/main">
+  <p:cSld>
+    <p:spTree>
+      <p:nvGrpSpPr>
+        <p:cNvPr id="1" name=""/>
+        <p:cNvGrpSpPr/>
+        <p:nvPr/>
+      </p:nvGrpSpPr>
+      <p:grpSpPr>
+        <a:xfrm>
+          <a:off x="0" y="0"/>
+          <a:ext cx="0" cy="0"/>
+          <a:chOff x="0" y="0"/>
+          <a:chExt cx="0" cy="0"/>
+        </a:xfrm>
+      </p:grpSpPr>
+      <p:sp>
+        <p:nvSpPr>
+          <p:cNvPr id="2" name="Slide Image Placeholder 1"/>
+          <p:cNvSpPr>
+            <a:spLocks noGrp="1" noRot="1" noChangeAspect="1"/>
+          </p:cNvSpPr>
+          <p:nvPr>
+            <p:ph type="sldImg"/>
+          </p:nvPr>
+        </p:nvSpPr>
+        <p:spPr/>
+      </p:sp>
+      <p:sp>
+        <p:nvSpPr>
+          <p:cNvPr id="3" name="Notes Placeholder 2"/>
+          <p:cNvSpPr>
+            <a:spLocks noGrp="1"/>
+          </p:cNvSpPr>
+          <p:nvPr>
+            <p:ph type="body" idx="1"/>
+          </p:nvPr>
+        </p:nvSpPr>
+        <p:spPr/>
+        <p:txBody>
+          <a:bodyPr/>
+          <a:lstStyle/>
+          <a:p>
+            <a:endParaRPr lang="en-US" dirty="0"/>
+          </a:p>
+        </p:txBody>
+      </p:sp>
+      <p:sp>
+        <p:nvSpPr>
+          <p:cNvPr id="4" name="Slide Number Placeholder 3"/>
+          <p:cNvSpPr>
+            <a:spLocks noGrp="1"/>
+          </p:cNvSpPr>
+          <p:nvPr>
+            <p:ph type="sldNum" sz="quarter" idx="5"/>
+          </p:nvPr>
+        </p:nvSpPr>
+        <p:spPr/>
+        <p:txBody>
+          <a:bodyPr/>
+          <a:lstStyle/>
+          <a:p>
+            <a:fld id="{B7605E43-0B20-4A47-9F5C-6BC197AF32C3}" type="slidenum">
+              <a:rPr lang="en-US" smtClean="0"/>
+              <a:t>3</a:t>
+            </a:fld>
+            <a:endParaRPr lang="en-US"/>
+          </a:p>
+        </p:txBody>
+      </p:sp>
+    </p:spTree>
+    <p:extLst>
+      <p:ext uri="{BB962C8B-B14F-4D97-AF65-F5344CB8AC3E}">
+        <p14:creationId xmlns:p14="http://schemas.microsoft.com/office/powerpoint/2010/main" val="2038360859"/>
+      </p:ext>
+    </p:extLst>
+  </p:cSld>
+  <p:clrMapOvr>
+    <a:masterClrMapping/>
+  </p:clrMapOvr>
+</p:notes>
+</file>
+
+<file path=ppt/notesSlides/notesSlide4.xml><?xml version="1.0" encoding="utf-8"?>
+<p:notes xmlns:a="http://schemas.openxmlformats.org/drawingml/2006/main" xmlns:r="http://schemas.openxmlformats.org/officeDocument/2006/relationships" xmlns:p="http://schemas.openxmlformats.org/presentationml/2006/main">
+  <p:cSld>
+    <p:spTree>
+      <p:nvGrpSpPr>
+        <p:cNvPr id="1" name=""/>
+        <p:cNvGrpSpPr/>
+        <p:nvPr/>
+      </p:nvGrpSpPr>
+      <p:grpSpPr>
+        <a:xfrm>
+          <a:off x="0" y="0"/>
+          <a:ext cx="0" cy="0"/>
+          <a:chOff x="0" y="0"/>
+          <a:chExt cx="0" cy="0"/>
+        </a:xfrm>
+      </p:grpSpPr>
+      <p:sp>
+        <p:nvSpPr>
+          <p:cNvPr id="2" name="Slide Image Placeholder 1"/>
+          <p:cNvSpPr>
+            <a:spLocks noGrp="1" noRot="1" noChangeAspect="1"/>
+          </p:cNvSpPr>
+          <p:nvPr>
+            <p:ph type="sldImg"/>
+          </p:nvPr>
+        </p:nvSpPr>
+        <p:spPr/>
+      </p:sp>
+      <p:sp>
+        <p:nvSpPr>
+          <p:cNvPr id="3" name="Notes Placeholder 2"/>
+          <p:cNvSpPr>
+            <a:spLocks noGrp="1"/>
+          </p:cNvSpPr>
+          <p:nvPr>
+            <p:ph type="body" idx="1"/>
+          </p:nvPr>
+        </p:nvSpPr>
+        <p:spPr/>
+        <p:txBody>
+          <a:bodyPr/>
+          <a:lstStyle/>
+          <a:p>
+            <a:endParaRPr lang="en-US" dirty="0"/>
+          </a:p>
+        </p:txBody>
+      </p:sp>
+      <p:sp>
+        <p:nvSpPr>
+          <p:cNvPr id="4" name="Slide Number Placeholder 3"/>
+          <p:cNvSpPr>
+            <a:spLocks noGrp="1"/>
+          </p:cNvSpPr>
+          <p:nvPr>
+            <p:ph type="sldNum" sz="quarter" idx="5"/>
+          </p:nvPr>
+        </p:nvSpPr>
+        <p:spPr/>
+        <p:txBody>
+          <a:bodyPr/>
+          <a:lstStyle/>
+          <a:p>
+            <a:fld id="{B7605E43-0B20-4A47-9F5C-6BC197AF32C3}" type="slidenum">
+              <a:rPr lang="en-US" smtClean="0"/>
+              <a:t>4</a:t>
+            </a:fld>
+            <a:endParaRPr lang="en-US"/>
+          </a:p>
+        </p:txBody>
+      </p:sp>
+    </p:spTree>
+    <p:extLst>
+      <p:ext uri="{BB962C8B-B14F-4D97-AF65-F5344CB8AC3E}">
+        <p14:creationId xmlns:p14="http://schemas.microsoft.com/office/powerpoint/2010/main" val="3105861983"/>
       </p:ext>
     </p:extLst>
   </p:cSld>
@@ -3775,6 +4030,1578 @@
       </p:grpSpPr>
       <p:sp>
         <p:nvSpPr>
+          <p:cNvPr id="36" name="Freeform 35">
+            <a:extLst>
+              <a:ext uri="{FF2B5EF4-FFF2-40B4-BE49-F238E27FC236}">
+                <a16:creationId xmlns:a16="http://schemas.microsoft.com/office/drawing/2014/main" id="{B49FA24B-14FF-794A-B029-00919BE81760}"/>
+              </a:ext>
+            </a:extLst>
+          </p:cNvPr>
+          <p:cNvSpPr/>
+          <p:nvPr/>
+        </p:nvSpPr>
+        <p:spPr>
+          <a:xfrm>
+            <a:off x="6414622" y="1962162"/>
+            <a:ext cx="3331923" cy="1302707"/>
+          </a:xfrm>
+          <a:custGeom>
+            <a:avLst/>
+            <a:gdLst>
+              <a:gd name="connsiteX0" fmla="*/ 0 w 3331923"/>
+              <a:gd name="connsiteY0" fmla="*/ 0 h 1302707"/>
+              <a:gd name="connsiteX1" fmla="*/ 0 w 3331923"/>
+              <a:gd name="connsiteY1" fmla="*/ 1290181 h 1302707"/>
+              <a:gd name="connsiteX2" fmla="*/ 463463 w 3331923"/>
+              <a:gd name="connsiteY2" fmla="*/ 1290181 h 1302707"/>
+              <a:gd name="connsiteX3" fmla="*/ 463463 w 3331923"/>
+              <a:gd name="connsiteY3" fmla="*/ 519830 h 1302707"/>
+              <a:gd name="connsiteX4" fmla="*/ 2880986 w 3331923"/>
+              <a:gd name="connsiteY4" fmla="*/ 519830 h 1302707"/>
+              <a:gd name="connsiteX5" fmla="*/ 2880986 w 3331923"/>
+              <a:gd name="connsiteY5" fmla="*/ 1302707 h 1302707"/>
+              <a:gd name="connsiteX6" fmla="*/ 3331923 w 3331923"/>
+              <a:gd name="connsiteY6" fmla="*/ 1302707 h 1302707"/>
+              <a:gd name="connsiteX7" fmla="*/ 3331923 w 3331923"/>
+              <a:gd name="connsiteY7" fmla="*/ 12526 h 1302707"/>
+              <a:gd name="connsiteX8" fmla="*/ 0 w 3331923"/>
+              <a:gd name="connsiteY8" fmla="*/ 0 h 1302707"/>
+            </a:gdLst>
+            <a:ahLst/>
+            <a:cxnLst>
+              <a:cxn ang="0">
+                <a:pos x="connsiteX0" y="connsiteY0"/>
+              </a:cxn>
+              <a:cxn ang="0">
+                <a:pos x="connsiteX1" y="connsiteY1"/>
+              </a:cxn>
+              <a:cxn ang="0">
+                <a:pos x="connsiteX2" y="connsiteY2"/>
+              </a:cxn>
+              <a:cxn ang="0">
+                <a:pos x="connsiteX3" y="connsiteY3"/>
+              </a:cxn>
+              <a:cxn ang="0">
+                <a:pos x="connsiteX4" y="connsiteY4"/>
+              </a:cxn>
+              <a:cxn ang="0">
+                <a:pos x="connsiteX5" y="connsiteY5"/>
+              </a:cxn>
+              <a:cxn ang="0">
+                <a:pos x="connsiteX6" y="connsiteY6"/>
+              </a:cxn>
+              <a:cxn ang="0">
+                <a:pos x="connsiteX7" y="connsiteY7"/>
+              </a:cxn>
+              <a:cxn ang="0">
+                <a:pos x="connsiteX8" y="connsiteY8"/>
+              </a:cxn>
+            </a:cxnLst>
+            <a:rect l="l" t="t" r="r" b="b"/>
+            <a:pathLst>
+              <a:path w="3331923" h="1302707">
+                <a:moveTo>
+                  <a:pt x="0" y="0"/>
+                </a:moveTo>
+                <a:lnTo>
+                  <a:pt x="0" y="1290181"/>
+                </a:lnTo>
+                <a:lnTo>
+                  <a:pt x="463463" y="1290181"/>
+                </a:lnTo>
+                <a:lnTo>
+                  <a:pt x="463463" y="519830"/>
+                </a:lnTo>
+                <a:lnTo>
+                  <a:pt x="2880986" y="519830"/>
+                </a:lnTo>
+                <a:lnTo>
+                  <a:pt x="2880986" y="1302707"/>
+                </a:lnTo>
+                <a:lnTo>
+                  <a:pt x="3331923" y="1302707"/>
+                </a:lnTo>
+                <a:lnTo>
+                  <a:pt x="3331923" y="12526"/>
+                </a:lnTo>
+                <a:lnTo>
+                  <a:pt x="0" y="0"/>
+                </a:lnTo>
+                <a:close/>
+              </a:path>
+            </a:pathLst>
+          </a:custGeom>
+          <a:solidFill>
+            <a:schemeClr val="bg1">
+              <a:lumMod val="95000"/>
+            </a:schemeClr>
+          </a:solidFill>
+          <a:ln>
+            <a:solidFill>
+              <a:schemeClr val="tx1"/>
+            </a:solidFill>
+          </a:ln>
+        </p:spPr>
+        <p:style>
+          <a:lnRef idx="2">
+            <a:schemeClr val="accent1">
+              <a:shade val="50000"/>
+            </a:schemeClr>
+          </a:lnRef>
+          <a:fillRef idx="1">
+            <a:schemeClr val="accent1"/>
+          </a:fillRef>
+          <a:effectRef idx="0">
+            <a:schemeClr val="accent1"/>
+          </a:effectRef>
+          <a:fontRef idx="minor">
+            <a:schemeClr val="lt1"/>
+          </a:fontRef>
+        </p:style>
+        <p:txBody>
+          <a:bodyPr rtlCol="0" anchor="ctr"/>
+          <a:lstStyle/>
+          <a:p>
+            <a:pPr algn="ctr"/>
+            <a:r>
+              <a:rPr lang="en-US" sz="1200" dirty="0">
+                <a:solidFill>
+                  <a:schemeClr val="tx1"/>
+                </a:solidFill>
+                <a:latin typeface="Avenir Book" panose="02000503020000020003" pitchFamily="2" charset="0"/>
+              </a:rPr>
+              <a:t>OpenSSL library</a:t>
+            </a:r>
+          </a:p>
+          <a:p>
+            <a:pPr algn="ctr"/>
+            <a:endParaRPr lang="en-US" sz="1200" dirty="0">
+              <a:solidFill>
+                <a:schemeClr val="tx1"/>
+              </a:solidFill>
+              <a:latin typeface="Avenir Book" panose="02000503020000020003" pitchFamily="2" charset="0"/>
+            </a:endParaRPr>
+          </a:p>
+          <a:p>
+            <a:pPr algn="ctr"/>
+            <a:endParaRPr lang="en-US" sz="1200" dirty="0">
+              <a:solidFill>
+                <a:schemeClr val="tx1"/>
+              </a:solidFill>
+              <a:latin typeface="Avenir Book" panose="02000503020000020003" pitchFamily="2" charset="0"/>
+            </a:endParaRPr>
+          </a:p>
+          <a:p>
+            <a:pPr algn="ctr"/>
+            <a:endParaRPr lang="en-US" sz="1200" dirty="0">
+              <a:solidFill>
+                <a:schemeClr val="tx1"/>
+              </a:solidFill>
+              <a:latin typeface="Avenir Book" panose="02000503020000020003" pitchFamily="2" charset="0"/>
+            </a:endParaRPr>
+          </a:p>
+          <a:p>
+            <a:pPr algn="ctr"/>
+            <a:endParaRPr lang="en-US" sz="1200" dirty="0">
+              <a:solidFill>
+                <a:schemeClr val="tx1"/>
+              </a:solidFill>
+              <a:latin typeface="Avenir Book" panose="02000503020000020003" pitchFamily="2" charset="0"/>
+            </a:endParaRPr>
+          </a:p>
+        </p:txBody>
+      </p:sp>
+      <p:sp>
+        <p:nvSpPr>
+          <p:cNvPr id="37" name="Rectangle 36">
+            <a:extLst>
+              <a:ext uri="{FF2B5EF4-FFF2-40B4-BE49-F238E27FC236}">
+                <a16:creationId xmlns:a16="http://schemas.microsoft.com/office/drawing/2014/main" id="{E447540E-15CC-6A4A-86B4-3711AB66088C}"/>
+              </a:ext>
+            </a:extLst>
+          </p:cNvPr>
+          <p:cNvSpPr/>
+          <p:nvPr/>
+        </p:nvSpPr>
+        <p:spPr>
+          <a:xfrm>
+            <a:off x="6414622" y="1283191"/>
+            <a:ext cx="3331923" cy="691497"/>
+          </a:xfrm>
+          <a:prstGeom prst="rect">
+            <a:avLst/>
+          </a:prstGeom>
+          <a:solidFill>
+            <a:schemeClr val="bg1">
+              <a:lumMod val="95000"/>
+            </a:schemeClr>
+          </a:solidFill>
+          <a:ln>
+            <a:solidFill>
+              <a:schemeClr val="tx1"/>
+            </a:solidFill>
+          </a:ln>
+        </p:spPr>
+        <p:style>
+          <a:lnRef idx="2">
+            <a:schemeClr val="accent1">
+              <a:shade val="50000"/>
+            </a:schemeClr>
+          </a:lnRef>
+          <a:fillRef idx="1">
+            <a:schemeClr val="accent1"/>
+          </a:fillRef>
+          <a:effectRef idx="0">
+            <a:schemeClr val="accent1"/>
+          </a:effectRef>
+          <a:fontRef idx="minor">
+            <a:schemeClr val="lt1"/>
+          </a:fontRef>
+        </p:style>
+        <p:txBody>
+          <a:bodyPr rtlCol="0" anchor="ctr"/>
+          <a:lstStyle/>
+          <a:p>
+            <a:pPr algn="ctr"/>
+            <a:r>
+              <a:rPr lang="en-US" sz="1200" dirty="0">
+                <a:solidFill>
+                  <a:schemeClr val="tx1"/>
+                </a:solidFill>
+                <a:latin typeface="Avenir Book" panose="02000503020000020003" pitchFamily="2" charset="0"/>
+              </a:rPr>
+              <a:t>OpenSSL HTTPS web server</a:t>
+            </a:r>
+          </a:p>
+        </p:txBody>
+      </p:sp>
+      <p:sp>
+        <p:nvSpPr>
+          <p:cNvPr id="16" name="Freeform 15">
+            <a:extLst>
+              <a:ext uri="{FF2B5EF4-FFF2-40B4-BE49-F238E27FC236}">
+                <a16:creationId xmlns:a16="http://schemas.microsoft.com/office/drawing/2014/main" id="{E3CBA352-561A-5741-8550-4A874244518C}"/>
+              </a:ext>
+            </a:extLst>
+          </p:cNvPr>
+          <p:cNvSpPr/>
+          <p:nvPr/>
+        </p:nvSpPr>
+        <p:spPr>
+          <a:xfrm>
+            <a:off x="1915690" y="1962162"/>
+            <a:ext cx="3331923" cy="1302707"/>
+          </a:xfrm>
+          <a:custGeom>
+            <a:avLst/>
+            <a:gdLst>
+              <a:gd name="connsiteX0" fmla="*/ 0 w 3331923"/>
+              <a:gd name="connsiteY0" fmla="*/ 0 h 1302707"/>
+              <a:gd name="connsiteX1" fmla="*/ 0 w 3331923"/>
+              <a:gd name="connsiteY1" fmla="*/ 1290181 h 1302707"/>
+              <a:gd name="connsiteX2" fmla="*/ 463463 w 3331923"/>
+              <a:gd name="connsiteY2" fmla="*/ 1290181 h 1302707"/>
+              <a:gd name="connsiteX3" fmla="*/ 463463 w 3331923"/>
+              <a:gd name="connsiteY3" fmla="*/ 519830 h 1302707"/>
+              <a:gd name="connsiteX4" fmla="*/ 2880986 w 3331923"/>
+              <a:gd name="connsiteY4" fmla="*/ 519830 h 1302707"/>
+              <a:gd name="connsiteX5" fmla="*/ 2880986 w 3331923"/>
+              <a:gd name="connsiteY5" fmla="*/ 1302707 h 1302707"/>
+              <a:gd name="connsiteX6" fmla="*/ 3331923 w 3331923"/>
+              <a:gd name="connsiteY6" fmla="*/ 1302707 h 1302707"/>
+              <a:gd name="connsiteX7" fmla="*/ 3331923 w 3331923"/>
+              <a:gd name="connsiteY7" fmla="*/ 12526 h 1302707"/>
+              <a:gd name="connsiteX8" fmla="*/ 0 w 3331923"/>
+              <a:gd name="connsiteY8" fmla="*/ 0 h 1302707"/>
+            </a:gdLst>
+            <a:ahLst/>
+            <a:cxnLst>
+              <a:cxn ang="0">
+                <a:pos x="connsiteX0" y="connsiteY0"/>
+              </a:cxn>
+              <a:cxn ang="0">
+                <a:pos x="connsiteX1" y="connsiteY1"/>
+              </a:cxn>
+              <a:cxn ang="0">
+                <a:pos x="connsiteX2" y="connsiteY2"/>
+              </a:cxn>
+              <a:cxn ang="0">
+                <a:pos x="connsiteX3" y="connsiteY3"/>
+              </a:cxn>
+              <a:cxn ang="0">
+                <a:pos x="connsiteX4" y="connsiteY4"/>
+              </a:cxn>
+              <a:cxn ang="0">
+                <a:pos x="connsiteX5" y="connsiteY5"/>
+              </a:cxn>
+              <a:cxn ang="0">
+                <a:pos x="connsiteX6" y="connsiteY6"/>
+              </a:cxn>
+              <a:cxn ang="0">
+                <a:pos x="connsiteX7" y="connsiteY7"/>
+              </a:cxn>
+              <a:cxn ang="0">
+                <a:pos x="connsiteX8" y="connsiteY8"/>
+              </a:cxn>
+            </a:cxnLst>
+            <a:rect l="l" t="t" r="r" b="b"/>
+            <a:pathLst>
+              <a:path w="3331923" h="1302707">
+                <a:moveTo>
+                  <a:pt x="0" y="0"/>
+                </a:moveTo>
+                <a:lnTo>
+                  <a:pt x="0" y="1290181"/>
+                </a:lnTo>
+                <a:lnTo>
+                  <a:pt x="463463" y="1290181"/>
+                </a:lnTo>
+                <a:lnTo>
+                  <a:pt x="463463" y="519830"/>
+                </a:lnTo>
+                <a:lnTo>
+                  <a:pt x="2880986" y="519830"/>
+                </a:lnTo>
+                <a:lnTo>
+                  <a:pt x="2880986" y="1302707"/>
+                </a:lnTo>
+                <a:lnTo>
+                  <a:pt x="3331923" y="1302707"/>
+                </a:lnTo>
+                <a:lnTo>
+                  <a:pt x="3331923" y="12526"/>
+                </a:lnTo>
+                <a:lnTo>
+                  <a:pt x="0" y="0"/>
+                </a:lnTo>
+                <a:close/>
+              </a:path>
+            </a:pathLst>
+          </a:custGeom>
+          <a:solidFill>
+            <a:schemeClr val="bg1">
+              <a:lumMod val="95000"/>
+            </a:schemeClr>
+          </a:solidFill>
+          <a:ln>
+            <a:solidFill>
+              <a:schemeClr val="tx1"/>
+            </a:solidFill>
+          </a:ln>
+        </p:spPr>
+        <p:style>
+          <a:lnRef idx="2">
+            <a:schemeClr val="accent1">
+              <a:shade val="50000"/>
+            </a:schemeClr>
+          </a:lnRef>
+          <a:fillRef idx="1">
+            <a:schemeClr val="accent1"/>
+          </a:fillRef>
+          <a:effectRef idx="0">
+            <a:schemeClr val="accent1"/>
+          </a:effectRef>
+          <a:fontRef idx="minor">
+            <a:schemeClr val="lt1"/>
+          </a:fontRef>
+        </p:style>
+        <p:txBody>
+          <a:bodyPr rtlCol="0" anchor="ctr"/>
+          <a:lstStyle/>
+          <a:p>
+            <a:pPr algn="ctr"/>
+            <a:r>
+              <a:rPr lang="en-US" sz="1200" dirty="0">
+                <a:solidFill>
+                  <a:schemeClr val="tx1"/>
+                </a:solidFill>
+                <a:latin typeface="Avenir Book" panose="02000503020000020003" pitchFamily="2" charset="0"/>
+              </a:rPr>
+              <a:t>OpenSSL library</a:t>
+            </a:r>
+          </a:p>
+          <a:p>
+            <a:pPr algn="ctr"/>
+            <a:endParaRPr lang="en-US" sz="1200" dirty="0">
+              <a:solidFill>
+                <a:schemeClr val="tx1"/>
+              </a:solidFill>
+              <a:latin typeface="Avenir Book" panose="02000503020000020003" pitchFamily="2" charset="0"/>
+            </a:endParaRPr>
+          </a:p>
+          <a:p>
+            <a:pPr algn="ctr"/>
+            <a:endParaRPr lang="en-US" sz="1200" dirty="0">
+              <a:solidFill>
+                <a:schemeClr val="tx1"/>
+              </a:solidFill>
+              <a:latin typeface="Avenir Book" panose="02000503020000020003" pitchFamily="2" charset="0"/>
+            </a:endParaRPr>
+          </a:p>
+          <a:p>
+            <a:pPr algn="ctr"/>
+            <a:endParaRPr lang="en-US" sz="1200" dirty="0">
+              <a:solidFill>
+                <a:schemeClr val="tx1"/>
+              </a:solidFill>
+              <a:latin typeface="Avenir Book" panose="02000503020000020003" pitchFamily="2" charset="0"/>
+            </a:endParaRPr>
+          </a:p>
+          <a:p>
+            <a:pPr algn="ctr"/>
+            <a:endParaRPr lang="en-US" sz="1200" dirty="0">
+              <a:solidFill>
+                <a:schemeClr val="tx1"/>
+              </a:solidFill>
+              <a:latin typeface="Avenir Book" panose="02000503020000020003" pitchFamily="2" charset="0"/>
+            </a:endParaRPr>
+          </a:p>
+        </p:txBody>
+      </p:sp>
+      <p:sp>
+        <p:nvSpPr>
+          <p:cNvPr id="10" name="Rectangle 9">
+            <a:extLst>
+              <a:ext uri="{FF2B5EF4-FFF2-40B4-BE49-F238E27FC236}">
+                <a16:creationId xmlns:a16="http://schemas.microsoft.com/office/drawing/2014/main" id="{A5D2A871-5D38-DE4E-9E95-16423FD998E4}"/>
+              </a:ext>
+            </a:extLst>
+          </p:cNvPr>
+          <p:cNvSpPr/>
+          <p:nvPr/>
+        </p:nvSpPr>
+        <p:spPr>
+          <a:xfrm>
+            <a:off x="2473304" y="2588327"/>
+            <a:ext cx="2209800" cy="676542"/>
+          </a:xfrm>
+          <a:prstGeom prst="rect">
+            <a:avLst/>
+          </a:prstGeom>
+          <a:solidFill>
+            <a:schemeClr val="accent1">
+              <a:lumMod val="20000"/>
+              <a:lumOff val="80000"/>
+            </a:schemeClr>
+          </a:solidFill>
+          <a:ln>
+            <a:solidFill>
+              <a:schemeClr val="accent1">
+                <a:lumMod val="50000"/>
+              </a:schemeClr>
+            </a:solidFill>
+          </a:ln>
+        </p:spPr>
+        <p:style>
+          <a:lnRef idx="2">
+            <a:schemeClr val="accent1">
+              <a:shade val="50000"/>
+            </a:schemeClr>
+          </a:lnRef>
+          <a:fillRef idx="1">
+            <a:schemeClr val="accent1"/>
+          </a:fillRef>
+          <a:effectRef idx="0">
+            <a:schemeClr val="accent1"/>
+          </a:effectRef>
+          <a:fontRef idx="minor">
+            <a:schemeClr val="lt1"/>
+          </a:fontRef>
+        </p:style>
+        <p:txBody>
+          <a:bodyPr rtlCol="0" anchor="ctr"/>
+          <a:lstStyle/>
+          <a:p>
+            <a:pPr algn="ctr"/>
+            <a:r>
+              <a:rPr lang="en-US" sz="1200" dirty="0">
+                <a:solidFill>
+                  <a:schemeClr val="tx1"/>
+                </a:solidFill>
+                <a:latin typeface="Avenir Book" panose="02000503020000020003" pitchFamily="2" charset="0"/>
+              </a:rPr>
+              <a:t>QKD client engine</a:t>
+            </a:r>
+          </a:p>
+          <a:p>
+            <a:pPr algn="ctr"/>
+            <a:r>
+              <a:rPr lang="en-US" sz="900" dirty="0">
+                <a:solidFill>
+                  <a:schemeClr val="tx1"/>
+                </a:solidFill>
+                <a:latin typeface="Avenir Book" panose="02000503020000020003" pitchFamily="2" charset="0"/>
+              </a:rPr>
+              <a:t>(Dynamically loaded library)</a:t>
+            </a:r>
+          </a:p>
+        </p:txBody>
+      </p:sp>
+      <p:sp>
+        <p:nvSpPr>
+          <p:cNvPr id="22" name="Rectangle 21">
+            <a:extLst>
+              <a:ext uri="{FF2B5EF4-FFF2-40B4-BE49-F238E27FC236}">
+                <a16:creationId xmlns:a16="http://schemas.microsoft.com/office/drawing/2014/main" id="{244355E9-7BC9-A643-B4A4-BF2A377474AB}"/>
+              </a:ext>
+            </a:extLst>
+          </p:cNvPr>
+          <p:cNvSpPr/>
+          <p:nvPr/>
+        </p:nvSpPr>
+        <p:spPr>
+          <a:xfrm>
+            <a:off x="1915690" y="1283191"/>
+            <a:ext cx="3331923" cy="691497"/>
+          </a:xfrm>
+          <a:prstGeom prst="rect">
+            <a:avLst/>
+          </a:prstGeom>
+          <a:solidFill>
+            <a:schemeClr val="bg1">
+              <a:lumMod val="95000"/>
+            </a:schemeClr>
+          </a:solidFill>
+          <a:ln>
+            <a:solidFill>
+              <a:schemeClr val="tx1"/>
+            </a:solidFill>
+          </a:ln>
+        </p:spPr>
+        <p:style>
+          <a:lnRef idx="2">
+            <a:schemeClr val="accent1">
+              <a:shade val="50000"/>
+            </a:schemeClr>
+          </a:lnRef>
+          <a:fillRef idx="1">
+            <a:schemeClr val="accent1"/>
+          </a:fillRef>
+          <a:effectRef idx="0">
+            <a:schemeClr val="accent1"/>
+          </a:effectRef>
+          <a:fontRef idx="minor">
+            <a:schemeClr val="lt1"/>
+          </a:fontRef>
+        </p:style>
+        <p:txBody>
+          <a:bodyPr rtlCol="0" anchor="ctr"/>
+          <a:lstStyle/>
+          <a:p>
+            <a:pPr algn="ctr"/>
+            <a:r>
+              <a:rPr lang="en-US" sz="1200" dirty="0">
+                <a:solidFill>
+                  <a:schemeClr val="tx1"/>
+                </a:solidFill>
+                <a:latin typeface="Avenir Book" panose="02000503020000020003" pitchFamily="2" charset="0"/>
+              </a:rPr>
+              <a:t>OpenSSL HTTPS web client</a:t>
+            </a:r>
+          </a:p>
+        </p:txBody>
+      </p:sp>
+      <p:sp>
+        <p:nvSpPr>
+          <p:cNvPr id="4" name="Rectangle 3">
+            <a:extLst>
+              <a:ext uri="{FF2B5EF4-FFF2-40B4-BE49-F238E27FC236}">
+                <a16:creationId xmlns:a16="http://schemas.microsoft.com/office/drawing/2014/main" id="{2C813C25-BC60-A944-9602-281ED8C8DC2A}"/>
+              </a:ext>
+            </a:extLst>
+          </p:cNvPr>
+          <p:cNvSpPr/>
+          <p:nvPr/>
+        </p:nvSpPr>
+        <p:spPr>
+          <a:xfrm>
+            <a:off x="1915690" y="3782133"/>
+            <a:ext cx="3331923" cy="691497"/>
+          </a:xfrm>
+          <a:prstGeom prst="rect">
+            <a:avLst/>
+          </a:prstGeom>
+          <a:solidFill>
+            <a:schemeClr val="accent1">
+              <a:lumMod val="20000"/>
+              <a:lumOff val="80000"/>
+            </a:schemeClr>
+          </a:solidFill>
+          <a:ln>
+            <a:solidFill>
+              <a:schemeClr val="accent1">
+                <a:lumMod val="50000"/>
+              </a:schemeClr>
+            </a:solidFill>
+          </a:ln>
+        </p:spPr>
+        <p:style>
+          <a:lnRef idx="2">
+            <a:schemeClr val="accent1">
+              <a:shade val="50000"/>
+            </a:schemeClr>
+          </a:lnRef>
+          <a:fillRef idx="1">
+            <a:schemeClr val="accent1"/>
+          </a:fillRef>
+          <a:effectRef idx="0">
+            <a:schemeClr val="accent1"/>
+          </a:effectRef>
+          <a:fontRef idx="minor">
+            <a:schemeClr val="lt1"/>
+          </a:fontRef>
+        </p:style>
+        <p:txBody>
+          <a:bodyPr rtlCol="0" anchor="ctr"/>
+          <a:lstStyle/>
+          <a:p>
+            <a:pPr algn="ctr"/>
+            <a:r>
+              <a:rPr lang="en-US" sz="1200" dirty="0">
+                <a:solidFill>
+                  <a:schemeClr val="tx1"/>
+                </a:solidFill>
+                <a:latin typeface="Avenir Book" panose="02000503020000020003" pitchFamily="2" charset="0"/>
+              </a:rPr>
+              <a:t>Diffie-Hellman (DH) client</a:t>
+            </a:r>
+          </a:p>
+        </p:txBody>
+      </p:sp>
+      <p:sp>
+        <p:nvSpPr>
+          <p:cNvPr id="18" name="Rectangle 17">
+            <a:extLst>
+              <a:ext uri="{FF2B5EF4-FFF2-40B4-BE49-F238E27FC236}">
+                <a16:creationId xmlns:a16="http://schemas.microsoft.com/office/drawing/2014/main" id="{6E5B8750-6929-4A43-AC59-95F7ABDB8D45}"/>
+              </a:ext>
+            </a:extLst>
+          </p:cNvPr>
+          <p:cNvSpPr/>
+          <p:nvPr/>
+        </p:nvSpPr>
+        <p:spPr>
+          <a:xfrm>
+            <a:off x="6975683" y="2588327"/>
+            <a:ext cx="2209800" cy="676542"/>
+          </a:xfrm>
+          <a:prstGeom prst="rect">
+            <a:avLst/>
+          </a:prstGeom>
+          <a:solidFill>
+            <a:schemeClr val="accent1">
+              <a:lumMod val="20000"/>
+              <a:lumOff val="80000"/>
+            </a:schemeClr>
+          </a:solidFill>
+          <a:ln>
+            <a:solidFill>
+              <a:schemeClr val="accent1">
+                <a:lumMod val="50000"/>
+              </a:schemeClr>
+            </a:solidFill>
+          </a:ln>
+        </p:spPr>
+        <p:style>
+          <a:lnRef idx="2">
+            <a:schemeClr val="accent1">
+              <a:shade val="50000"/>
+            </a:schemeClr>
+          </a:lnRef>
+          <a:fillRef idx="1">
+            <a:schemeClr val="accent1"/>
+          </a:fillRef>
+          <a:effectRef idx="0">
+            <a:schemeClr val="accent1"/>
+          </a:effectRef>
+          <a:fontRef idx="minor">
+            <a:schemeClr val="lt1"/>
+          </a:fontRef>
+        </p:style>
+        <p:txBody>
+          <a:bodyPr rtlCol="0" anchor="ctr"/>
+          <a:lstStyle/>
+          <a:p>
+            <a:pPr algn="ctr"/>
+            <a:r>
+              <a:rPr lang="en-US" sz="1200" dirty="0">
+                <a:solidFill>
+                  <a:schemeClr val="tx1"/>
+                </a:solidFill>
+                <a:latin typeface="Avenir Book" panose="02000503020000020003" pitchFamily="2" charset="0"/>
+              </a:rPr>
+              <a:t>QKD server engine</a:t>
+            </a:r>
+          </a:p>
+          <a:p>
+            <a:pPr algn="ctr"/>
+            <a:r>
+              <a:rPr lang="en-US" sz="900" dirty="0">
+                <a:solidFill>
+                  <a:schemeClr val="tx1"/>
+                </a:solidFill>
+                <a:latin typeface="Avenir Book" panose="02000503020000020003" pitchFamily="2" charset="0"/>
+              </a:rPr>
+              <a:t>(Dynamically loaded library)</a:t>
+            </a:r>
+          </a:p>
+        </p:txBody>
+      </p:sp>
+      <p:sp>
+        <p:nvSpPr>
+          <p:cNvPr id="25" name="Rectangle 24">
+            <a:extLst>
+              <a:ext uri="{FF2B5EF4-FFF2-40B4-BE49-F238E27FC236}">
+                <a16:creationId xmlns:a16="http://schemas.microsoft.com/office/drawing/2014/main" id="{A7802D49-D786-8345-BA1F-D1226A234152}"/>
+              </a:ext>
+            </a:extLst>
+          </p:cNvPr>
+          <p:cNvSpPr/>
+          <p:nvPr/>
+        </p:nvSpPr>
+        <p:spPr>
+          <a:xfrm>
+            <a:off x="1915690" y="4795611"/>
+            <a:ext cx="3331923" cy="691497"/>
+          </a:xfrm>
+          <a:prstGeom prst="rect">
+            <a:avLst/>
+          </a:prstGeom>
+          <a:solidFill>
+            <a:schemeClr val="accent1">
+              <a:lumMod val="20000"/>
+              <a:lumOff val="80000"/>
+            </a:schemeClr>
+          </a:solidFill>
+          <a:ln>
+            <a:solidFill>
+              <a:schemeClr val="accent1">
+                <a:lumMod val="50000"/>
+              </a:schemeClr>
+            </a:solidFill>
+          </a:ln>
+        </p:spPr>
+        <p:style>
+          <a:lnRef idx="2">
+            <a:schemeClr val="accent1">
+              <a:shade val="50000"/>
+            </a:schemeClr>
+          </a:lnRef>
+          <a:fillRef idx="1">
+            <a:schemeClr val="accent1"/>
+          </a:fillRef>
+          <a:effectRef idx="0">
+            <a:schemeClr val="accent1"/>
+          </a:effectRef>
+          <a:fontRef idx="minor">
+            <a:schemeClr val="lt1"/>
+          </a:fontRef>
+        </p:style>
+        <p:txBody>
+          <a:bodyPr rtlCol="0" anchor="ctr"/>
+          <a:lstStyle/>
+          <a:p>
+            <a:pPr algn="ctr"/>
+            <a:r>
+              <a:rPr lang="en-US" sz="1200" dirty="0">
+                <a:solidFill>
+                  <a:schemeClr val="tx1"/>
+                </a:solidFill>
+                <a:latin typeface="Avenir Book" panose="02000503020000020003" pitchFamily="2" charset="0"/>
+              </a:rPr>
+              <a:t>QKD API implementation</a:t>
+            </a:r>
+          </a:p>
+        </p:txBody>
+      </p:sp>
+      <p:sp>
+        <p:nvSpPr>
+          <p:cNvPr id="23" name="Rectangle 22">
+            <a:extLst>
+              <a:ext uri="{FF2B5EF4-FFF2-40B4-BE49-F238E27FC236}">
+                <a16:creationId xmlns:a16="http://schemas.microsoft.com/office/drawing/2014/main" id="{74480A20-B1C6-3F41-846E-C88BDA989B02}"/>
+              </a:ext>
+            </a:extLst>
+          </p:cNvPr>
+          <p:cNvSpPr/>
+          <p:nvPr/>
+        </p:nvSpPr>
+        <p:spPr>
+          <a:xfrm>
+            <a:off x="1915690" y="4473631"/>
+            <a:ext cx="3331923" cy="324156"/>
+          </a:xfrm>
+          <a:prstGeom prst="rect">
+            <a:avLst/>
+          </a:prstGeom>
+          <a:solidFill>
+            <a:schemeClr val="accent1">
+              <a:lumMod val="20000"/>
+              <a:lumOff val="80000"/>
+            </a:schemeClr>
+          </a:solidFill>
+          <a:ln>
+            <a:solidFill>
+              <a:schemeClr val="accent1">
+                <a:lumMod val="50000"/>
+              </a:schemeClr>
+            </a:solidFill>
+          </a:ln>
+        </p:spPr>
+        <p:style>
+          <a:lnRef idx="2">
+            <a:schemeClr val="accent1">
+              <a:shade val="50000"/>
+            </a:schemeClr>
+          </a:lnRef>
+          <a:fillRef idx="1">
+            <a:schemeClr val="accent1"/>
+          </a:fillRef>
+          <a:effectRef idx="0">
+            <a:schemeClr val="accent1"/>
+          </a:effectRef>
+          <a:fontRef idx="minor">
+            <a:schemeClr val="lt1"/>
+          </a:fontRef>
+        </p:style>
+        <p:txBody>
+          <a:bodyPr rtlCol="0" anchor="ctr"/>
+          <a:lstStyle/>
+          <a:p>
+            <a:pPr algn="ctr"/>
+            <a:r>
+              <a:rPr lang="en-US" sz="1200" dirty="0">
+                <a:solidFill>
+                  <a:schemeClr val="tx1"/>
+                </a:solidFill>
+                <a:latin typeface="Avenir Book" panose="02000503020000020003" pitchFamily="2" charset="0"/>
+              </a:rPr>
+              <a:t>ETSI QKD API</a:t>
+            </a:r>
+          </a:p>
+        </p:txBody>
+      </p:sp>
+      <p:cxnSp>
+        <p:nvCxnSpPr>
+          <p:cNvPr id="27" name="Straight Connector 26">
+            <a:extLst>
+              <a:ext uri="{FF2B5EF4-FFF2-40B4-BE49-F238E27FC236}">
+                <a16:creationId xmlns:a16="http://schemas.microsoft.com/office/drawing/2014/main" id="{92B4A147-A6C2-8049-9721-8D4DB31E7AFE}"/>
+              </a:ext>
+            </a:extLst>
+          </p:cNvPr>
+          <p:cNvCxnSpPr/>
+          <p:nvPr/>
+        </p:nvCxnSpPr>
+        <p:spPr>
+          <a:xfrm flipH="1">
+            <a:off x="1915690" y="3264869"/>
+            <a:ext cx="557614" cy="517264"/>
+          </a:xfrm>
+          <a:prstGeom prst="line">
+            <a:avLst/>
+          </a:prstGeom>
+          <a:ln>
+            <a:solidFill>
+              <a:schemeClr val="accent1">
+                <a:lumMod val="50000"/>
+              </a:schemeClr>
+            </a:solidFill>
+            <a:prstDash val="sysDash"/>
+          </a:ln>
+        </p:spPr>
+        <p:style>
+          <a:lnRef idx="1">
+            <a:schemeClr val="accent1"/>
+          </a:lnRef>
+          <a:fillRef idx="0">
+            <a:schemeClr val="accent1"/>
+          </a:fillRef>
+          <a:effectRef idx="0">
+            <a:schemeClr val="accent1"/>
+          </a:effectRef>
+          <a:fontRef idx="minor">
+            <a:schemeClr val="tx1"/>
+          </a:fontRef>
+        </p:style>
+      </p:cxnSp>
+      <p:cxnSp>
+        <p:nvCxnSpPr>
+          <p:cNvPr id="29" name="Straight Connector 28">
+            <a:extLst>
+              <a:ext uri="{FF2B5EF4-FFF2-40B4-BE49-F238E27FC236}">
+                <a16:creationId xmlns:a16="http://schemas.microsoft.com/office/drawing/2014/main" id="{4A1D47E8-89AC-6740-94C1-4B5F4CE1B384}"/>
+              </a:ext>
+            </a:extLst>
+          </p:cNvPr>
+          <p:cNvCxnSpPr/>
+          <p:nvPr/>
+        </p:nvCxnSpPr>
+        <p:spPr>
+          <a:xfrm>
+            <a:off x="4683104" y="3264869"/>
+            <a:ext cx="564509" cy="517264"/>
+          </a:xfrm>
+          <a:prstGeom prst="line">
+            <a:avLst/>
+          </a:prstGeom>
+          <a:ln>
+            <a:solidFill>
+              <a:schemeClr val="accent1">
+                <a:lumMod val="50000"/>
+              </a:schemeClr>
+            </a:solidFill>
+            <a:prstDash val="sysDash"/>
+          </a:ln>
+        </p:spPr>
+        <p:style>
+          <a:lnRef idx="1">
+            <a:schemeClr val="accent1"/>
+          </a:lnRef>
+          <a:fillRef idx="0">
+            <a:schemeClr val="accent1"/>
+          </a:fillRef>
+          <a:effectRef idx="0">
+            <a:schemeClr val="accent1"/>
+          </a:effectRef>
+          <a:fontRef idx="minor">
+            <a:schemeClr val="tx1"/>
+          </a:fontRef>
+        </p:style>
+      </p:cxnSp>
+      <p:sp>
+        <p:nvSpPr>
+          <p:cNvPr id="30" name="Rectangle 29">
+            <a:extLst>
+              <a:ext uri="{FF2B5EF4-FFF2-40B4-BE49-F238E27FC236}">
+                <a16:creationId xmlns:a16="http://schemas.microsoft.com/office/drawing/2014/main" id="{432B952E-F502-614B-B4E7-2DE87249813F}"/>
+              </a:ext>
+            </a:extLst>
+          </p:cNvPr>
+          <p:cNvSpPr/>
+          <p:nvPr/>
+        </p:nvSpPr>
+        <p:spPr>
+          <a:xfrm>
+            <a:off x="6414622" y="3782133"/>
+            <a:ext cx="3331923" cy="691497"/>
+          </a:xfrm>
+          <a:prstGeom prst="rect">
+            <a:avLst/>
+          </a:prstGeom>
+          <a:solidFill>
+            <a:schemeClr val="accent1">
+              <a:lumMod val="20000"/>
+              <a:lumOff val="80000"/>
+            </a:schemeClr>
+          </a:solidFill>
+          <a:ln>
+            <a:solidFill>
+              <a:schemeClr val="accent1">
+                <a:lumMod val="50000"/>
+              </a:schemeClr>
+            </a:solidFill>
+          </a:ln>
+        </p:spPr>
+        <p:style>
+          <a:lnRef idx="2">
+            <a:schemeClr val="accent1">
+              <a:shade val="50000"/>
+            </a:schemeClr>
+          </a:lnRef>
+          <a:fillRef idx="1">
+            <a:schemeClr val="accent1"/>
+          </a:fillRef>
+          <a:effectRef idx="0">
+            <a:schemeClr val="accent1"/>
+          </a:effectRef>
+          <a:fontRef idx="minor">
+            <a:schemeClr val="lt1"/>
+          </a:fontRef>
+        </p:style>
+        <p:txBody>
+          <a:bodyPr rtlCol="0" anchor="ctr"/>
+          <a:lstStyle/>
+          <a:p>
+            <a:pPr algn="ctr"/>
+            <a:r>
+              <a:rPr lang="en-US" sz="1200" dirty="0">
+                <a:solidFill>
+                  <a:schemeClr val="tx1"/>
+                </a:solidFill>
+                <a:latin typeface="Avenir Book" panose="02000503020000020003" pitchFamily="2" charset="0"/>
+              </a:rPr>
+              <a:t>Diffie-Hellman (DH) server</a:t>
+            </a:r>
+          </a:p>
+        </p:txBody>
+      </p:sp>
+      <p:sp>
+        <p:nvSpPr>
+          <p:cNvPr id="31" name="Rectangle 30">
+            <a:extLst>
+              <a:ext uri="{FF2B5EF4-FFF2-40B4-BE49-F238E27FC236}">
+                <a16:creationId xmlns:a16="http://schemas.microsoft.com/office/drawing/2014/main" id="{D1D06FE1-3632-A741-87A7-73B1A8B90A7A}"/>
+              </a:ext>
+            </a:extLst>
+          </p:cNvPr>
+          <p:cNvSpPr/>
+          <p:nvPr/>
+        </p:nvSpPr>
+        <p:spPr>
+          <a:xfrm>
+            <a:off x="6414622" y="4795611"/>
+            <a:ext cx="3331923" cy="691497"/>
+          </a:xfrm>
+          <a:prstGeom prst="rect">
+            <a:avLst/>
+          </a:prstGeom>
+          <a:solidFill>
+            <a:schemeClr val="accent1">
+              <a:lumMod val="20000"/>
+              <a:lumOff val="80000"/>
+            </a:schemeClr>
+          </a:solidFill>
+          <a:ln>
+            <a:solidFill>
+              <a:schemeClr val="accent1">
+                <a:lumMod val="50000"/>
+              </a:schemeClr>
+            </a:solidFill>
+          </a:ln>
+        </p:spPr>
+        <p:style>
+          <a:lnRef idx="2">
+            <a:schemeClr val="accent1">
+              <a:shade val="50000"/>
+            </a:schemeClr>
+          </a:lnRef>
+          <a:fillRef idx="1">
+            <a:schemeClr val="accent1"/>
+          </a:fillRef>
+          <a:effectRef idx="0">
+            <a:schemeClr val="accent1"/>
+          </a:effectRef>
+          <a:fontRef idx="minor">
+            <a:schemeClr val="lt1"/>
+          </a:fontRef>
+        </p:style>
+        <p:txBody>
+          <a:bodyPr rtlCol="0" anchor="ctr"/>
+          <a:lstStyle/>
+          <a:p>
+            <a:pPr algn="ctr"/>
+            <a:r>
+              <a:rPr lang="en-US" sz="1200" dirty="0">
+                <a:solidFill>
+                  <a:schemeClr val="tx1"/>
+                </a:solidFill>
+                <a:latin typeface="Avenir Book" panose="02000503020000020003" pitchFamily="2" charset="0"/>
+              </a:rPr>
+              <a:t>QKD API implementation</a:t>
+            </a:r>
+          </a:p>
+        </p:txBody>
+      </p:sp>
+      <p:sp>
+        <p:nvSpPr>
+          <p:cNvPr id="32" name="Rectangle 31">
+            <a:extLst>
+              <a:ext uri="{FF2B5EF4-FFF2-40B4-BE49-F238E27FC236}">
+                <a16:creationId xmlns:a16="http://schemas.microsoft.com/office/drawing/2014/main" id="{9035DBE4-1711-BC41-9C6D-4228A4ABEC69}"/>
+              </a:ext>
+            </a:extLst>
+          </p:cNvPr>
+          <p:cNvSpPr/>
+          <p:nvPr/>
+        </p:nvSpPr>
+        <p:spPr>
+          <a:xfrm>
+            <a:off x="6414622" y="4473631"/>
+            <a:ext cx="3331923" cy="324156"/>
+          </a:xfrm>
+          <a:prstGeom prst="rect">
+            <a:avLst/>
+          </a:prstGeom>
+          <a:solidFill>
+            <a:schemeClr val="accent1">
+              <a:lumMod val="20000"/>
+              <a:lumOff val="80000"/>
+            </a:schemeClr>
+          </a:solidFill>
+          <a:ln>
+            <a:solidFill>
+              <a:schemeClr val="accent1">
+                <a:lumMod val="50000"/>
+              </a:schemeClr>
+            </a:solidFill>
+          </a:ln>
+        </p:spPr>
+        <p:style>
+          <a:lnRef idx="2">
+            <a:schemeClr val="accent1">
+              <a:shade val="50000"/>
+            </a:schemeClr>
+          </a:lnRef>
+          <a:fillRef idx="1">
+            <a:schemeClr val="accent1"/>
+          </a:fillRef>
+          <a:effectRef idx="0">
+            <a:schemeClr val="accent1"/>
+          </a:effectRef>
+          <a:fontRef idx="minor">
+            <a:schemeClr val="lt1"/>
+          </a:fontRef>
+        </p:style>
+        <p:txBody>
+          <a:bodyPr rtlCol="0" anchor="ctr"/>
+          <a:lstStyle/>
+          <a:p>
+            <a:pPr algn="ctr"/>
+            <a:r>
+              <a:rPr lang="en-US" sz="1200" dirty="0">
+                <a:solidFill>
+                  <a:schemeClr val="tx1"/>
+                </a:solidFill>
+                <a:latin typeface="Avenir Book" panose="02000503020000020003" pitchFamily="2" charset="0"/>
+              </a:rPr>
+              <a:t>ETSI QKD API</a:t>
+            </a:r>
+          </a:p>
+        </p:txBody>
+      </p:sp>
+      <p:cxnSp>
+        <p:nvCxnSpPr>
+          <p:cNvPr id="33" name="Straight Connector 32">
+            <a:extLst>
+              <a:ext uri="{FF2B5EF4-FFF2-40B4-BE49-F238E27FC236}">
+                <a16:creationId xmlns:a16="http://schemas.microsoft.com/office/drawing/2014/main" id="{EDC44334-0AF8-3B4B-ACD5-01EC579719CB}"/>
+              </a:ext>
+            </a:extLst>
+          </p:cNvPr>
+          <p:cNvCxnSpPr/>
+          <p:nvPr/>
+        </p:nvCxnSpPr>
+        <p:spPr>
+          <a:xfrm flipH="1">
+            <a:off x="6414622" y="3264869"/>
+            <a:ext cx="557614" cy="517264"/>
+          </a:xfrm>
+          <a:prstGeom prst="line">
+            <a:avLst/>
+          </a:prstGeom>
+          <a:ln>
+            <a:solidFill>
+              <a:schemeClr val="accent1">
+                <a:lumMod val="50000"/>
+              </a:schemeClr>
+            </a:solidFill>
+            <a:prstDash val="sysDash"/>
+          </a:ln>
+        </p:spPr>
+        <p:style>
+          <a:lnRef idx="1">
+            <a:schemeClr val="accent1"/>
+          </a:lnRef>
+          <a:fillRef idx="0">
+            <a:schemeClr val="accent1"/>
+          </a:fillRef>
+          <a:effectRef idx="0">
+            <a:schemeClr val="accent1"/>
+          </a:effectRef>
+          <a:fontRef idx="minor">
+            <a:schemeClr val="tx1"/>
+          </a:fontRef>
+        </p:style>
+      </p:cxnSp>
+      <p:cxnSp>
+        <p:nvCxnSpPr>
+          <p:cNvPr id="34" name="Straight Connector 33">
+            <a:extLst>
+              <a:ext uri="{FF2B5EF4-FFF2-40B4-BE49-F238E27FC236}">
+                <a16:creationId xmlns:a16="http://schemas.microsoft.com/office/drawing/2014/main" id="{7A6B1CC5-90C4-8848-8A6D-A70FA530352B}"/>
+              </a:ext>
+            </a:extLst>
+          </p:cNvPr>
+          <p:cNvCxnSpPr/>
+          <p:nvPr/>
+        </p:nvCxnSpPr>
+        <p:spPr>
+          <a:xfrm>
+            <a:off x="9182036" y="3264869"/>
+            <a:ext cx="564509" cy="517264"/>
+          </a:xfrm>
+          <a:prstGeom prst="line">
+            <a:avLst/>
+          </a:prstGeom>
+          <a:ln>
+            <a:solidFill>
+              <a:schemeClr val="accent1">
+                <a:lumMod val="50000"/>
+              </a:schemeClr>
+            </a:solidFill>
+            <a:prstDash val="sysDash"/>
+          </a:ln>
+        </p:spPr>
+        <p:style>
+          <a:lnRef idx="1">
+            <a:schemeClr val="accent1"/>
+          </a:lnRef>
+          <a:fillRef idx="0">
+            <a:schemeClr val="accent1"/>
+          </a:fillRef>
+          <a:effectRef idx="0">
+            <a:schemeClr val="accent1"/>
+          </a:effectRef>
+          <a:fontRef idx="minor">
+            <a:schemeClr val="tx1"/>
+          </a:fontRef>
+        </p:style>
+      </p:cxnSp>
+      <p:cxnSp>
+        <p:nvCxnSpPr>
+          <p:cNvPr id="39" name="Straight Arrow Connector 38">
+            <a:extLst>
+              <a:ext uri="{FF2B5EF4-FFF2-40B4-BE49-F238E27FC236}">
+                <a16:creationId xmlns:a16="http://schemas.microsoft.com/office/drawing/2014/main" id="{4BB84F2D-258E-484D-A1A3-F190ADAA09B9}"/>
+              </a:ext>
+            </a:extLst>
+          </p:cNvPr>
+          <p:cNvCxnSpPr>
+            <a:stCxn id="22" idx="3"/>
+            <a:endCxn id="37" idx="1"/>
+          </p:cNvCxnSpPr>
+          <p:nvPr/>
+        </p:nvCxnSpPr>
+        <p:spPr>
+          <a:xfrm>
+            <a:off x="5247613" y="1628940"/>
+            <a:ext cx="1167009" cy="0"/>
+          </a:xfrm>
+          <a:prstGeom prst="straightConnector1">
+            <a:avLst/>
+          </a:prstGeom>
+          <a:ln w="12700">
+            <a:solidFill>
+              <a:schemeClr val="accent1">
+                <a:lumMod val="50000"/>
+              </a:schemeClr>
+            </a:solidFill>
+            <a:headEnd type="triangle"/>
+            <a:tailEnd type="triangle"/>
+          </a:ln>
+        </p:spPr>
+        <p:style>
+          <a:lnRef idx="1">
+            <a:schemeClr val="accent1"/>
+          </a:lnRef>
+          <a:fillRef idx="0">
+            <a:schemeClr val="accent1"/>
+          </a:fillRef>
+          <a:effectRef idx="0">
+            <a:schemeClr val="accent1"/>
+          </a:effectRef>
+          <a:fontRef idx="minor">
+            <a:schemeClr val="tx1"/>
+          </a:fontRef>
+        </p:style>
+      </p:cxnSp>
+      <p:cxnSp>
+        <p:nvCxnSpPr>
+          <p:cNvPr id="40" name="Straight Arrow Connector 39">
+            <a:extLst>
+              <a:ext uri="{FF2B5EF4-FFF2-40B4-BE49-F238E27FC236}">
+                <a16:creationId xmlns:a16="http://schemas.microsoft.com/office/drawing/2014/main" id="{B64872E4-E897-E447-975B-270778E0DE6D}"/>
+              </a:ext>
+            </a:extLst>
+          </p:cNvPr>
+          <p:cNvCxnSpPr/>
+          <p:nvPr/>
+        </p:nvCxnSpPr>
+        <p:spPr>
+          <a:xfrm>
+            <a:off x="5247613" y="2251305"/>
+            <a:ext cx="1167009" cy="0"/>
+          </a:xfrm>
+          <a:prstGeom prst="straightConnector1">
+            <a:avLst/>
+          </a:prstGeom>
+          <a:ln w="12700">
+            <a:solidFill>
+              <a:schemeClr val="accent1">
+                <a:lumMod val="50000"/>
+              </a:schemeClr>
+            </a:solidFill>
+            <a:headEnd type="triangle"/>
+            <a:tailEnd type="triangle"/>
+          </a:ln>
+        </p:spPr>
+        <p:style>
+          <a:lnRef idx="1">
+            <a:schemeClr val="accent1"/>
+          </a:lnRef>
+          <a:fillRef idx="0">
+            <a:schemeClr val="accent1"/>
+          </a:fillRef>
+          <a:effectRef idx="0">
+            <a:schemeClr val="accent1"/>
+          </a:effectRef>
+          <a:fontRef idx="minor">
+            <a:schemeClr val="tx1"/>
+          </a:fontRef>
+        </p:style>
+      </p:cxnSp>
+      <p:cxnSp>
+        <p:nvCxnSpPr>
+          <p:cNvPr id="41" name="Straight Arrow Connector 40">
+            <a:extLst>
+              <a:ext uri="{FF2B5EF4-FFF2-40B4-BE49-F238E27FC236}">
+                <a16:creationId xmlns:a16="http://schemas.microsoft.com/office/drawing/2014/main" id="{06E2957B-1B3D-5946-B54A-0893C75137CB}"/>
+              </a:ext>
+            </a:extLst>
+          </p:cNvPr>
+          <p:cNvCxnSpPr/>
+          <p:nvPr/>
+        </p:nvCxnSpPr>
+        <p:spPr>
+          <a:xfrm>
+            <a:off x="5247613" y="5146905"/>
+            <a:ext cx="1167009" cy="0"/>
+          </a:xfrm>
+          <a:prstGeom prst="straightConnector1">
+            <a:avLst/>
+          </a:prstGeom>
+          <a:ln w="12700">
+            <a:solidFill>
+              <a:schemeClr val="accent1">
+                <a:lumMod val="50000"/>
+              </a:schemeClr>
+            </a:solidFill>
+            <a:headEnd type="triangle"/>
+            <a:tailEnd type="triangle"/>
+          </a:ln>
+        </p:spPr>
+        <p:style>
+          <a:lnRef idx="1">
+            <a:schemeClr val="accent1"/>
+          </a:lnRef>
+          <a:fillRef idx="0">
+            <a:schemeClr val="accent1"/>
+          </a:fillRef>
+          <a:effectRef idx="0">
+            <a:schemeClr val="accent1"/>
+          </a:effectRef>
+          <a:fontRef idx="minor">
+            <a:schemeClr val="tx1"/>
+          </a:fontRef>
+        </p:style>
+      </p:cxnSp>
+      <p:sp>
+        <p:nvSpPr>
+          <p:cNvPr id="42" name="Rectangle 41">
+            <a:extLst>
+              <a:ext uri="{FF2B5EF4-FFF2-40B4-BE49-F238E27FC236}">
+                <a16:creationId xmlns:a16="http://schemas.microsoft.com/office/drawing/2014/main" id="{CE66C42F-9E41-B04B-A683-12F9510DBB77}"/>
+              </a:ext>
+            </a:extLst>
+          </p:cNvPr>
+          <p:cNvSpPr/>
+          <p:nvPr/>
+        </p:nvSpPr>
+        <p:spPr>
+          <a:xfrm>
+            <a:off x="5247612" y="1379374"/>
+            <a:ext cx="1167009" cy="324156"/>
+          </a:xfrm>
+          <a:prstGeom prst="rect">
+            <a:avLst/>
+          </a:prstGeom>
+          <a:noFill/>
+          <a:ln>
+            <a:noFill/>
+          </a:ln>
+        </p:spPr>
+        <p:style>
+          <a:lnRef idx="2">
+            <a:schemeClr val="accent1">
+              <a:shade val="50000"/>
+            </a:schemeClr>
+          </a:lnRef>
+          <a:fillRef idx="1">
+            <a:schemeClr val="accent1"/>
+          </a:fillRef>
+          <a:effectRef idx="0">
+            <a:schemeClr val="accent1"/>
+          </a:effectRef>
+          <a:fontRef idx="minor">
+            <a:schemeClr val="lt1"/>
+          </a:fontRef>
+        </p:style>
+        <p:txBody>
+          <a:bodyPr rtlCol="0" anchor="ctr"/>
+          <a:lstStyle/>
+          <a:p>
+            <a:pPr algn="ctr"/>
+            <a:r>
+              <a:rPr lang="en-US" sz="1200" dirty="0">
+                <a:solidFill>
+                  <a:schemeClr val="tx1"/>
+                </a:solidFill>
+                <a:latin typeface="Avenir Book" panose="02000503020000020003" pitchFamily="2" charset="0"/>
+              </a:rPr>
+              <a:t>HTTPS</a:t>
+            </a:r>
+          </a:p>
+        </p:txBody>
+      </p:sp>
+      <p:sp>
+        <p:nvSpPr>
+          <p:cNvPr id="43" name="Rectangle 42">
+            <a:extLst>
+              <a:ext uri="{FF2B5EF4-FFF2-40B4-BE49-F238E27FC236}">
+                <a16:creationId xmlns:a16="http://schemas.microsoft.com/office/drawing/2014/main" id="{F16D82E4-09F3-3240-9590-C1AF35F42BBB}"/>
+              </a:ext>
+            </a:extLst>
+          </p:cNvPr>
+          <p:cNvSpPr/>
+          <p:nvPr/>
+        </p:nvSpPr>
+        <p:spPr>
+          <a:xfrm>
+            <a:off x="5247612" y="1985993"/>
+            <a:ext cx="1167009" cy="324156"/>
+          </a:xfrm>
+          <a:prstGeom prst="rect">
+            <a:avLst/>
+          </a:prstGeom>
+          <a:noFill/>
+          <a:ln>
+            <a:noFill/>
+          </a:ln>
+        </p:spPr>
+        <p:style>
+          <a:lnRef idx="2">
+            <a:schemeClr val="accent1">
+              <a:shade val="50000"/>
+            </a:schemeClr>
+          </a:lnRef>
+          <a:fillRef idx="1">
+            <a:schemeClr val="accent1"/>
+          </a:fillRef>
+          <a:effectRef idx="0">
+            <a:schemeClr val="accent1"/>
+          </a:effectRef>
+          <a:fontRef idx="minor">
+            <a:schemeClr val="lt1"/>
+          </a:fontRef>
+        </p:style>
+        <p:txBody>
+          <a:bodyPr rtlCol="0" anchor="ctr"/>
+          <a:lstStyle/>
+          <a:p>
+            <a:pPr algn="ctr"/>
+            <a:r>
+              <a:rPr lang="en-US" sz="1200" dirty="0">
+                <a:solidFill>
+                  <a:schemeClr val="tx1"/>
+                </a:solidFill>
+                <a:latin typeface="Avenir Book" panose="02000503020000020003" pitchFamily="2" charset="0"/>
+              </a:rPr>
+              <a:t>TLS</a:t>
+            </a:r>
+          </a:p>
+        </p:txBody>
+      </p:sp>
+      <p:sp>
+        <p:nvSpPr>
+          <p:cNvPr id="44" name="Rectangle 43">
+            <a:extLst>
+              <a:ext uri="{FF2B5EF4-FFF2-40B4-BE49-F238E27FC236}">
+                <a16:creationId xmlns:a16="http://schemas.microsoft.com/office/drawing/2014/main" id="{9C5E52E3-2F39-CF43-AD69-F2936F272B82}"/>
+              </a:ext>
+            </a:extLst>
+          </p:cNvPr>
+          <p:cNvSpPr/>
+          <p:nvPr/>
+        </p:nvSpPr>
+        <p:spPr>
+          <a:xfrm>
+            <a:off x="5247611" y="4878921"/>
+            <a:ext cx="1167009" cy="324156"/>
+          </a:xfrm>
+          <a:prstGeom prst="rect">
+            <a:avLst/>
+          </a:prstGeom>
+          <a:noFill/>
+          <a:ln>
+            <a:noFill/>
+          </a:ln>
+        </p:spPr>
+        <p:style>
+          <a:lnRef idx="2">
+            <a:schemeClr val="accent1">
+              <a:shade val="50000"/>
+            </a:schemeClr>
+          </a:lnRef>
+          <a:fillRef idx="1">
+            <a:schemeClr val="accent1"/>
+          </a:fillRef>
+          <a:effectRef idx="0">
+            <a:schemeClr val="accent1"/>
+          </a:effectRef>
+          <a:fontRef idx="minor">
+            <a:schemeClr val="lt1"/>
+          </a:fontRef>
+        </p:style>
+        <p:txBody>
+          <a:bodyPr rtlCol="0" anchor="ctr"/>
+          <a:lstStyle/>
+          <a:p>
+            <a:pPr algn="ctr"/>
+            <a:r>
+              <a:rPr lang="en-US" sz="1200" dirty="0">
+                <a:solidFill>
+                  <a:schemeClr val="tx1"/>
+                </a:solidFill>
+                <a:latin typeface="Avenir Book" panose="02000503020000020003" pitchFamily="2" charset="0"/>
+              </a:rPr>
+              <a:t>QKD</a:t>
+            </a:r>
+          </a:p>
+        </p:txBody>
+      </p:sp>
+    </p:spTree>
+    <p:extLst>
+      <p:ext uri="{BB962C8B-B14F-4D97-AF65-F5344CB8AC3E}">
+        <p14:creationId xmlns:p14="http://schemas.microsoft.com/office/powerpoint/2010/main" val="777216107"/>
+      </p:ext>
+    </p:extLst>
+  </p:cSld>
+  <p:clrMapOvr>
+    <a:masterClrMapping/>
+  </p:clrMapOvr>
+</p:sld>
+</file>
+
+<file path=ppt/slides/slide2.xml><?xml version="1.0" encoding="utf-8"?>
+<p:sld xmlns:a="http://schemas.openxmlformats.org/drawingml/2006/main" xmlns:r="http://schemas.openxmlformats.org/officeDocument/2006/relationships" xmlns:p="http://schemas.openxmlformats.org/presentationml/2006/main">
+  <p:cSld>
+    <p:spTree>
+      <p:nvGrpSpPr>
+        <p:cNvPr id="1" name=""/>
+        <p:cNvGrpSpPr/>
+        <p:nvPr/>
+      </p:nvGrpSpPr>
+      <p:grpSpPr>
+        <a:xfrm>
+          <a:off x="0" y="0"/>
+          <a:ext cx="0" cy="0"/>
+          <a:chOff x="0" y="0"/>
+          <a:chExt cx="0" cy="0"/>
+        </a:xfrm>
+      </p:grpSpPr>
+      <p:sp>
+        <p:nvSpPr>
           <p:cNvPr id="10" name="Rectangle 9">
             <a:extLst>
               <a:ext uri="{FF2B5EF4-FFF2-40B4-BE49-F238E27FC236}">
@@ -5319,6 +7146,5443 @@
     <p:extLst>
       <p:ext uri="{BB962C8B-B14F-4D97-AF65-F5344CB8AC3E}">
         <p14:creationId xmlns:p14="http://schemas.microsoft.com/office/powerpoint/2010/main" val="4110281301"/>
+      </p:ext>
+    </p:extLst>
+  </p:cSld>
+  <p:clrMapOvr>
+    <a:masterClrMapping/>
+  </p:clrMapOvr>
+</p:sld>
+</file>
+
+<file path=ppt/slides/slide3.xml><?xml version="1.0" encoding="utf-8"?>
+<p:sld xmlns:a="http://schemas.openxmlformats.org/drawingml/2006/main" xmlns:r="http://schemas.openxmlformats.org/officeDocument/2006/relationships" xmlns:p="http://schemas.openxmlformats.org/presentationml/2006/main">
+  <p:cSld>
+    <p:spTree>
+      <p:nvGrpSpPr>
+        <p:cNvPr id="1" name=""/>
+        <p:cNvGrpSpPr/>
+        <p:nvPr/>
+      </p:nvGrpSpPr>
+      <p:grpSpPr>
+        <a:xfrm>
+          <a:off x="0" y="0"/>
+          <a:ext cx="0" cy="0"/>
+          <a:chOff x="0" y="0"/>
+          <a:chExt cx="0" cy="0"/>
+        </a:xfrm>
+      </p:grpSpPr>
+      <p:grpSp>
+        <p:nvGrpSpPr>
+          <p:cNvPr id="5" name="Group 4">
+            <a:extLst>
+              <a:ext uri="{FF2B5EF4-FFF2-40B4-BE49-F238E27FC236}">
+                <a16:creationId xmlns:a16="http://schemas.microsoft.com/office/drawing/2014/main" id="{DE103488-5428-2942-BAB8-32C9DDB3110D}"/>
+              </a:ext>
+            </a:extLst>
+          </p:cNvPr>
+          <p:cNvGrpSpPr/>
+          <p:nvPr/>
+        </p:nvGrpSpPr>
+        <p:grpSpPr>
+          <a:xfrm>
+            <a:off x="1920788" y="539707"/>
+            <a:ext cx="7834303" cy="5745751"/>
+            <a:chOff x="1920788" y="539707"/>
+            <a:chExt cx="7834303" cy="5745751"/>
+          </a:xfrm>
+        </p:grpSpPr>
+        <p:sp>
+          <p:nvSpPr>
+            <p:cNvPr id="10" name="Rectangle 9">
+              <a:extLst>
+                <a:ext uri="{FF2B5EF4-FFF2-40B4-BE49-F238E27FC236}">
+                  <a16:creationId xmlns:a16="http://schemas.microsoft.com/office/drawing/2014/main" id="{A5D2A871-5D38-DE4E-9E95-16423FD998E4}"/>
+                </a:ext>
+              </a:extLst>
+            </p:cNvPr>
+            <p:cNvSpPr/>
+            <p:nvPr/>
+          </p:nvSpPr>
+          <p:spPr>
+            <a:xfrm>
+              <a:off x="2481850" y="1844843"/>
+              <a:ext cx="2209800" cy="676542"/>
+            </a:xfrm>
+            <a:prstGeom prst="rect">
+              <a:avLst/>
+            </a:prstGeom>
+            <a:solidFill>
+              <a:schemeClr val="accent1">
+                <a:lumMod val="20000"/>
+                <a:lumOff val="80000"/>
+              </a:schemeClr>
+            </a:solidFill>
+            <a:ln>
+              <a:solidFill>
+                <a:schemeClr val="accent1">
+                  <a:lumMod val="50000"/>
+                </a:schemeClr>
+              </a:solidFill>
+            </a:ln>
+          </p:spPr>
+          <p:style>
+            <a:lnRef idx="2">
+              <a:schemeClr val="accent1">
+                <a:shade val="50000"/>
+              </a:schemeClr>
+            </a:lnRef>
+            <a:fillRef idx="1">
+              <a:schemeClr val="accent1"/>
+            </a:fillRef>
+            <a:effectRef idx="0">
+              <a:schemeClr val="accent1"/>
+            </a:effectRef>
+            <a:fontRef idx="minor">
+              <a:schemeClr val="lt1"/>
+            </a:fontRef>
+          </p:style>
+          <p:txBody>
+            <a:bodyPr rtlCol="0" anchor="ctr"/>
+            <a:lstStyle/>
+            <a:p>
+              <a:pPr algn="ctr"/>
+              <a:r>
+                <a:rPr lang="en-US" sz="1200" dirty="0">
+                  <a:solidFill>
+                    <a:schemeClr val="tx1"/>
+                  </a:solidFill>
+                  <a:latin typeface="Avenir Book" panose="02000503020000020003" pitchFamily="2" charset="0"/>
+                </a:rPr>
+                <a:t>Mock QKD client engine</a:t>
+              </a:r>
+            </a:p>
+            <a:p>
+              <a:pPr algn="ctr"/>
+              <a:r>
+                <a:rPr lang="en-US" sz="900" dirty="0">
+                  <a:solidFill>
+                    <a:schemeClr val="tx1"/>
+                  </a:solidFill>
+                  <a:latin typeface="Avenir Book" panose="02000503020000020003" pitchFamily="2" charset="0"/>
+                </a:rPr>
+                <a:t>(Dynamically loaded library)</a:t>
+              </a:r>
+            </a:p>
+          </p:txBody>
+        </p:sp>
+        <p:sp>
+          <p:nvSpPr>
+            <p:cNvPr id="16" name="Freeform 15">
+              <a:extLst>
+                <a:ext uri="{FF2B5EF4-FFF2-40B4-BE49-F238E27FC236}">
+                  <a16:creationId xmlns:a16="http://schemas.microsoft.com/office/drawing/2014/main" id="{E3CBA352-561A-5741-8550-4A874244518C}"/>
+                </a:ext>
+              </a:extLst>
+            </p:cNvPr>
+            <p:cNvSpPr/>
+            <p:nvPr/>
+          </p:nvSpPr>
+          <p:spPr>
+            <a:xfrm>
+              <a:off x="1924236" y="1218678"/>
+              <a:ext cx="3331923" cy="1302707"/>
+            </a:xfrm>
+            <a:custGeom>
+              <a:avLst/>
+              <a:gdLst>
+                <a:gd name="connsiteX0" fmla="*/ 0 w 3331923"/>
+                <a:gd name="connsiteY0" fmla="*/ 0 h 1302707"/>
+                <a:gd name="connsiteX1" fmla="*/ 0 w 3331923"/>
+                <a:gd name="connsiteY1" fmla="*/ 1290181 h 1302707"/>
+                <a:gd name="connsiteX2" fmla="*/ 463463 w 3331923"/>
+                <a:gd name="connsiteY2" fmla="*/ 1290181 h 1302707"/>
+                <a:gd name="connsiteX3" fmla="*/ 463463 w 3331923"/>
+                <a:gd name="connsiteY3" fmla="*/ 519830 h 1302707"/>
+                <a:gd name="connsiteX4" fmla="*/ 2880986 w 3331923"/>
+                <a:gd name="connsiteY4" fmla="*/ 519830 h 1302707"/>
+                <a:gd name="connsiteX5" fmla="*/ 2880986 w 3331923"/>
+                <a:gd name="connsiteY5" fmla="*/ 1302707 h 1302707"/>
+                <a:gd name="connsiteX6" fmla="*/ 3331923 w 3331923"/>
+                <a:gd name="connsiteY6" fmla="*/ 1302707 h 1302707"/>
+                <a:gd name="connsiteX7" fmla="*/ 3331923 w 3331923"/>
+                <a:gd name="connsiteY7" fmla="*/ 12526 h 1302707"/>
+                <a:gd name="connsiteX8" fmla="*/ 0 w 3331923"/>
+                <a:gd name="connsiteY8" fmla="*/ 0 h 1302707"/>
+              </a:gdLst>
+              <a:ahLst/>
+              <a:cxnLst>
+                <a:cxn ang="0">
+                  <a:pos x="connsiteX0" y="connsiteY0"/>
+                </a:cxn>
+                <a:cxn ang="0">
+                  <a:pos x="connsiteX1" y="connsiteY1"/>
+                </a:cxn>
+                <a:cxn ang="0">
+                  <a:pos x="connsiteX2" y="connsiteY2"/>
+                </a:cxn>
+                <a:cxn ang="0">
+                  <a:pos x="connsiteX3" y="connsiteY3"/>
+                </a:cxn>
+                <a:cxn ang="0">
+                  <a:pos x="connsiteX4" y="connsiteY4"/>
+                </a:cxn>
+                <a:cxn ang="0">
+                  <a:pos x="connsiteX5" y="connsiteY5"/>
+                </a:cxn>
+                <a:cxn ang="0">
+                  <a:pos x="connsiteX6" y="connsiteY6"/>
+                </a:cxn>
+                <a:cxn ang="0">
+                  <a:pos x="connsiteX7" y="connsiteY7"/>
+                </a:cxn>
+                <a:cxn ang="0">
+                  <a:pos x="connsiteX8" y="connsiteY8"/>
+                </a:cxn>
+              </a:cxnLst>
+              <a:rect l="l" t="t" r="r" b="b"/>
+              <a:pathLst>
+                <a:path w="3331923" h="1302707">
+                  <a:moveTo>
+                    <a:pt x="0" y="0"/>
+                  </a:moveTo>
+                  <a:lnTo>
+                    <a:pt x="0" y="1290181"/>
+                  </a:lnTo>
+                  <a:lnTo>
+                    <a:pt x="463463" y="1290181"/>
+                  </a:lnTo>
+                  <a:lnTo>
+                    <a:pt x="463463" y="519830"/>
+                  </a:lnTo>
+                  <a:lnTo>
+                    <a:pt x="2880986" y="519830"/>
+                  </a:lnTo>
+                  <a:lnTo>
+                    <a:pt x="2880986" y="1302707"/>
+                  </a:lnTo>
+                  <a:lnTo>
+                    <a:pt x="3331923" y="1302707"/>
+                  </a:lnTo>
+                  <a:lnTo>
+                    <a:pt x="3331923" y="12526"/>
+                  </a:lnTo>
+                  <a:lnTo>
+                    <a:pt x="0" y="0"/>
+                  </a:lnTo>
+                  <a:close/>
+                </a:path>
+              </a:pathLst>
+            </a:custGeom>
+            <a:solidFill>
+              <a:schemeClr val="bg1">
+                <a:lumMod val="95000"/>
+              </a:schemeClr>
+            </a:solidFill>
+            <a:ln>
+              <a:solidFill>
+                <a:schemeClr val="tx1"/>
+              </a:solidFill>
+            </a:ln>
+          </p:spPr>
+          <p:style>
+            <a:lnRef idx="2">
+              <a:schemeClr val="accent1">
+                <a:shade val="50000"/>
+              </a:schemeClr>
+            </a:lnRef>
+            <a:fillRef idx="1">
+              <a:schemeClr val="accent1"/>
+            </a:fillRef>
+            <a:effectRef idx="0">
+              <a:schemeClr val="accent1"/>
+            </a:effectRef>
+            <a:fontRef idx="minor">
+              <a:schemeClr val="lt1"/>
+            </a:fontRef>
+          </p:style>
+          <p:txBody>
+            <a:bodyPr rtlCol="0" anchor="ctr"/>
+            <a:lstStyle/>
+            <a:p>
+              <a:pPr algn="ctr"/>
+              <a:r>
+                <a:rPr lang="en-US" sz="1200" dirty="0">
+                  <a:solidFill>
+                    <a:schemeClr val="tx1"/>
+                  </a:solidFill>
+                  <a:latin typeface="Avenir Book" panose="02000503020000020003" pitchFamily="2" charset="0"/>
+                </a:rPr>
+                <a:t>OpenSSL library</a:t>
+              </a:r>
+            </a:p>
+            <a:p>
+              <a:pPr algn="ctr"/>
+              <a:endParaRPr lang="en-US" sz="1200" dirty="0">
+                <a:solidFill>
+                  <a:schemeClr val="tx1"/>
+                </a:solidFill>
+                <a:latin typeface="Avenir Book" panose="02000503020000020003" pitchFamily="2" charset="0"/>
+              </a:endParaRPr>
+            </a:p>
+            <a:p>
+              <a:pPr algn="ctr"/>
+              <a:endParaRPr lang="en-US" sz="1200" dirty="0">
+                <a:solidFill>
+                  <a:schemeClr val="tx1"/>
+                </a:solidFill>
+                <a:latin typeface="Avenir Book" panose="02000503020000020003" pitchFamily="2" charset="0"/>
+              </a:endParaRPr>
+            </a:p>
+            <a:p>
+              <a:pPr algn="ctr"/>
+              <a:endParaRPr lang="en-US" sz="1200" dirty="0">
+                <a:solidFill>
+                  <a:schemeClr val="tx1"/>
+                </a:solidFill>
+                <a:latin typeface="Avenir Book" panose="02000503020000020003" pitchFamily="2" charset="0"/>
+              </a:endParaRPr>
+            </a:p>
+            <a:p>
+              <a:pPr algn="ctr"/>
+              <a:endParaRPr lang="en-US" sz="1200" dirty="0">
+                <a:solidFill>
+                  <a:schemeClr val="tx1"/>
+                </a:solidFill>
+                <a:latin typeface="Avenir Book" panose="02000503020000020003" pitchFamily="2" charset="0"/>
+              </a:endParaRPr>
+            </a:p>
+          </p:txBody>
+        </p:sp>
+        <p:sp>
+          <p:nvSpPr>
+            <p:cNvPr id="4" name="Rectangle 3">
+              <a:extLst>
+                <a:ext uri="{FF2B5EF4-FFF2-40B4-BE49-F238E27FC236}">
+                  <a16:creationId xmlns:a16="http://schemas.microsoft.com/office/drawing/2014/main" id="{2C813C25-BC60-A944-9602-281ED8C8DC2A}"/>
+                </a:ext>
+              </a:extLst>
+            </p:cNvPr>
+            <p:cNvSpPr/>
+            <p:nvPr/>
+          </p:nvSpPr>
+          <p:spPr>
+            <a:xfrm>
+              <a:off x="1924236" y="3038649"/>
+              <a:ext cx="3331923" cy="691497"/>
+            </a:xfrm>
+            <a:prstGeom prst="rect">
+              <a:avLst/>
+            </a:prstGeom>
+            <a:solidFill>
+              <a:schemeClr val="accent1">
+                <a:lumMod val="20000"/>
+                <a:lumOff val="80000"/>
+              </a:schemeClr>
+            </a:solidFill>
+            <a:ln>
+              <a:solidFill>
+                <a:schemeClr val="accent1">
+                  <a:lumMod val="50000"/>
+                </a:schemeClr>
+              </a:solidFill>
+            </a:ln>
+          </p:spPr>
+          <p:style>
+            <a:lnRef idx="2">
+              <a:schemeClr val="accent1">
+                <a:shade val="50000"/>
+              </a:schemeClr>
+            </a:lnRef>
+            <a:fillRef idx="1">
+              <a:schemeClr val="accent1"/>
+            </a:fillRef>
+            <a:effectRef idx="0">
+              <a:schemeClr val="accent1"/>
+            </a:effectRef>
+            <a:fontRef idx="minor">
+              <a:schemeClr val="lt1"/>
+            </a:fontRef>
+          </p:style>
+          <p:txBody>
+            <a:bodyPr rtlCol="0" anchor="ctr"/>
+            <a:lstStyle/>
+            <a:p>
+              <a:pPr algn="ctr"/>
+              <a:r>
+                <a:rPr lang="en-US" sz="1200" dirty="0">
+                  <a:solidFill>
+                    <a:schemeClr val="tx1"/>
+                  </a:solidFill>
+                  <a:latin typeface="Avenir Book" panose="02000503020000020003" pitchFamily="2" charset="0"/>
+                </a:rPr>
+                <a:t>Diffie-Hellman (DH) client</a:t>
+              </a:r>
+            </a:p>
+          </p:txBody>
+        </p:sp>
+        <p:sp>
+          <p:nvSpPr>
+            <p:cNvPr id="22" name="Rectangle 21">
+              <a:extLst>
+                <a:ext uri="{FF2B5EF4-FFF2-40B4-BE49-F238E27FC236}">
+                  <a16:creationId xmlns:a16="http://schemas.microsoft.com/office/drawing/2014/main" id="{244355E9-7BC9-A643-B4A4-BF2A377474AB}"/>
+                </a:ext>
+              </a:extLst>
+            </p:cNvPr>
+            <p:cNvSpPr/>
+            <p:nvPr/>
+          </p:nvSpPr>
+          <p:spPr>
+            <a:xfrm>
+              <a:off x="1924236" y="539707"/>
+              <a:ext cx="3331923" cy="691497"/>
+            </a:xfrm>
+            <a:prstGeom prst="rect">
+              <a:avLst/>
+            </a:prstGeom>
+            <a:solidFill>
+              <a:schemeClr val="bg1">
+                <a:lumMod val="95000"/>
+              </a:schemeClr>
+            </a:solidFill>
+            <a:ln>
+              <a:solidFill>
+                <a:schemeClr val="tx1"/>
+              </a:solidFill>
+            </a:ln>
+          </p:spPr>
+          <p:style>
+            <a:lnRef idx="2">
+              <a:schemeClr val="accent1">
+                <a:shade val="50000"/>
+              </a:schemeClr>
+            </a:lnRef>
+            <a:fillRef idx="1">
+              <a:schemeClr val="accent1"/>
+            </a:fillRef>
+            <a:effectRef idx="0">
+              <a:schemeClr val="accent1"/>
+            </a:effectRef>
+            <a:fontRef idx="minor">
+              <a:schemeClr val="lt1"/>
+            </a:fontRef>
+          </p:style>
+          <p:txBody>
+            <a:bodyPr rtlCol="0" anchor="ctr"/>
+            <a:lstStyle/>
+            <a:p>
+              <a:pPr algn="ctr"/>
+              <a:r>
+                <a:rPr lang="en-US" sz="1200" dirty="0">
+                  <a:solidFill>
+                    <a:schemeClr val="tx1"/>
+                  </a:solidFill>
+                  <a:latin typeface="Avenir Book" panose="02000503020000020003" pitchFamily="2" charset="0"/>
+                </a:rPr>
+                <a:t>OpenSSL HTTPS web client</a:t>
+              </a:r>
+            </a:p>
+          </p:txBody>
+        </p:sp>
+        <p:sp>
+          <p:nvSpPr>
+            <p:cNvPr id="18" name="Rectangle 17">
+              <a:extLst>
+                <a:ext uri="{FF2B5EF4-FFF2-40B4-BE49-F238E27FC236}">
+                  <a16:creationId xmlns:a16="http://schemas.microsoft.com/office/drawing/2014/main" id="{6E5B8750-6929-4A43-AC59-95F7ABDB8D45}"/>
+                </a:ext>
+              </a:extLst>
+            </p:cNvPr>
+            <p:cNvSpPr/>
+            <p:nvPr/>
+          </p:nvSpPr>
+          <p:spPr>
+            <a:xfrm>
+              <a:off x="6984229" y="1844843"/>
+              <a:ext cx="2209800" cy="676542"/>
+            </a:xfrm>
+            <a:prstGeom prst="rect">
+              <a:avLst/>
+            </a:prstGeom>
+            <a:solidFill>
+              <a:schemeClr val="accent1">
+                <a:lumMod val="20000"/>
+                <a:lumOff val="80000"/>
+              </a:schemeClr>
+            </a:solidFill>
+            <a:ln>
+              <a:solidFill>
+                <a:schemeClr val="accent1">
+                  <a:lumMod val="50000"/>
+                </a:schemeClr>
+              </a:solidFill>
+            </a:ln>
+          </p:spPr>
+          <p:style>
+            <a:lnRef idx="2">
+              <a:schemeClr val="accent1">
+                <a:shade val="50000"/>
+              </a:schemeClr>
+            </a:lnRef>
+            <a:fillRef idx="1">
+              <a:schemeClr val="accent1"/>
+            </a:fillRef>
+            <a:effectRef idx="0">
+              <a:schemeClr val="accent1"/>
+            </a:effectRef>
+            <a:fontRef idx="minor">
+              <a:schemeClr val="lt1"/>
+            </a:fontRef>
+          </p:style>
+          <p:txBody>
+            <a:bodyPr rtlCol="0" anchor="ctr"/>
+            <a:lstStyle/>
+            <a:p>
+              <a:pPr algn="ctr"/>
+              <a:r>
+                <a:rPr lang="en-US" sz="1200" dirty="0">
+                  <a:solidFill>
+                    <a:schemeClr val="tx1"/>
+                  </a:solidFill>
+                  <a:latin typeface="Avenir Book" panose="02000503020000020003" pitchFamily="2" charset="0"/>
+                </a:rPr>
+                <a:t>Mock QKD server engine</a:t>
+              </a:r>
+            </a:p>
+            <a:p>
+              <a:pPr algn="ctr"/>
+              <a:r>
+                <a:rPr lang="en-US" sz="900" dirty="0">
+                  <a:solidFill>
+                    <a:schemeClr val="tx1"/>
+                  </a:solidFill>
+                  <a:latin typeface="Avenir Book" panose="02000503020000020003" pitchFamily="2" charset="0"/>
+                </a:rPr>
+                <a:t>(Dynamically loaded library)</a:t>
+              </a:r>
+            </a:p>
+          </p:txBody>
+        </p:sp>
+        <p:sp>
+          <p:nvSpPr>
+            <p:cNvPr id="25" name="Rectangle 24">
+              <a:extLst>
+                <a:ext uri="{FF2B5EF4-FFF2-40B4-BE49-F238E27FC236}">
+                  <a16:creationId xmlns:a16="http://schemas.microsoft.com/office/drawing/2014/main" id="{A7802D49-D786-8345-BA1F-D1226A234152}"/>
+                </a:ext>
+              </a:extLst>
+            </p:cNvPr>
+            <p:cNvSpPr/>
+            <p:nvPr/>
+          </p:nvSpPr>
+          <p:spPr>
+            <a:xfrm>
+              <a:off x="1924236" y="4052127"/>
+              <a:ext cx="3331923" cy="691497"/>
+            </a:xfrm>
+            <a:prstGeom prst="rect">
+              <a:avLst/>
+            </a:prstGeom>
+            <a:solidFill>
+              <a:schemeClr val="accent1">
+                <a:lumMod val="20000"/>
+                <a:lumOff val="80000"/>
+              </a:schemeClr>
+            </a:solidFill>
+            <a:ln>
+              <a:solidFill>
+                <a:schemeClr val="accent1">
+                  <a:lumMod val="50000"/>
+                </a:schemeClr>
+              </a:solidFill>
+            </a:ln>
+          </p:spPr>
+          <p:style>
+            <a:lnRef idx="2">
+              <a:schemeClr val="accent1">
+                <a:shade val="50000"/>
+              </a:schemeClr>
+            </a:lnRef>
+            <a:fillRef idx="1">
+              <a:schemeClr val="accent1"/>
+            </a:fillRef>
+            <a:effectRef idx="0">
+              <a:schemeClr val="accent1"/>
+            </a:effectRef>
+            <a:fontRef idx="minor">
+              <a:schemeClr val="lt1"/>
+            </a:fontRef>
+          </p:style>
+          <p:txBody>
+            <a:bodyPr rtlCol="0" anchor="ctr"/>
+            <a:lstStyle/>
+            <a:p>
+              <a:pPr algn="ctr"/>
+              <a:r>
+                <a:rPr lang="en-US" sz="1200" dirty="0">
+                  <a:solidFill>
+                    <a:schemeClr val="tx1"/>
+                  </a:solidFill>
+                  <a:latin typeface="Avenir Book" panose="02000503020000020003" pitchFamily="2" charset="0"/>
+                </a:rPr>
+                <a:t>BB84 QKD API implementation</a:t>
+              </a:r>
+            </a:p>
+          </p:txBody>
+        </p:sp>
+        <p:sp>
+          <p:nvSpPr>
+            <p:cNvPr id="23" name="Rectangle 22">
+              <a:extLst>
+                <a:ext uri="{FF2B5EF4-FFF2-40B4-BE49-F238E27FC236}">
+                  <a16:creationId xmlns:a16="http://schemas.microsoft.com/office/drawing/2014/main" id="{74480A20-B1C6-3F41-846E-C88BDA989B02}"/>
+                </a:ext>
+              </a:extLst>
+            </p:cNvPr>
+            <p:cNvSpPr/>
+            <p:nvPr/>
+          </p:nvSpPr>
+          <p:spPr>
+            <a:xfrm>
+              <a:off x="1924236" y="3730147"/>
+              <a:ext cx="3331923" cy="324156"/>
+            </a:xfrm>
+            <a:prstGeom prst="rect">
+              <a:avLst/>
+            </a:prstGeom>
+            <a:solidFill>
+              <a:schemeClr val="accent1">
+                <a:lumMod val="20000"/>
+                <a:lumOff val="80000"/>
+              </a:schemeClr>
+            </a:solidFill>
+            <a:ln>
+              <a:solidFill>
+                <a:schemeClr val="accent1">
+                  <a:lumMod val="50000"/>
+                </a:schemeClr>
+              </a:solidFill>
+            </a:ln>
+          </p:spPr>
+          <p:style>
+            <a:lnRef idx="2">
+              <a:schemeClr val="accent1">
+                <a:shade val="50000"/>
+              </a:schemeClr>
+            </a:lnRef>
+            <a:fillRef idx="1">
+              <a:schemeClr val="accent1"/>
+            </a:fillRef>
+            <a:effectRef idx="0">
+              <a:schemeClr val="accent1"/>
+            </a:effectRef>
+            <a:fontRef idx="minor">
+              <a:schemeClr val="lt1"/>
+            </a:fontRef>
+          </p:style>
+          <p:txBody>
+            <a:bodyPr rtlCol="0" anchor="ctr"/>
+            <a:lstStyle/>
+            <a:p>
+              <a:pPr algn="ctr"/>
+              <a:r>
+                <a:rPr lang="en-US" sz="1200" dirty="0">
+                  <a:solidFill>
+                    <a:schemeClr val="tx1"/>
+                  </a:solidFill>
+                  <a:latin typeface="Avenir Book" panose="02000503020000020003" pitchFamily="2" charset="0"/>
+                </a:rPr>
+                <a:t>ETSI QKD API</a:t>
+              </a:r>
+            </a:p>
+          </p:txBody>
+        </p:sp>
+        <p:cxnSp>
+          <p:nvCxnSpPr>
+            <p:cNvPr id="27" name="Straight Connector 26">
+              <a:extLst>
+                <a:ext uri="{FF2B5EF4-FFF2-40B4-BE49-F238E27FC236}">
+                  <a16:creationId xmlns:a16="http://schemas.microsoft.com/office/drawing/2014/main" id="{92B4A147-A6C2-8049-9721-8D4DB31E7AFE}"/>
+                </a:ext>
+              </a:extLst>
+            </p:cNvPr>
+            <p:cNvCxnSpPr/>
+            <p:nvPr/>
+          </p:nvCxnSpPr>
+          <p:spPr>
+            <a:xfrm flipH="1">
+              <a:off x="1924236" y="2521385"/>
+              <a:ext cx="557614" cy="517264"/>
+            </a:xfrm>
+            <a:prstGeom prst="line">
+              <a:avLst/>
+            </a:prstGeom>
+            <a:ln>
+              <a:solidFill>
+                <a:schemeClr val="accent1">
+                  <a:lumMod val="50000"/>
+                </a:schemeClr>
+              </a:solidFill>
+              <a:prstDash val="sysDash"/>
+            </a:ln>
+          </p:spPr>
+          <p:style>
+            <a:lnRef idx="1">
+              <a:schemeClr val="accent1"/>
+            </a:lnRef>
+            <a:fillRef idx="0">
+              <a:schemeClr val="accent1"/>
+            </a:fillRef>
+            <a:effectRef idx="0">
+              <a:schemeClr val="accent1"/>
+            </a:effectRef>
+            <a:fontRef idx="minor">
+              <a:schemeClr val="tx1"/>
+            </a:fontRef>
+          </p:style>
+        </p:cxnSp>
+        <p:cxnSp>
+          <p:nvCxnSpPr>
+            <p:cNvPr id="29" name="Straight Connector 28">
+              <a:extLst>
+                <a:ext uri="{FF2B5EF4-FFF2-40B4-BE49-F238E27FC236}">
+                  <a16:creationId xmlns:a16="http://schemas.microsoft.com/office/drawing/2014/main" id="{4A1D47E8-89AC-6740-94C1-4B5F4CE1B384}"/>
+                </a:ext>
+              </a:extLst>
+            </p:cNvPr>
+            <p:cNvCxnSpPr/>
+            <p:nvPr/>
+          </p:nvCxnSpPr>
+          <p:spPr>
+            <a:xfrm>
+              <a:off x="4691650" y="2521385"/>
+              <a:ext cx="564509" cy="517264"/>
+            </a:xfrm>
+            <a:prstGeom prst="line">
+              <a:avLst/>
+            </a:prstGeom>
+            <a:ln>
+              <a:solidFill>
+                <a:schemeClr val="accent1">
+                  <a:lumMod val="50000"/>
+                </a:schemeClr>
+              </a:solidFill>
+              <a:prstDash val="sysDash"/>
+            </a:ln>
+          </p:spPr>
+          <p:style>
+            <a:lnRef idx="1">
+              <a:schemeClr val="accent1"/>
+            </a:lnRef>
+            <a:fillRef idx="0">
+              <a:schemeClr val="accent1"/>
+            </a:fillRef>
+            <a:effectRef idx="0">
+              <a:schemeClr val="accent1"/>
+            </a:effectRef>
+            <a:fontRef idx="minor">
+              <a:schemeClr val="tx1"/>
+            </a:fontRef>
+          </p:style>
+        </p:cxnSp>
+        <p:sp>
+          <p:nvSpPr>
+            <p:cNvPr id="30" name="Rectangle 29">
+              <a:extLst>
+                <a:ext uri="{FF2B5EF4-FFF2-40B4-BE49-F238E27FC236}">
+                  <a16:creationId xmlns:a16="http://schemas.microsoft.com/office/drawing/2014/main" id="{432B952E-F502-614B-B4E7-2DE87249813F}"/>
+                </a:ext>
+              </a:extLst>
+            </p:cNvPr>
+            <p:cNvSpPr/>
+            <p:nvPr/>
+          </p:nvSpPr>
+          <p:spPr>
+            <a:xfrm>
+              <a:off x="6423168" y="3038649"/>
+              <a:ext cx="3331923" cy="691497"/>
+            </a:xfrm>
+            <a:prstGeom prst="rect">
+              <a:avLst/>
+            </a:prstGeom>
+            <a:solidFill>
+              <a:schemeClr val="accent1">
+                <a:lumMod val="20000"/>
+                <a:lumOff val="80000"/>
+              </a:schemeClr>
+            </a:solidFill>
+            <a:ln>
+              <a:solidFill>
+                <a:schemeClr val="accent1">
+                  <a:lumMod val="50000"/>
+                </a:schemeClr>
+              </a:solidFill>
+            </a:ln>
+          </p:spPr>
+          <p:style>
+            <a:lnRef idx="2">
+              <a:schemeClr val="accent1">
+                <a:shade val="50000"/>
+              </a:schemeClr>
+            </a:lnRef>
+            <a:fillRef idx="1">
+              <a:schemeClr val="accent1"/>
+            </a:fillRef>
+            <a:effectRef idx="0">
+              <a:schemeClr val="accent1"/>
+            </a:effectRef>
+            <a:fontRef idx="minor">
+              <a:schemeClr val="lt1"/>
+            </a:fontRef>
+          </p:style>
+          <p:txBody>
+            <a:bodyPr rtlCol="0" anchor="ctr"/>
+            <a:lstStyle/>
+            <a:p>
+              <a:pPr algn="ctr"/>
+              <a:r>
+                <a:rPr lang="en-US" sz="1200" dirty="0">
+                  <a:solidFill>
+                    <a:schemeClr val="tx1"/>
+                  </a:solidFill>
+                  <a:latin typeface="Avenir Book" panose="02000503020000020003" pitchFamily="2" charset="0"/>
+                </a:rPr>
+                <a:t>Diffie-Hellman (DH) server</a:t>
+              </a:r>
+            </a:p>
+          </p:txBody>
+        </p:sp>
+        <p:sp>
+          <p:nvSpPr>
+            <p:cNvPr id="31" name="Rectangle 30">
+              <a:extLst>
+                <a:ext uri="{FF2B5EF4-FFF2-40B4-BE49-F238E27FC236}">
+                  <a16:creationId xmlns:a16="http://schemas.microsoft.com/office/drawing/2014/main" id="{D1D06FE1-3632-A741-87A7-73B1A8B90A7A}"/>
+                </a:ext>
+              </a:extLst>
+            </p:cNvPr>
+            <p:cNvSpPr/>
+            <p:nvPr/>
+          </p:nvSpPr>
+          <p:spPr>
+            <a:xfrm>
+              <a:off x="6423168" y="4052127"/>
+              <a:ext cx="3331923" cy="691497"/>
+            </a:xfrm>
+            <a:prstGeom prst="rect">
+              <a:avLst/>
+            </a:prstGeom>
+            <a:solidFill>
+              <a:schemeClr val="accent1">
+                <a:lumMod val="20000"/>
+                <a:lumOff val="80000"/>
+              </a:schemeClr>
+            </a:solidFill>
+            <a:ln>
+              <a:solidFill>
+                <a:schemeClr val="accent1">
+                  <a:lumMod val="50000"/>
+                </a:schemeClr>
+              </a:solidFill>
+            </a:ln>
+          </p:spPr>
+          <p:style>
+            <a:lnRef idx="2">
+              <a:schemeClr val="accent1">
+                <a:shade val="50000"/>
+              </a:schemeClr>
+            </a:lnRef>
+            <a:fillRef idx="1">
+              <a:schemeClr val="accent1"/>
+            </a:fillRef>
+            <a:effectRef idx="0">
+              <a:schemeClr val="accent1"/>
+            </a:effectRef>
+            <a:fontRef idx="minor">
+              <a:schemeClr val="lt1"/>
+            </a:fontRef>
+          </p:style>
+          <p:txBody>
+            <a:bodyPr rtlCol="0" anchor="ctr"/>
+            <a:lstStyle/>
+            <a:p>
+              <a:pPr algn="ctr"/>
+              <a:r>
+                <a:rPr lang="en-US" sz="1200" dirty="0">
+                  <a:solidFill>
+                    <a:schemeClr val="tx1"/>
+                  </a:solidFill>
+                  <a:latin typeface="Avenir Book" panose="02000503020000020003" pitchFamily="2" charset="0"/>
+                </a:rPr>
+                <a:t>BB84 QKD API implementation</a:t>
+              </a:r>
+            </a:p>
+          </p:txBody>
+        </p:sp>
+        <p:sp>
+          <p:nvSpPr>
+            <p:cNvPr id="32" name="Rectangle 31">
+              <a:extLst>
+                <a:ext uri="{FF2B5EF4-FFF2-40B4-BE49-F238E27FC236}">
+                  <a16:creationId xmlns:a16="http://schemas.microsoft.com/office/drawing/2014/main" id="{9035DBE4-1711-BC41-9C6D-4228A4ABEC69}"/>
+                </a:ext>
+              </a:extLst>
+            </p:cNvPr>
+            <p:cNvSpPr/>
+            <p:nvPr/>
+          </p:nvSpPr>
+          <p:spPr>
+            <a:xfrm>
+              <a:off x="6423168" y="3730147"/>
+              <a:ext cx="3331923" cy="324156"/>
+            </a:xfrm>
+            <a:prstGeom prst="rect">
+              <a:avLst/>
+            </a:prstGeom>
+            <a:solidFill>
+              <a:schemeClr val="accent1">
+                <a:lumMod val="20000"/>
+                <a:lumOff val="80000"/>
+              </a:schemeClr>
+            </a:solidFill>
+            <a:ln>
+              <a:solidFill>
+                <a:schemeClr val="accent1">
+                  <a:lumMod val="50000"/>
+                </a:schemeClr>
+              </a:solidFill>
+            </a:ln>
+          </p:spPr>
+          <p:style>
+            <a:lnRef idx="2">
+              <a:schemeClr val="accent1">
+                <a:shade val="50000"/>
+              </a:schemeClr>
+            </a:lnRef>
+            <a:fillRef idx="1">
+              <a:schemeClr val="accent1"/>
+            </a:fillRef>
+            <a:effectRef idx="0">
+              <a:schemeClr val="accent1"/>
+            </a:effectRef>
+            <a:fontRef idx="minor">
+              <a:schemeClr val="lt1"/>
+            </a:fontRef>
+          </p:style>
+          <p:txBody>
+            <a:bodyPr rtlCol="0" anchor="ctr"/>
+            <a:lstStyle/>
+            <a:p>
+              <a:pPr algn="ctr"/>
+              <a:r>
+                <a:rPr lang="en-US" sz="1200" dirty="0">
+                  <a:solidFill>
+                    <a:schemeClr val="tx1"/>
+                  </a:solidFill>
+                  <a:latin typeface="Avenir Book" panose="02000503020000020003" pitchFamily="2" charset="0"/>
+                </a:rPr>
+                <a:t>ETSI QKD API</a:t>
+              </a:r>
+            </a:p>
+          </p:txBody>
+        </p:sp>
+        <p:cxnSp>
+          <p:nvCxnSpPr>
+            <p:cNvPr id="33" name="Straight Connector 32">
+              <a:extLst>
+                <a:ext uri="{FF2B5EF4-FFF2-40B4-BE49-F238E27FC236}">
+                  <a16:creationId xmlns:a16="http://schemas.microsoft.com/office/drawing/2014/main" id="{EDC44334-0AF8-3B4B-ACD5-01EC579719CB}"/>
+                </a:ext>
+              </a:extLst>
+            </p:cNvPr>
+            <p:cNvCxnSpPr/>
+            <p:nvPr/>
+          </p:nvCxnSpPr>
+          <p:spPr>
+            <a:xfrm flipH="1">
+              <a:off x="6423168" y="2521385"/>
+              <a:ext cx="557614" cy="517264"/>
+            </a:xfrm>
+            <a:prstGeom prst="line">
+              <a:avLst/>
+            </a:prstGeom>
+            <a:ln>
+              <a:solidFill>
+                <a:schemeClr val="accent1">
+                  <a:lumMod val="50000"/>
+                </a:schemeClr>
+              </a:solidFill>
+              <a:prstDash val="sysDash"/>
+            </a:ln>
+          </p:spPr>
+          <p:style>
+            <a:lnRef idx="1">
+              <a:schemeClr val="accent1"/>
+            </a:lnRef>
+            <a:fillRef idx="0">
+              <a:schemeClr val="accent1"/>
+            </a:fillRef>
+            <a:effectRef idx="0">
+              <a:schemeClr val="accent1"/>
+            </a:effectRef>
+            <a:fontRef idx="minor">
+              <a:schemeClr val="tx1"/>
+            </a:fontRef>
+          </p:style>
+        </p:cxnSp>
+        <p:cxnSp>
+          <p:nvCxnSpPr>
+            <p:cNvPr id="34" name="Straight Connector 33">
+              <a:extLst>
+                <a:ext uri="{FF2B5EF4-FFF2-40B4-BE49-F238E27FC236}">
+                  <a16:creationId xmlns:a16="http://schemas.microsoft.com/office/drawing/2014/main" id="{7A6B1CC5-90C4-8848-8A6D-A70FA530352B}"/>
+                </a:ext>
+              </a:extLst>
+            </p:cNvPr>
+            <p:cNvCxnSpPr/>
+            <p:nvPr/>
+          </p:nvCxnSpPr>
+          <p:spPr>
+            <a:xfrm>
+              <a:off x="9190582" y="2521385"/>
+              <a:ext cx="564509" cy="517264"/>
+            </a:xfrm>
+            <a:prstGeom prst="line">
+              <a:avLst/>
+            </a:prstGeom>
+            <a:ln>
+              <a:solidFill>
+                <a:schemeClr val="accent1">
+                  <a:lumMod val="50000"/>
+                </a:schemeClr>
+              </a:solidFill>
+              <a:prstDash val="sysDash"/>
+            </a:ln>
+          </p:spPr>
+          <p:style>
+            <a:lnRef idx="1">
+              <a:schemeClr val="accent1"/>
+            </a:lnRef>
+            <a:fillRef idx="0">
+              <a:schemeClr val="accent1"/>
+            </a:fillRef>
+            <a:effectRef idx="0">
+              <a:schemeClr val="accent1"/>
+            </a:effectRef>
+            <a:fontRef idx="minor">
+              <a:schemeClr val="tx1"/>
+            </a:fontRef>
+          </p:style>
+        </p:cxnSp>
+        <p:sp>
+          <p:nvSpPr>
+            <p:cNvPr id="36" name="Freeform 35">
+              <a:extLst>
+                <a:ext uri="{FF2B5EF4-FFF2-40B4-BE49-F238E27FC236}">
+                  <a16:creationId xmlns:a16="http://schemas.microsoft.com/office/drawing/2014/main" id="{B49FA24B-14FF-794A-B029-00919BE81760}"/>
+                </a:ext>
+              </a:extLst>
+            </p:cNvPr>
+            <p:cNvSpPr/>
+            <p:nvPr/>
+          </p:nvSpPr>
+          <p:spPr>
+            <a:xfrm>
+              <a:off x="6423168" y="1218678"/>
+              <a:ext cx="3331923" cy="1302707"/>
+            </a:xfrm>
+            <a:custGeom>
+              <a:avLst/>
+              <a:gdLst>
+                <a:gd name="connsiteX0" fmla="*/ 0 w 3331923"/>
+                <a:gd name="connsiteY0" fmla="*/ 0 h 1302707"/>
+                <a:gd name="connsiteX1" fmla="*/ 0 w 3331923"/>
+                <a:gd name="connsiteY1" fmla="*/ 1290181 h 1302707"/>
+                <a:gd name="connsiteX2" fmla="*/ 463463 w 3331923"/>
+                <a:gd name="connsiteY2" fmla="*/ 1290181 h 1302707"/>
+                <a:gd name="connsiteX3" fmla="*/ 463463 w 3331923"/>
+                <a:gd name="connsiteY3" fmla="*/ 519830 h 1302707"/>
+                <a:gd name="connsiteX4" fmla="*/ 2880986 w 3331923"/>
+                <a:gd name="connsiteY4" fmla="*/ 519830 h 1302707"/>
+                <a:gd name="connsiteX5" fmla="*/ 2880986 w 3331923"/>
+                <a:gd name="connsiteY5" fmla="*/ 1302707 h 1302707"/>
+                <a:gd name="connsiteX6" fmla="*/ 3331923 w 3331923"/>
+                <a:gd name="connsiteY6" fmla="*/ 1302707 h 1302707"/>
+                <a:gd name="connsiteX7" fmla="*/ 3331923 w 3331923"/>
+                <a:gd name="connsiteY7" fmla="*/ 12526 h 1302707"/>
+                <a:gd name="connsiteX8" fmla="*/ 0 w 3331923"/>
+                <a:gd name="connsiteY8" fmla="*/ 0 h 1302707"/>
+              </a:gdLst>
+              <a:ahLst/>
+              <a:cxnLst>
+                <a:cxn ang="0">
+                  <a:pos x="connsiteX0" y="connsiteY0"/>
+                </a:cxn>
+                <a:cxn ang="0">
+                  <a:pos x="connsiteX1" y="connsiteY1"/>
+                </a:cxn>
+                <a:cxn ang="0">
+                  <a:pos x="connsiteX2" y="connsiteY2"/>
+                </a:cxn>
+                <a:cxn ang="0">
+                  <a:pos x="connsiteX3" y="connsiteY3"/>
+                </a:cxn>
+                <a:cxn ang="0">
+                  <a:pos x="connsiteX4" y="connsiteY4"/>
+                </a:cxn>
+                <a:cxn ang="0">
+                  <a:pos x="connsiteX5" y="connsiteY5"/>
+                </a:cxn>
+                <a:cxn ang="0">
+                  <a:pos x="connsiteX6" y="connsiteY6"/>
+                </a:cxn>
+                <a:cxn ang="0">
+                  <a:pos x="connsiteX7" y="connsiteY7"/>
+                </a:cxn>
+                <a:cxn ang="0">
+                  <a:pos x="connsiteX8" y="connsiteY8"/>
+                </a:cxn>
+              </a:cxnLst>
+              <a:rect l="l" t="t" r="r" b="b"/>
+              <a:pathLst>
+                <a:path w="3331923" h="1302707">
+                  <a:moveTo>
+                    <a:pt x="0" y="0"/>
+                  </a:moveTo>
+                  <a:lnTo>
+                    <a:pt x="0" y="1290181"/>
+                  </a:lnTo>
+                  <a:lnTo>
+                    <a:pt x="463463" y="1290181"/>
+                  </a:lnTo>
+                  <a:lnTo>
+                    <a:pt x="463463" y="519830"/>
+                  </a:lnTo>
+                  <a:lnTo>
+                    <a:pt x="2880986" y="519830"/>
+                  </a:lnTo>
+                  <a:lnTo>
+                    <a:pt x="2880986" y="1302707"/>
+                  </a:lnTo>
+                  <a:lnTo>
+                    <a:pt x="3331923" y="1302707"/>
+                  </a:lnTo>
+                  <a:lnTo>
+                    <a:pt x="3331923" y="12526"/>
+                  </a:lnTo>
+                  <a:lnTo>
+                    <a:pt x="0" y="0"/>
+                  </a:lnTo>
+                  <a:close/>
+                </a:path>
+              </a:pathLst>
+            </a:custGeom>
+            <a:solidFill>
+              <a:schemeClr val="bg1">
+                <a:lumMod val="95000"/>
+              </a:schemeClr>
+            </a:solidFill>
+            <a:ln>
+              <a:solidFill>
+                <a:schemeClr val="tx1"/>
+              </a:solidFill>
+            </a:ln>
+          </p:spPr>
+          <p:style>
+            <a:lnRef idx="2">
+              <a:schemeClr val="accent1">
+                <a:shade val="50000"/>
+              </a:schemeClr>
+            </a:lnRef>
+            <a:fillRef idx="1">
+              <a:schemeClr val="accent1"/>
+            </a:fillRef>
+            <a:effectRef idx="0">
+              <a:schemeClr val="accent1"/>
+            </a:effectRef>
+            <a:fontRef idx="minor">
+              <a:schemeClr val="lt1"/>
+            </a:fontRef>
+          </p:style>
+          <p:txBody>
+            <a:bodyPr rtlCol="0" anchor="ctr"/>
+            <a:lstStyle/>
+            <a:p>
+              <a:pPr algn="ctr"/>
+              <a:r>
+                <a:rPr lang="en-US" sz="1200" dirty="0">
+                  <a:solidFill>
+                    <a:schemeClr val="tx1"/>
+                  </a:solidFill>
+                  <a:latin typeface="Avenir Book" panose="02000503020000020003" pitchFamily="2" charset="0"/>
+                </a:rPr>
+                <a:t>OpenSSL library</a:t>
+              </a:r>
+            </a:p>
+            <a:p>
+              <a:pPr algn="ctr"/>
+              <a:endParaRPr lang="en-US" sz="1200" dirty="0">
+                <a:solidFill>
+                  <a:schemeClr val="tx1"/>
+                </a:solidFill>
+                <a:latin typeface="Avenir Book" panose="02000503020000020003" pitchFamily="2" charset="0"/>
+              </a:endParaRPr>
+            </a:p>
+            <a:p>
+              <a:pPr algn="ctr"/>
+              <a:endParaRPr lang="en-US" sz="1200" dirty="0">
+                <a:solidFill>
+                  <a:schemeClr val="tx1"/>
+                </a:solidFill>
+                <a:latin typeface="Avenir Book" panose="02000503020000020003" pitchFamily="2" charset="0"/>
+              </a:endParaRPr>
+            </a:p>
+            <a:p>
+              <a:pPr algn="ctr"/>
+              <a:endParaRPr lang="en-US" sz="1200" dirty="0">
+                <a:solidFill>
+                  <a:schemeClr val="tx1"/>
+                </a:solidFill>
+                <a:latin typeface="Avenir Book" panose="02000503020000020003" pitchFamily="2" charset="0"/>
+              </a:endParaRPr>
+            </a:p>
+            <a:p>
+              <a:pPr algn="ctr"/>
+              <a:endParaRPr lang="en-US" sz="1200" dirty="0">
+                <a:solidFill>
+                  <a:schemeClr val="tx1"/>
+                </a:solidFill>
+                <a:latin typeface="Avenir Book" panose="02000503020000020003" pitchFamily="2" charset="0"/>
+              </a:endParaRPr>
+            </a:p>
+          </p:txBody>
+        </p:sp>
+        <p:sp>
+          <p:nvSpPr>
+            <p:cNvPr id="37" name="Rectangle 36">
+              <a:extLst>
+                <a:ext uri="{FF2B5EF4-FFF2-40B4-BE49-F238E27FC236}">
+                  <a16:creationId xmlns:a16="http://schemas.microsoft.com/office/drawing/2014/main" id="{E447540E-15CC-6A4A-86B4-3711AB66088C}"/>
+                </a:ext>
+              </a:extLst>
+            </p:cNvPr>
+            <p:cNvSpPr/>
+            <p:nvPr/>
+          </p:nvSpPr>
+          <p:spPr>
+            <a:xfrm>
+              <a:off x="6423168" y="539707"/>
+              <a:ext cx="3331923" cy="691497"/>
+            </a:xfrm>
+            <a:prstGeom prst="rect">
+              <a:avLst/>
+            </a:prstGeom>
+            <a:solidFill>
+              <a:schemeClr val="bg1">
+                <a:lumMod val="95000"/>
+              </a:schemeClr>
+            </a:solidFill>
+            <a:ln>
+              <a:solidFill>
+                <a:schemeClr val="tx1"/>
+              </a:solidFill>
+            </a:ln>
+          </p:spPr>
+          <p:style>
+            <a:lnRef idx="2">
+              <a:schemeClr val="accent1">
+                <a:shade val="50000"/>
+              </a:schemeClr>
+            </a:lnRef>
+            <a:fillRef idx="1">
+              <a:schemeClr val="accent1"/>
+            </a:fillRef>
+            <a:effectRef idx="0">
+              <a:schemeClr val="accent1"/>
+            </a:effectRef>
+            <a:fontRef idx="minor">
+              <a:schemeClr val="lt1"/>
+            </a:fontRef>
+          </p:style>
+          <p:txBody>
+            <a:bodyPr rtlCol="0" anchor="ctr"/>
+            <a:lstStyle/>
+            <a:p>
+              <a:pPr algn="ctr"/>
+              <a:r>
+                <a:rPr lang="en-US" sz="1200" dirty="0">
+                  <a:solidFill>
+                    <a:schemeClr val="tx1"/>
+                  </a:solidFill>
+                  <a:latin typeface="Avenir Book" panose="02000503020000020003" pitchFamily="2" charset="0"/>
+                </a:rPr>
+                <a:t>OpenSSL HTTPS web server</a:t>
+              </a:r>
+            </a:p>
+          </p:txBody>
+        </p:sp>
+        <p:cxnSp>
+          <p:nvCxnSpPr>
+            <p:cNvPr id="39" name="Straight Arrow Connector 38">
+              <a:extLst>
+                <a:ext uri="{FF2B5EF4-FFF2-40B4-BE49-F238E27FC236}">
+                  <a16:creationId xmlns:a16="http://schemas.microsoft.com/office/drawing/2014/main" id="{4BB84F2D-258E-484D-A1A3-F190ADAA09B9}"/>
+                </a:ext>
+              </a:extLst>
+            </p:cNvPr>
+            <p:cNvCxnSpPr>
+              <a:stCxn id="22" idx="3"/>
+              <a:endCxn id="37" idx="1"/>
+            </p:cNvCxnSpPr>
+            <p:nvPr/>
+          </p:nvCxnSpPr>
+          <p:spPr>
+            <a:xfrm>
+              <a:off x="5256159" y="885456"/>
+              <a:ext cx="1167009" cy="0"/>
+            </a:xfrm>
+            <a:prstGeom prst="straightConnector1">
+              <a:avLst/>
+            </a:prstGeom>
+            <a:ln w="12700">
+              <a:solidFill>
+                <a:schemeClr val="accent1">
+                  <a:lumMod val="50000"/>
+                </a:schemeClr>
+              </a:solidFill>
+              <a:headEnd type="triangle"/>
+              <a:tailEnd type="triangle"/>
+            </a:ln>
+          </p:spPr>
+          <p:style>
+            <a:lnRef idx="1">
+              <a:schemeClr val="accent1"/>
+            </a:lnRef>
+            <a:fillRef idx="0">
+              <a:schemeClr val="accent1"/>
+            </a:fillRef>
+            <a:effectRef idx="0">
+              <a:schemeClr val="accent1"/>
+            </a:effectRef>
+            <a:fontRef idx="minor">
+              <a:schemeClr val="tx1"/>
+            </a:fontRef>
+          </p:style>
+        </p:cxnSp>
+        <p:cxnSp>
+          <p:nvCxnSpPr>
+            <p:cNvPr id="40" name="Straight Arrow Connector 39">
+              <a:extLst>
+                <a:ext uri="{FF2B5EF4-FFF2-40B4-BE49-F238E27FC236}">
+                  <a16:creationId xmlns:a16="http://schemas.microsoft.com/office/drawing/2014/main" id="{B64872E4-E897-E447-975B-270778E0DE6D}"/>
+                </a:ext>
+              </a:extLst>
+            </p:cNvPr>
+            <p:cNvCxnSpPr/>
+            <p:nvPr/>
+          </p:nvCxnSpPr>
+          <p:spPr>
+            <a:xfrm>
+              <a:off x="5256159" y="1507821"/>
+              <a:ext cx="1167009" cy="0"/>
+            </a:xfrm>
+            <a:prstGeom prst="straightConnector1">
+              <a:avLst/>
+            </a:prstGeom>
+            <a:ln w="12700">
+              <a:solidFill>
+                <a:schemeClr val="accent1">
+                  <a:lumMod val="50000"/>
+                </a:schemeClr>
+              </a:solidFill>
+              <a:headEnd type="triangle"/>
+              <a:tailEnd type="triangle"/>
+            </a:ln>
+          </p:spPr>
+          <p:style>
+            <a:lnRef idx="1">
+              <a:schemeClr val="accent1"/>
+            </a:lnRef>
+            <a:fillRef idx="0">
+              <a:schemeClr val="accent1"/>
+            </a:fillRef>
+            <a:effectRef idx="0">
+              <a:schemeClr val="accent1"/>
+            </a:effectRef>
+            <a:fontRef idx="minor">
+              <a:schemeClr val="tx1"/>
+            </a:fontRef>
+          </p:style>
+        </p:cxnSp>
+        <p:cxnSp>
+          <p:nvCxnSpPr>
+            <p:cNvPr id="41" name="Straight Arrow Connector 40">
+              <a:extLst>
+                <a:ext uri="{FF2B5EF4-FFF2-40B4-BE49-F238E27FC236}">
+                  <a16:creationId xmlns:a16="http://schemas.microsoft.com/office/drawing/2014/main" id="{06E2957B-1B3D-5946-B54A-0893C75137CB}"/>
+                </a:ext>
+              </a:extLst>
+            </p:cNvPr>
+            <p:cNvCxnSpPr/>
+            <p:nvPr/>
+          </p:nvCxnSpPr>
+          <p:spPr>
+            <a:xfrm>
+              <a:off x="5256159" y="4403421"/>
+              <a:ext cx="1167009" cy="0"/>
+            </a:xfrm>
+            <a:prstGeom prst="straightConnector1">
+              <a:avLst/>
+            </a:prstGeom>
+            <a:ln w="12700">
+              <a:solidFill>
+                <a:schemeClr val="accent1">
+                  <a:lumMod val="50000"/>
+                </a:schemeClr>
+              </a:solidFill>
+              <a:headEnd type="triangle"/>
+              <a:tailEnd type="triangle"/>
+            </a:ln>
+          </p:spPr>
+          <p:style>
+            <a:lnRef idx="1">
+              <a:schemeClr val="accent1"/>
+            </a:lnRef>
+            <a:fillRef idx="0">
+              <a:schemeClr val="accent1"/>
+            </a:fillRef>
+            <a:effectRef idx="0">
+              <a:schemeClr val="accent1"/>
+            </a:effectRef>
+            <a:fontRef idx="minor">
+              <a:schemeClr val="tx1"/>
+            </a:fontRef>
+          </p:style>
+        </p:cxnSp>
+        <p:sp>
+          <p:nvSpPr>
+            <p:cNvPr id="42" name="Rectangle 41">
+              <a:extLst>
+                <a:ext uri="{FF2B5EF4-FFF2-40B4-BE49-F238E27FC236}">
+                  <a16:creationId xmlns:a16="http://schemas.microsoft.com/office/drawing/2014/main" id="{CE66C42F-9E41-B04B-A683-12F9510DBB77}"/>
+                </a:ext>
+              </a:extLst>
+            </p:cNvPr>
+            <p:cNvSpPr/>
+            <p:nvPr/>
+          </p:nvSpPr>
+          <p:spPr>
+            <a:xfrm>
+              <a:off x="5256158" y="635890"/>
+              <a:ext cx="1167009" cy="324156"/>
+            </a:xfrm>
+            <a:prstGeom prst="rect">
+              <a:avLst/>
+            </a:prstGeom>
+            <a:noFill/>
+            <a:ln>
+              <a:noFill/>
+            </a:ln>
+          </p:spPr>
+          <p:style>
+            <a:lnRef idx="2">
+              <a:schemeClr val="accent1">
+                <a:shade val="50000"/>
+              </a:schemeClr>
+            </a:lnRef>
+            <a:fillRef idx="1">
+              <a:schemeClr val="accent1"/>
+            </a:fillRef>
+            <a:effectRef idx="0">
+              <a:schemeClr val="accent1"/>
+            </a:effectRef>
+            <a:fontRef idx="minor">
+              <a:schemeClr val="lt1"/>
+            </a:fontRef>
+          </p:style>
+          <p:txBody>
+            <a:bodyPr rtlCol="0" anchor="ctr"/>
+            <a:lstStyle/>
+            <a:p>
+              <a:pPr algn="ctr"/>
+              <a:r>
+                <a:rPr lang="en-US" sz="1200" dirty="0">
+                  <a:solidFill>
+                    <a:schemeClr val="tx1"/>
+                  </a:solidFill>
+                  <a:latin typeface="Avenir Book" panose="02000503020000020003" pitchFamily="2" charset="0"/>
+                </a:rPr>
+                <a:t>HTTPS</a:t>
+              </a:r>
+            </a:p>
+          </p:txBody>
+        </p:sp>
+        <p:sp>
+          <p:nvSpPr>
+            <p:cNvPr id="43" name="Rectangle 42">
+              <a:extLst>
+                <a:ext uri="{FF2B5EF4-FFF2-40B4-BE49-F238E27FC236}">
+                  <a16:creationId xmlns:a16="http://schemas.microsoft.com/office/drawing/2014/main" id="{F16D82E4-09F3-3240-9590-C1AF35F42BBB}"/>
+                </a:ext>
+              </a:extLst>
+            </p:cNvPr>
+            <p:cNvSpPr/>
+            <p:nvPr/>
+          </p:nvSpPr>
+          <p:spPr>
+            <a:xfrm>
+              <a:off x="5256158" y="1242509"/>
+              <a:ext cx="1167009" cy="324156"/>
+            </a:xfrm>
+            <a:prstGeom prst="rect">
+              <a:avLst/>
+            </a:prstGeom>
+            <a:noFill/>
+            <a:ln>
+              <a:noFill/>
+            </a:ln>
+          </p:spPr>
+          <p:style>
+            <a:lnRef idx="2">
+              <a:schemeClr val="accent1">
+                <a:shade val="50000"/>
+              </a:schemeClr>
+            </a:lnRef>
+            <a:fillRef idx="1">
+              <a:schemeClr val="accent1"/>
+            </a:fillRef>
+            <a:effectRef idx="0">
+              <a:schemeClr val="accent1"/>
+            </a:effectRef>
+            <a:fontRef idx="minor">
+              <a:schemeClr val="lt1"/>
+            </a:fontRef>
+          </p:style>
+          <p:txBody>
+            <a:bodyPr rtlCol="0" anchor="ctr"/>
+            <a:lstStyle/>
+            <a:p>
+              <a:pPr algn="ctr"/>
+              <a:r>
+                <a:rPr lang="en-US" sz="1200" dirty="0">
+                  <a:solidFill>
+                    <a:schemeClr val="tx1"/>
+                  </a:solidFill>
+                  <a:latin typeface="Avenir Book" panose="02000503020000020003" pitchFamily="2" charset="0"/>
+                </a:rPr>
+                <a:t>TLS</a:t>
+              </a:r>
+            </a:p>
+          </p:txBody>
+        </p:sp>
+        <p:sp>
+          <p:nvSpPr>
+            <p:cNvPr id="44" name="Rectangle 43">
+              <a:extLst>
+                <a:ext uri="{FF2B5EF4-FFF2-40B4-BE49-F238E27FC236}">
+                  <a16:creationId xmlns:a16="http://schemas.microsoft.com/office/drawing/2014/main" id="{9C5E52E3-2F39-CF43-AD69-F2936F272B82}"/>
+                </a:ext>
+              </a:extLst>
+            </p:cNvPr>
+            <p:cNvSpPr/>
+            <p:nvPr/>
+          </p:nvSpPr>
+          <p:spPr>
+            <a:xfrm>
+              <a:off x="5256157" y="4135437"/>
+              <a:ext cx="1167009" cy="324156"/>
+            </a:xfrm>
+            <a:prstGeom prst="rect">
+              <a:avLst/>
+            </a:prstGeom>
+            <a:noFill/>
+            <a:ln>
+              <a:noFill/>
+            </a:ln>
+          </p:spPr>
+          <p:style>
+            <a:lnRef idx="2">
+              <a:schemeClr val="accent1">
+                <a:shade val="50000"/>
+              </a:schemeClr>
+            </a:lnRef>
+            <a:fillRef idx="1">
+              <a:schemeClr val="accent1"/>
+            </a:fillRef>
+            <a:effectRef idx="0">
+              <a:schemeClr val="accent1"/>
+            </a:effectRef>
+            <a:fontRef idx="minor">
+              <a:schemeClr val="lt1"/>
+            </a:fontRef>
+          </p:style>
+          <p:txBody>
+            <a:bodyPr rtlCol="0" anchor="ctr"/>
+            <a:lstStyle/>
+            <a:p>
+              <a:pPr algn="ctr"/>
+              <a:r>
+                <a:rPr lang="en-US" sz="1200" dirty="0">
+                  <a:solidFill>
+                    <a:schemeClr val="tx1"/>
+                  </a:solidFill>
+                  <a:latin typeface="Avenir Book" panose="02000503020000020003" pitchFamily="2" charset="0"/>
+                </a:rPr>
+                <a:t>BB84 QKD</a:t>
+              </a:r>
+            </a:p>
+          </p:txBody>
+        </p:sp>
+        <p:sp>
+          <p:nvSpPr>
+            <p:cNvPr id="24" name="Rectangle 23">
+              <a:extLst>
+                <a:ext uri="{FF2B5EF4-FFF2-40B4-BE49-F238E27FC236}">
+                  <a16:creationId xmlns:a16="http://schemas.microsoft.com/office/drawing/2014/main" id="{8DD33E48-8557-FE44-977C-1E6B5422BD48}"/>
+                </a:ext>
+              </a:extLst>
+            </p:cNvPr>
+            <p:cNvSpPr/>
+            <p:nvPr/>
+          </p:nvSpPr>
+          <p:spPr>
+            <a:xfrm>
+              <a:off x="1924234" y="4743624"/>
+              <a:ext cx="3331923" cy="324156"/>
+            </a:xfrm>
+            <a:prstGeom prst="rect">
+              <a:avLst/>
+            </a:prstGeom>
+            <a:solidFill>
+              <a:schemeClr val="bg1">
+                <a:lumMod val="95000"/>
+              </a:schemeClr>
+            </a:solidFill>
+            <a:ln>
+              <a:solidFill>
+                <a:schemeClr val="tx1"/>
+              </a:solidFill>
+            </a:ln>
+          </p:spPr>
+          <p:style>
+            <a:lnRef idx="2">
+              <a:schemeClr val="accent1">
+                <a:shade val="50000"/>
+              </a:schemeClr>
+            </a:lnRef>
+            <a:fillRef idx="1">
+              <a:schemeClr val="accent1"/>
+            </a:fillRef>
+            <a:effectRef idx="0">
+              <a:schemeClr val="accent1"/>
+            </a:effectRef>
+            <a:fontRef idx="minor">
+              <a:schemeClr val="lt1"/>
+            </a:fontRef>
+          </p:style>
+          <p:txBody>
+            <a:bodyPr rtlCol="0" anchor="ctr"/>
+            <a:lstStyle/>
+            <a:p>
+              <a:pPr algn="ctr"/>
+              <a:r>
+                <a:rPr lang="en-US" sz="1200" dirty="0">
+                  <a:solidFill>
+                    <a:schemeClr val="tx1"/>
+                  </a:solidFill>
+                  <a:latin typeface="Avenir Book" panose="02000503020000020003" pitchFamily="2" charset="0"/>
+                </a:rPr>
+                <a:t>SimulaQron CQC API</a:t>
+              </a:r>
+            </a:p>
+          </p:txBody>
+        </p:sp>
+        <p:sp>
+          <p:nvSpPr>
+            <p:cNvPr id="26" name="Rectangle 25">
+              <a:extLst>
+                <a:ext uri="{FF2B5EF4-FFF2-40B4-BE49-F238E27FC236}">
+                  <a16:creationId xmlns:a16="http://schemas.microsoft.com/office/drawing/2014/main" id="{F665AF2E-86FC-4645-8463-F13F7A42DDE1}"/>
+                </a:ext>
+              </a:extLst>
+            </p:cNvPr>
+            <p:cNvSpPr/>
+            <p:nvPr/>
+          </p:nvSpPr>
+          <p:spPr>
+            <a:xfrm>
+              <a:off x="6423166" y="4743624"/>
+              <a:ext cx="3331923" cy="324156"/>
+            </a:xfrm>
+            <a:prstGeom prst="rect">
+              <a:avLst/>
+            </a:prstGeom>
+            <a:solidFill>
+              <a:schemeClr val="bg1">
+                <a:lumMod val="95000"/>
+              </a:schemeClr>
+            </a:solidFill>
+            <a:ln>
+              <a:solidFill>
+                <a:schemeClr val="tx1"/>
+              </a:solidFill>
+            </a:ln>
+          </p:spPr>
+          <p:style>
+            <a:lnRef idx="2">
+              <a:schemeClr val="accent1">
+                <a:shade val="50000"/>
+              </a:schemeClr>
+            </a:lnRef>
+            <a:fillRef idx="1">
+              <a:schemeClr val="accent1"/>
+            </a:fillRef>
+            <a:effectRef idx="0">
+              <a:schemeClr val="accent1"/>
+            </a:effectRef>
+            <a:fontRef idx="minor">
+              <a:schemeClr val="lt1"/>
+            </a:fontRef>
+          </p:style>
+          <p:txBody>
+            <a:bodyPr rtlCol="0" anchor="ctr"/>
+            <a:lstStyle/>
+            <a:p>
+              <a:pPr algn="ctr"/>
+              <a:r>
+                <a:rPr lang="en-US" sz="1200" dirty="0">
+                  <a:solidFill>
+                    <a:schemeClr val="tx1"/>
+                  </a:solidFill>
+                  <a:latin typeface="Avenir Book" panose="02000503020000020003" pitchFamily="2" charset="0"/>
+                </a:rPr>
+                <a:t>SimulaQron CQC API</a:t>
+              </a:r>
+            </a:p>
+          </p:txBody>
+        </p:sp>
+        <p:sp>
+          <p:nvSpPr>
+            <p:cNvPr id="28" name="Rectangle 27">
+              <a:extLst>
+                <a:ext uri="{FF2B5EF4-FFF2-40B4-BE49-F238E27FC236}">
+                  <a16:creationId xmlns:a16="http://schemas.microsoft.com/office/drawing/2014/main" id="{8AA5446A-587E-8446-AC41-5110790CD3E4}"/>
+                </a:ext>
+              </a:extLst>
+            </p:cNvPr>
+            <p:cNvSpPr/>
+            <p:nvPr/>
+          </p:nvSpPr>
+          <p:spPr>
+            <a:xfrm>
+              <a:off x="1920788" y="5593961"/>
+              <a:ext cx="7834301" cy="691497"/>
+            </a:xfrm>
+            <a:prstGeom prst="rect">
+              <a:avLst/>
+            </a:prstGeom>
+            <a:solidFill>
+              <a:schemeClr val="bg1">
+                <a:lumMod val="95000"/>
+              </a:schemeClr>
+            </a:solidFill>
+            <a:ln>
+              <a:solidFill>
+                <a:schemeClr val="tx1"/>
+              </a:solidFill>
+            </a:ln>
+          </p:spPr>
+          <p:style>
+            <a:lnRef idx="2">
+              <a:schemeClr val="accent1">
+                <a:shade val="50000"/>
+              </a:schemeClr>
+            </a:lnRef>
+            <a:fillRef idx="1">
+              <a:schemeClr val="accent1"/>
+            </a:fillRef>
+            <a:effectRef idx="0">
+              <a:schemeClr val="accent1"/>
+            </a:effectRef>
+            <a:fontRef idx="minor">
+              <a:schemeClr val="lt1"/>
+            </a:fontRef>
+          </p:style>
+          <p:txBody>
+            <a:bodyPr rtlCol="0" anchor="ctr"/>
+            <a:lstStyle/>
+            <a:p>
+              <a:pPr algn="ctr"/>
+              <a:r>
+                <a:rPr lang="en-US" sz="1200" dirty="0">
+                  <a:solidFill>
+                    <a:schemeClr val="tx1"/>
+                  </a:solidFill>
+                  <a:latin typeface="Avenir Book" panose="02000503020000020003" pitchFamily="2" charset="0"/>
+                </a:rPr>
+                <a:t>SimulaQron quantum network simulator</a:t>
+              </a:r>
+            </a:p>
+          </p:txBody>
+        </p:sp>
+        <p:cxnSp>
+          <p:nvCxnSpPr>
+            <p:cNvPr id="35" name="Straight Arrow Connector 34">
+              <a:extLst>
+                <a:ext uri="{FF2B5EF4-FFF2-40B4-BE49-F238E27FC236}">
+                  <a16:creationId xmlns:a16="http://schemas.microsoft.com/office/drawing/2014/main" id="{33F2240C-6B7B-C042-9DD5-2CDCE7A7018E}"/>
+                </a:ext>
+              </a:extLst>
+            </p:cNvPr>
+            <p:cNvCxnSpPr>
+              <a:cxnSpLocks/>
+            </p:cNvCxnSpPr>
+            <p:nvPr/>
+          </p:nvCxnSpPr>
+          <p:spPr>
+            <a:xfrm flipV="1">
+              <a:off x="3610177" y="5067781"/>
+              <a:ext cx="0" cy="526180"/>
+            </a:xfrm>
+            <a:prstGeom prst="straightConnector1">
+              <a:avLst/>
+            </a:prstGeom>
+            <a:ln w="12700">
+              <a:solidFill>
+                <a:schemeClr val="accent1">
+                  <a:lumMod val="50000"/>
+                </a:schemeClr>
+              </a:solidFill>
+              <a:headEnd type="triangle"/>
+              <a:tailEnd type="triangle"/>
+            </a:ln>
+          </p:spPr>
+          <p:style>
+            <a:lnRef idx="1">
+              <a:schemeClr val="accent1"/>
+            </a:lnRef>
+            <a:fillRef idx="0">
+              <a:schemeClr val="accent1"/>
+            </a:fillRef>
+            <a:effectRef idx="0">
+              <a:schemeClr val="accent1"/>
+            </a:effectRef>
+            <a:fontRef idx="minor">
+              <a:schemeClr val="tx1"/>
+            </a:fontRef>
+          </p:style>
+        </p:cxnSp>
+        <p:cxnSp>
+          <p:nvCxnSpPr>
+            <p:cNvPr id="38" name="Straight Arrow Connector 37">
+              <a:extLst>
+                <a:ext uri="{FF2B5EF4-FFF2-40B4-BE49-F238E27FC236}">
+                  <a16:creationId xmlns:a16="http://schemas.microsoft.com/office/drawing/2014/main" id="{E3FDF53F-A484-444B-9A59-4E2B4EA75AC5}"/>
+                </a:ext>
+              </a:extLst>
+            </p:cNvPr>
+            <p:cNvCxnSpPr>
+              <a:cxnSpLocks/>
+            </p:cNvCxnSpPr>
+            <p:nvPr/>
+          </p:nvCxnSpPr>
+          <p:spPr>
+            <a:xfrm flipV="1">
+              <a:off x="8112386" y="5067781"/>
+              <a:ext cx="0" cy="526180"/>
+            </a:xfrm>
+            <a:prstGeom prst="straightConnector1">
+              <a:avLst/>
+            </a:prstGeom>
+            <a:ln w="12700">
+              <a:solidFill>
+                <a:schemeClr val="accent1">
+                  <a:lumMod val="50000"/>
+                </a:schemeClr>
+              </a:solidFill>
+              <a:headEnd type="triangle"/>
+              <a:tailEnd type="triangle"/>
+            </a:ln>
+          </p:spPr>
+          <p:style>
+            <a:lnRef idx="1">
+              <a:schemeClr val="accent1"/>
+            </a:lnRef>
+            <a:fillRef idx="0">
+              <a:schemeClr val="accent1"/>
+            </a:fillRef>
+            <a:effectRef idx="0">
+              <a:schemeClr val="accent1"/>
+            </a:effectRef>
+            <a:fontRef idx="minor">
+              <a:schemeClr val="tx1"/>
+            </a:fontRef>
+          </p:style>
+        </p:cxnSp>
+      </p:grpSp>
+    </p:spTree>
+    <p:extLst>
+      <p:ext uri="{BB962C8B-B14F-4D97-AF65-F5344CB8AC3E}">
+        <p14:creationId xmlns:p14="http://schemas.microsoft.com/office/powerpoint/2010/main" val="780639292"/>
+      </p:ext>
+    </p:extLst>
+  </p:cSld>
+  <p:clrMapOvr>
+    <a:masterClrMapping/>
+  </p:clrMapOvr>
+</p:sld>
+</file>
+
+<file path=ppt/slides/slide4.xml><?xml version="1.0" encoding="utf-8"?>
+<p:sld xmlns:a="http://schemas.openxmlformats.org/drawingml/2006/main" xmlns:r="http://schemas.openxmlformats.org/officeDocument/2006/relationships" xmlns:p="http://schemas.openxmlformats.org/presentationml/2006/main">
+  <p:cSld>
+    <p:spTree>
+      <p:nvGrpSpPr>
+        <p:cNvPr id="1" name=""/>
+        <p:cNvGrpSpPr/>
+        <p:nvPr/>
+      </p:nvGrpSpPr>
+      <p:grpSpPr>
+        <a:xfrm>
+          <a:off x="0" y="0"/>
+          <a:ext cx="0" cy="0"/>
+          <a:chOff x="0" y="0"/>
+          <a:chExt cx="0" cy="0"/>
+        </a:xfrm>
+      </p:grpSpPr>
+      <p:grpSp>
+        <p:nvGrpSpPr>
+          <p:cNvPr id="2" name="Group 1">
+            <a:extLst>
+              <a:ext uri="{FF2B5EF4-FFF2-40B4-BE49-F238E27FC236}">
+                <a16:creationId xmlns:a16="http://schemas.microsoft.com/office/drawing/2014/main" id="{A0FE1E13-B229-A140-B099-0A3A1EBF4A98}"/>
+              </a:ext>
+            </a:extLst>
+          </p:cNvPr>
+          <p:cNvGrpSpPr/>
+          <p:nvPr/>
+        </p:nvGrpSpPr>
+        <p:grpSpPr>
+          <a:xfrm>
+            <a:off x="726299" y="977595"/>
+            <a:ext cx="4154896" cy="2700953"/>
+            <a:chOff x="1915690" y="1283191"/>
+            <a:chExt cx="7830855" cy="4203917"/>
+          </a:xfrm>
+        </p:grpSpPr>
+        <p:sp>
+          <p:nvSpPr>
+            <p:cNvPr id="10" name="Rectangle 9">
+              <a:extLst>
+                <a:ext uri="{FF2B5EF4-FFF2-40B4-BE49-F238E27FC236}">
+                  <a16:creationId xmlns:a16="http://schemas.microsoft.com/office/drawing/2014/main" id="{A5D2A871-5D38-DE4E-9E95-16423FD998E4}"/>
+                </a:ext>
+              </a:extLst>
+            </p:cNvPr>
+            <p:cNvSpPr/>
+            <p:nvPr/>
+          </p:nvSpPr>
+          <p:spPr>
+            <a:xfrm>
+              <a:off x="2473304" y="2588327"/>
+              <a:ext cx="2209800" cy="676542"/>
+            </a:xfrm>
+            <a:prstGeom prst="rect">
+              <a:avLst/>
+            </a:prstGeom>
+            <a:solidFill>
+              <a:schemeClr val="accent1">
+                <a:lumMod val="20000"/>
+                <a:lumOff val="80000"/>
+              </a:schemeClr>
+            </a:solidFill>
+            <a:ln>
+              <a:solidFill>
+                <a:schemeClr val="accent1">
+                  <a:lumMod val="50000"/>
+                </a:schemeClr>
+              </a:solidFill>
+            </a:ln>
+          </p:spPr>
+          <p:style>
+            <a:lnRef idx="2">
+              <a:schemeClr val="accent1">
+                <a:shade val="50000"/>
+              </a:schemeClr>
+            </a:lnRef>
+            <a:fillRef idx="1">
+              <a:schemeClr val="accent1"/>
+            </a:fillRef>
+            <a:effectRef idx="0">
+              <a:schemeClr val="accent1"/>
+            </a:effectRef>
+            <a:fontRef idx="minor">
+              <a:schemeClr val="lt1"/>
+            </a:fontRef>
+          </p:style>
+          <p:txBody>
+            <a:bodyPr rtlCol="0" anchor="ctr"/>
+            <a:lstStyle/>
+            <a:p>
+              <a:pPr algn="ctr"/>
+              <a:r>
+                <a:rPr lang="en-US" sz="900" dirty="0">
+                  <a:solidFill>
+                    <a:schemeClr val="tx1"/>
+                  </a:solidFill>
+                  <a:latin typeface="Avenir Book" panose="02000503020000020003" pitchFamily="2" charset="0"/>
+                </a:rPr>
+                <a:t>Mock QKD client engine</a:t>
+              </a:r>
+            </a:p>
+            <a:p>
+              <a:pPr algn="ctr"/>
+              <a:r>
+                <a:rPr lang="en-US" sz="500" dirty="0">
+                  <a:solidFill>
+                    <a:schemeClr val="tx1"/>
+                  </a:solidFill>
+                  <a:latin typeface="Avenir Book" panose="02000503020000020003" pitchFamily="2" charset="0"/>
+                </a:rPr>
+                <a:t>(Dynamically loaded library)</a:t>
+              </a:r>
+            </a:p>
+          </p:txBody>
+        </p:sp>
+        <p:sp>
+          <p:nvSpPr>
+            <p:cNvPr id="16" name="Freeform 15">
+              <a:extLst>
+                <a:ext uri="{FF2B5EF4-FFF2-40B4-BE49-F238E27FC236}">
+                  <a16:creationId xmlns:a16="http://schemas.microsoft.com/office/drawing/2014/main" id="{E3CBA352-561A-5741-8550-4A874244518C}"/>
+                </a:ext>
+              </a:extLst>
+            </p:cNvPr>
+            <p:cNvSpPr/>
+            <p:nvPr/>
+          </p:nvSpPr>
+          <p:spPr>
+            <a:xfrm>
+              <a:off x="1915690" y="1962162"/>
+              <a:ext cx="3331923" cy="1302707"/>
+            </a:xfrm>
+            <a:custGeom>
+              <a:avLst/>
+              <a:gdLst>
+                <a:gd name="connsiteX0" fmla="*/ 0 w 3331923"/>
+                <a:gd name="connsiteY0" fmla="*/ 0 h 1302707"/>
+                <a:gd name="connsiteX1" fmla="*/ 0 w 3331923"/>
+                <a:gd name="connsiteY1" fmla="*/ 1290181 h 1302707"/>
+                <a:gd name="connsiteX2" fmla="*/ 463463 w 3331923"/>
+                <a:gd name="connsiteY2" fmla="*/ 1290181 h 1302707"/>
+                <a:gd name="connsiteX3" fmla="*/ 463463 w 3331923"/>
+                <a:gd name="connsiteY3" fmla="*/ 519830 h 1302707"/>
+                <a:gd name="connsiteX4" fmla="*/ 2880986 w 3331923"/>
+                <a:gd name="connsiteY4" fmla="*/ 519830 h 1302707"/>
+                <a:gd name="connsiteX5" fmla="*/ 2880986 w 3331923"/>
+                <a:gd name="connsiteY5" fmla="*/ 1302707 h 1302707"/>
+                <a:gd name="connsiteX6" fmla="*/ 3331923 w 3331923"/>
+                <a:gd name="connsiteY6" fmla="*/ 1302707 h 1302707"/>
+                <a:gd name="connsiteX7" fmla="*/ 3331923 w 3331923"/>
+                <a:gd name="connsiteY7" fmla="*/ 12526 h 1302707"/>
+                <a:gd name="connsiteX8" fmla="*/ 0 w 3331923"/>
+                <a:gd name="connsiteY8" fmla="*/ 0 h 1302707"/>
+              </a:gdLst>
+              <a:ahLst/>
+              <a:cxnLst>
+                <a:cxn ang="0">
+                  <a:pos x="connsiteX0" y="connsiteY0"/>
+                </a:cxn>
+                <a:cxn ang="0">
+                  <a:pos x="connsiteX1" y="connsiteY1"/>
+                </a:cxn>
+                <a:cxn ang="0">
+                  <a:pos x="connsiteX2" y="connsiteY2"/>
+                </a:cxn>
+                <a:cxn ang="0">
+                  <a:pos x="connsiteX3" y="connsiteY3"/>
+                </a:cxn>
+                <a:cxn ang="0">
+                  <a:pos x="connsiteX4" y="connsiteY4"/>
+                </a:cxn>
+                <a:cxn ang="0">
+                  <a:pos x="connsiteX5" y="connsiteY5"/>
+                </a:cxn>
+                <a:cxn ang="0">
+                  <a:pos x="connsiteX6" y="connsiteY6"/>
+                </a:cxn>
+                <a:cxn ang="0">
+                  <a:pos x="connsiteX7" y="connsiteY7"/>
+                </a:cxn>
+                <a:cxn ang="0">
+                  <a:pos x="connsiteX8" y="connsiteY8"/>
+                </a:cxn>
+              </a:cxnLst>
+              <a:rect l="l" t="t" r="r" b="b"/>
+              <a:pathLst>
+                <a:path w="3331923" h="1302707">
+                  <a:moveTo>
+                    <a:pt x="0" y="0"/>
+                  </a:moveTo>
+                  <a:lnTo>
+                    <a:pt x="0" y="1290181"/>
+                  </a:lnTo>
+                  <a:lnTo>
+                    <a:pt x="463463" y="1290181"/>
+                  </a:lnTo>
+                  <a:lnTo>
+                    <a:pt x="463463" y="519830"/>
+                  </a:lnTo>
+                  <a:lnTo>
+                    <a:pt x="2880986" y="519830"/>
+                  </a:lnTo>
+                  <a:lnTo>
+                    <a:pt x="2880986" y="1302707"/>
+                  </a:lnTo>
+                  <a:lnTo>
+                    <a:pt x="3331923" y="1302707"/>
+                  </a:lnTo>
+                  <a:lnTo>
+                    <a:pt x="3331923" y="12526"/>
+                  </a:lnTo>
+                  <a:lnTo>
+                    <a:pt x="0" y="0"/>
+                  </a:lnTo>
+                  <a:close/>
+                </a:path>
+              </a:pathLst>
+            </a:custGeom>
+            <a:solidFill>
+              <a:schemeClr val="bg1">
+                <a:lumMod val="95000"/>
+              </a:schemeClr>
+            </a:solidFill>
+            <a:ln>
+              <a:solidFill>
+                <a:schemeClr val="tx1"/>
+              </a:solidFill>
+            </a:ln>
+          </p:spPr>
+          <p:style>
+            <a:lnRef idx="2">
+              <a:schemeClr val="accent1">
+                <a:shade val="50000"/>
+              </a:schemeClr>
+            </a:lnRef>
+            <a:fillRef idx="1">
+              <a:schemeClr val="accent1"/>
+            </a:fillRef>
+            <a:effectRef idx="0">
+              <a:schemeClr val="accent1"/>
+            </a:effectRef>
+            <a:fontRef idx="minor">
+              <a:schemeClr val="lt1"/>
+            </a:fontRef>
+          </p:style>
+          <p:txBody>
+            <a:bodyPr rtlCol="0" anchor="ctr"/>
+            <a:lstStyle/>
+            <a:p>
+              <a:pPr algn="ctr"/>
+              <a:r>
+                <a:rPr lang="en-US" sz="900" dirty="0">
+                  <a:solidFill>
+                    <a:schemeClr val="tx1"/>
+                  </a:solidFill>
+                  <a:latin typeface="Avenir Book" panose="02000503020000020003" pitchFamily="2" charset="0"/>
+                </a:rPr>
+                <a:t>OpenSSL library</a:t>
+              </a:r>
+            </a:p>
+            <a:p>
+              <a:pPr algn="ctr"/>
+              <a:endParaRPr lang="en-US" sz="900" dirty="0">
+                <a:solidFill>
+                  <a:schemeClr val="tx1"/>
+                </a:solidFill>
+                <a:latin typeface="Avenir Book" panose="02000503020000020003" pitchFamily="2" charset="0"/>
+              </a:endParaRPr>
+            </a:p>
+            <a:p>
+              <a:pPr algn="ctr"/>
+              <a:endParaRPr lang="en-US" sz="900" dirty="0">
+                <a:solidFill>
+                  <a:schemeClr val="tx1"/>
+                </a:solidFill>
+                <a:latin typeface="Avenir Book" panose="02000503020000020003" pitchFamily="2" charset="0"/>
+              </a:endParaRPr>
+            </a:p>
+            <a:p>
+              <a:pPr algn="ctr"/>
+              <a:endParaRPr lang="en-US" sz="900" dirty="0">
+                <a:solidFill>
+                  <a:schemeClr val="tx1"/>
+                </a:solidFill>
+                <a:latin typeface="Avenir Book" panose="02000503020000020003" pitchFamily="2" charset="0"/>
+              </a:endParaRPr>
+            </a:p>
+            <a:p>
+              <a:pPr algn="ctr"/>
+              <a:endParaRPr lang="en-US" sz="900" dirty="0">
+                <a:solidFill>
+                  <a:schemeClr val="tx1"/>
+                </a:solidFill>
+                <a:latin typeface="Avenir Book" panose="02000503020000020003" pitchFamily="2" charset="0"/>
+              </a:endParaRPr>
+            </a:p>
+          </p:txBody>
+        </p:sp>
+        <p:sp>
+          <p:nvSpPr>
+            <p:cNvPr id="4" name="Rectangle 3">
+              <a:extLst>
+                <a:ext uri="{FF2B5EF4-FFF2-40B4-BE49-F238E27FC236}">
+                  <a16:creationId xmlns:a16="http://schemas.microsoft.com/office/drawing/2014/main" id="{2C813C25-BC60-A944-9602-281ED8C8DC2A}"/>
+                </a:ext>
+              </a:extLst>
+            </p:cNvPr>
+            <p:cNvSpPr/>
+            <p:nvPr/>
+          </p:nvSpPr>
+          <p:spPr>
+            <a:xfrm>
+              <a:off x="1915690" y="3782133"/>
+              <a:ext cx="3331923" cy="691497"/>
+            </a:xfrm>
+            <a:prstGeom prst="rect">
+              <a:avLst/>
+            </a:prstGeom>
+            <a:solidFill>
+              <a:schemeClr val="accent1">
+                <a:lumMod val="20000"/>
+                <a:lumOff val="80000"/>
+              </a:schemeClr>
+            </a:solidFill>
+            <a:ln>
+              <a:solidFill>
+                <a:schemeClr val="accent1">
+                  <a:lumMod val="50000"/>
+                </a:schemeClr>
+              </a:solidFill>
+            </a:ln>
+          </p:spPr>
+          <p:style>
+            <a:lnRef idx="2">
+              <a:schemeClr val="accent1">
+                <a:shade val="50000"/>
+              </a:schemeClr>
+            </a:lnRef>
+            <a:fillRef idx="1">
+              <a:schemeClr val="accent1"/>
+            </a:fillRef>
+            <a:effectRef idx="0">
+              <a:schemeClr val="accent1"/>
+            </a:effectRef>
+            <a:fontRef idx="minor">
+              <a:schemeClr val="lt1"/>
+            </a:fontRef>
+          </p:style>
+          <p:txBody>
+            <a:bodyPr rtlCol="0" anchor="ctr"/>
+            <a:lstStyle/>
+            <a:p>
+              <a:pPr algn="ctr"/>
+              <a:r>
+                <a:rPr lang="en-US" sz="900" dirty="0">
+                  <a:solidFill>
+                    <a:schemeClr val="tx1"/>
+                  </a:solidFill>
+                  <a:latin typeface="Avenir Book" panose="02000503020000020003" pitchFamily="2" charset="0"/>
+                </a:rPr>
+                <a:t>Diffie-Hellman (DH) client</a:t>
+              </a:r>
+            </a:p>
+          </p:txBody>
+        </p:sp>
+        <p:sp>
+          <p:nvSpPr>
+            <p:cNvPr id="22" name="Rectangle 21">
+              <a:extLst>
+                <a:ext uri="{FF2B5EF4-FFF2-40B4-BE49-F238E27FC236}">
+                  <a16:creationId xmlns:a16="http://schemas.microsoft.com/office/drawing/2014/main" id="{244355E9-7BC9-A643-B4A4-BF2A377474AB}"/>
+                </a:ext>
+              </a:extLst>
+            </p:cNvPr>
+            <p:cNvSpPr/>
+            <p:nvPr/>
+          </p:nvSpPr>
+          <p:spPr>
+            <a:xfrm>
+              <a:off x="1915690" y="1283191"/>
+              <a:ext cx="3331923" cy="691497"/>
+            </a:xfrm>
+            <a:prstGeom prst="rect">
+              <a:avLst/>
+            </a:prstGeom>
+            <a:solidFill>
+              <a:schemeClr val="bg1">
+                <a:lumMod val="95000"/>
+              </a:schemeClr>
+            </a:solidFill>
+            <a:ln>
+              <a:solidFill>
+                <a:schemeClr val="tx1"/>
+              </a:solidFill>
+            </a:ln>
+          </p:spPr>
+          <p:style>
+            <a:lnRef idx="2">
+              <a:schemeClr val="accent1">
+                <a:shade val="50000"/>
+              </a:schemeClr>
+            </a:lnRef>
+            <a:fillRef idx="1">
+              <a:schemeClr val="accent1"/>
+            </a:fillRef>
+            <a:effectRef idx="0">
+              <a:schemeClr val="accent1"/>
+            </a:effectRef>
+            <a:fontRef idx="minor">
+              <a:schemeClr val="lt1"/>
+            </a:fontRef>
+          </p:style>
+          <p:txBody>
+            <a:bodyPr rtlCol="0" anchor="ctr"/>
+            <a:lstStyle/>
+            <a:p>
+              <a:pPr algn="ctr"/>
+              <a:r>
+                <a:rPr lang="en-US" sz="900" dirty="0">
+                  <a:solidFill>
+                    <a:schemeClr val="tx1"/>
+                  </a:solidFill>
+                  <a:latin typeface="Avenir Book" panose="02000503020000020003" pitchFamily="2" charset="0"/>
+                </a:rPr>
+                <a:t>OpenSSL HTTPS web client</a:t>
+              </a:r>
+            </a:p>
+          </p:txBody>
+        </p:sp>
+        <p:sp>
+          <p:nvSpPr>
+            <p:cNvPr id="18" name="Rectangle 17">
+              <a:extLst>
+                <a:ext uri="{FF2B5EF4-FFF2-40B4-BE49-F238E27FC236}">
+                  <a16:creationId xmlns:a16="http://schemas.microsoft.com/office/drawing/2014/main" id="{6E5B8750-6929-4A43-AC59-95F7ABDB8D45}"/>
+                </a:ext>
+              </a:extLst>
+            </p:cNvPr>
+            <p:cNvSpPr/>
+            <p:nvPr/>
+          </p:nvSpPr>
+          <p:spPr>
+            <a:xfrm>
+              <a:off x="6975683" y="2588327"/>
+              <a:ext cx="2209800" cy="676542"/>
+            </a:xfrm>
+            <a:prstGeom prst="rect">
+              <a:avLst/>
+            </a:prstGeom>
+            <a:solidFill>
+              <a:schemeClr val="accent1">
+                <a:lumMod val="20000"/>
+                <a:lumOff val="80000"/>
+              </a:schemeClr>
+            </a:solidFill>
+            <a:ln>
+              <a:solidFill>
+                <a:schemeClr val="accent1">
+                  <a:lumMod val="50000"/>
+                </a:schemeClr>
+              </a:solidFill>
+            </a:ln>
+          </p:spPr>
+          <p:style>
+            <a:lnRef idx="2">
+              <a:schemeClr val="accent1">
+                <a:shade val="50000"/>
+              </a:schemeClr>
+            </a:lnRef>
+            <a:fillRef idx="1">
+              <a:schemeClr val="accent1"/>
+            </a:fillRef>
+            <a:effectRef idx="0">
+              <a:schemeClr val="accent1"/>
+            </a:effectRef>
+            <a:fontRef idx="minor">
+              <a:schemeClr val="lt1"/>
+            </a:fontRef>
+          </p:style>
+          <p:txBody>
+            <a:bodyPr rtlCol="0" anchor="ctr"/>
+            <a:lstStyle/>
+            <a:p>
+              <a:pPr algn="ctr"/>
+              <a:r>
+                <a:rPr lang="en-US" sz="900" dirty="0">
+                  <a:solidFill>
+                    <a:schemeClr val="tx1"/>
+                  </a:solidFill>
+                  <a:latin typeface="Avenir Book" panose="02000503020000020003" pitchFamily="2" charset="0"/>
+                </a:rPr>
+                <a:t>Mock QKD server engine</a:t>
+              </a:r>
+            </a:p>
+            <a:p>
+              <a:pPr algn="ctr"/>
+              <a:r>
+                <a:rPr lang="en-US" sz="500" dirty="0">
+                  <a:solidFill>
+                    <a:schemeClr val="tx1"/>
+                  </a:solidFill>
+                  <a:latin typeface="Avenir Book" panose="02000503020000020003" pitchFamily="2" charset="0"/>
+                </a:rPr>
+                <a:t>(Dynamically loaded library)</a:t>
+              </a:r>
+            </a:p>
+          </p:txBody>
+        </p:sp>
+        <p:sp>
+          <p:nvSpPr>
+            <p:cNvPr id="25" name="Rectangle 24">
+              <a:extLst>
+                <a:ext uri="{FF2B5EF4-FFF2-40B4-BE49-F238E27FC236}">
+                  <a16:creationId xmlns:a16="http://schemas.microsoft.com/office/drawing/2014/main" id="{A7802D49-D786-8345-BA1F-D1226A234152}"/>
+                </a:ext>
+              </a:extLst>
+            </p:cNvPr>
+            <p:cNvSpPr/>
+            <p:nvPr/>
+          </p:nvSpPr>
+          <p:spPr>
+            <a:xfrm>
+              <a:off x="1915690" y="4795611"/>
+              <a:ext cx="3331923" cy="691497"/>
+            </a:xfrm>
+            <a:prstGeom prst="rect">
+              <a:avLst/>
+            </a:prstGeom>
+            <a:solidFill>
+              <a:schemeClr val="accent1">
+                <a:lumMod val="20000"/>
+                <a:lumOff val="80000"/>
+              </a:schemeClr>
+            </a:solidFill>
+            <a:ln>
+              <a:solidFill>
+                <a:schemeClr val="accent1">
+                  <a:lumMod val="50000"/>
+                </a:schemeClr>
+              </a:solidFill>
+            </a:ln>
+          </p:spPr>
+          <p:style>
+            <a:lnRef idx="2">
+              <a:schemeClr val="accent1">
+                <a:shade val="50000"/>
+              </a:schemeClr>
+            </a:lnRef>
+            <a:fillRef idx="1">
+              <a:schemeClr val="accent1"/>
+            </a:fillRef>
+            <a:effectRef idx="0">
+              <a:schemeClr val="accent1"/>
+            </a:effectRef>
+            <a:fontRef idx="minor">
+              <a:schemeClr val="lt1"/>
+            </a:fontRef>
+          </p:style>
+          <p:txBody>
+            <a:bodyPr rtlCol="0" anchor="ctr"/>
+            <a:lstStyle/>
+            <a:p>
+              <a:pPr algn="ctr"/>
+              <a:r>
+                <a:rPr lang="en-US" sz="900" dirty="0">
+                  <a:solidFill>
+                    <a:schemeClr val="tx1"/>
+                  </a:solidFill>
+                  <a:latin typeface="Avenir Book" panose="02000503020000020003" pitchFamily="2" charset="0"/>
+                </a:rPr>
+                <a:t>Mock QKD API implementation</a:t>
+              </a:r>
+            </a:p>
+          </p:txBody>
+        </p:sp>
+        <p:sp>
+          <p:nvSpPr>
+            <p:cNvPr id="23" name="Rectangle 22">
+              <a:extLst>
+                <a:ext uri="{FF2B5EF4-FFF2-40B4-BE49-F238E27FC236}">
+                  <a16:creationId xmlns:a16="http://schemas.microsoft.com/office/drawing/2014/main" id="{74480A20-B1C6-3F41-846E-C88BDA989B02}"/>
+                </a:ext>
+              </a:extLst>
+            </p:cNvPr>
+            <p:cNvSpPr/>
+            <p:nvPr/>
+          </p:nvSpPr>
+          <p:spPr>
+            <a:xfrm>
+              <a:off x="1915690" y="4473631"/>
+              <a:ext cx="3331923" cy="324156"/>
+            </a:xfrm>
+            <a:prstGeom prst="rect">
+              <a:avLst/>
+            </a:prstGeom>
+            <a:solidFill>
+              <a:schemeClr val="accent1">
+                <a:lumMod val="20000"/>
+                <a:lumOff val="80000"/>
+              </a:schemeClr>
+            </a:solidFill>
+            <a:ln>
+              <a:solidFill>
+                <a:schemeClr val="accent1">
+                  <a:lumMod val="50000"/>
+                </a:schemeClr>
+              </a:solidFill>
+            </a:ln>
+          </p:spPr>
+          <p:style>
+            <a:lnRef idx="2">
+              <a:schemeClr val="accent1">
+                <a:shade val="50000"/>
+              </a:schemeClr>
+            </a:lnRef>
+            <a:fillRef idx="1">
+              <a:schemeClr val="accent1"/>
+            </a:fillRef>
+            <a:effectRef idx="0">
+              <a:schemeClr val="accent1"/>
+            </a:effectRef>
+            <a:fontRef idx="minor">
+              <a:schemeClr val="lt1"/>
+            </a:fontRef>
+          </p:style>
+          <p:txBody>
+            <a:bodyPr rtlCol="0" anchor="ctr"/>
+            <a:lstStyle/>
+            <a:p>
+              <a:pPr algn="ctr"/>
+              <a:r>
+                <a:rPr lang="en-US" sz="900" dirty="0">
+                  <a:solidFill>
+                    <a:schemeClr val="tx1"/>
+                  </a:solidFill>
+                  <a:latin typeface="Avenir Book" panose="02000503020000020003" pitchFamily="2" charset="0"/>
+                </a:rPr>
+                <a:t>ETSI QKD API</a:t>
+              </a:r>
+            </a:p>
+          </p:txBody>
+        </p:sp>
+        <p:cxnSp>
+          <p:nvCxnSpPr>
+            <p:cNvPr id="27" name="Straight Connector 26">
+              <a:extLst>
+                <a:ext uri="{FF2B5EF4-FFF2-40B4-BE49-F238E27FC236}">
+                  <a16:creationId xmlns:a16="http://schemas.microsoft.com/office/drawing/2014/main" id="{92B4A147-A6C2-8049-9721-8D4DB31E7AFE}"/>
+                </a:ext>
+              </a:extLst>
+            </p:cNvPr>
+            <p:cNvCxnSpPr/>
+            <p:nvPr/>
+          </p:nvCxnSpPr>
+          <p:spPr>
+            <a:xfrm flipH="1">
+              <a:off x="1915690" y="3264869"/>
+              <a:ext cx="557614" cy="517264"/>
+            </a:xfrm>
+            <a:prstGeom prst="line">
+              <a:avLst/>
+            </a:prstGeom>
+            <a:ln>
+              <a:solidFill>
+                <a:schemeClr val="accent1">
+                  <a:lumMod val="50000"/>
+                </a:schemeClr>
+              </a:solidFill>
+              <a:prstDash val="sysDash"/>
+            </a:ln>
+          </p:spPr>
+          <p:style>
+            <a:lnRef idx="1">
+              <a:schemeClr val="accent1"/>
+            </a:lnRef>
+            <a:fillRef idx="0">
+              <a:schemeClr val="accent1"/>
+            </a:fillRef>
+            <a:effectRef idx="0">
+              <a:schemeClr val="accent1"/>
+            </a:effectRef>
+            <a:fontRef idx="minor">
+              <a:schemeClr val="tx1"/>
+            </a:fontRef>
+          </p:style>
+        </p:cxnSp>
+        <p:cxnSp>
+          <p:nvCxnSpPr>
+            <p:cNvPr id="29" name="Straight Connector 28">
+              <a:extLst>
+                <a:ext uri="{FF2B5EF4-FFF2-40B4-BE49-F238E27FC236}">
+                  <a16:creationId xmlns:a16="http://schemas.microsoft.com/office/drawing/2014/main" id="{4A1D47E8-89AC-6740-94C1-4B5F4CE1B384}"/>
+                </a:ext>
+              </a:extLst>
+            </p:cNvPr>
+            <p:cNvCxnSpPr/>
+            <p:nvPr/>
+          </p:nvCxnSpPr>
+          <p:spPr>
+            <a:xfrm>
+              <a:off x="4683104" y="3264869"/>
+              <a:ext cx="564509" cy="517264"/>
+            </a:xfrm>
+            <a:prstGeom prst="line">
+              <a:avLst/>
+            </a:prstGeom>
+            <a:ln>
+              <a:solidFill>
+                <a:schemeClr val="accent1">
+                  <a:lumMod val="50000"/>
+                </a:schemeClr>
+              </a:solidFill>
+              <a:prstDash val="sysDash"/>
+            </a:ln>
+          </p:spPr>
+          <p:style>
+            <a:lnRef idx="1">
+              <a:schemeClr val="accent1"/>
+            </a:lnRef>
+            <a:fillRef idx="0">
+              <a:schemeClr val="accent1"/>
+            </a:fillRef>
+            <a:effectRef idx="0">
+              <a:schemeClr val="accent1"/>
+            </a:effectRef>
+            <a:fontRef idx="minor">
+              <a:schemeClr val="tx1"/>
+            </a:fontRef>
+          </p:style>
+        </p:cxnSp>
+        <p:sp>
+          <p:nvSpPr>
+            <p:cNvPr id="30" name="Rectangle 29">
+              <a:extLst>
+                <a:ext uri="{FF2B5EF4-FFF2-40B4-BE49-F238E27FC236}">
+                  <a16:creationId xmlns:a16="http://schemas.microsoft.com/office/drawing/2014/main" id="{432B952E-F502-614B-B4E7-2DE87249813F}"/>
+                </a:ext>
+              </a:extLst>
+            </p:cNvPr>
+            <p:cNvSpPr/>
+            <p:nvPr/>
+          </p:nvSpPr>
+          <p:spPr>
+            <a:xfrm>
+              <a:off x="6414622" y="3782133"/>
+              <a:ext cx="3331923" cy="691497"/>
+            </a:xfrm>
+            <a:prstGeom prst="rect">
+              <a:avLst/>
+            </a:prstGeom>
+            <a:solidFill>
+              <a:schemeClr val="accent1">
+                <a:lumMod val="20000"/>
+                <a:lumOff val="80000"/>
+              </a:schemeClr>
+            </a:solidFill>
+            <a:ln>
+              <a:solidFill>
+                <a:schemeClr val="accent1">
+                  <a:lumMod val="50000"/>
+                </a:schemeClr>
+              </a:solidFill>
+            </a:ln>
+          </p:spPr>
+          <p:style>
+            <a:lnRef idx="2">
+              <a:schemeClr val="accent1">
+                <a:shade val="50000"/>
+              </a:schemeClr>
+            </a:lnRef>
+            <a:fillRef idx="1">
+              <a:schemeClr val="accent1"/>
+            </a:fillRef>
+            <a:effectRef idx="0">
+              <a:schemeClr val="accent1"/>
+            </a:effectRef>
+            <a:fontRef idx="minor">
+              <a:schemeClr val="lt1"/>
+            </a:fontRef>
+          </p:style>
+          <p:txBody>
+            <a:bodyPr rtlCol="0" anchor="ctr"/>
+            <a:lstStyle/>
+            <a:p>
+              <a:pPr algn="ctr"/>
+              <a:r>
+                <a:rPr lang="en-US" sz="900" dirty="0">
+                  <a:solidFill>
+                    <a:schemeClr val="tx1"/>
+                  </a:solidFill>
+                  <a:latin typeface="Avenir Book" panose="02000503020000020003" pitchFamily="2" charset="0"/>
+                </a:rPr>
+                <a:t>Diffie-Hellman (DH) server</a:t>
+              </a:r>
+            </a:p>
+          </p:txBody>
+        </p:sp>
+        <p:sp>
+          <p:nvSpPr>
+            <p:cNvPr id="31" name="Rectangle 30">
+              <a:extLst>
+                <a:ext uri="{FF2B5EF4-FFF2-40B4-BE49-F238E27FC236}">
+                  <a16:creationId xmlns:a16="http://schemas.microsoft.com/office/drawing/2014/main" id="{D1D06FE1-3632-A741-87A7-73B1A8B90A7A}"/>
+                </a:ext>
+              </a:extLst>
+            </p:cNvPr>
+            <p:cNvSpPr/>
+            <p:nvPr/>
+          </p:nvSpPr>
+          <p:spPr>
+            <a:xfrm>
+              <a:off x="6414622" y="4795611"/>
+              <a:ext cx="3331923" cy="691497"/>
+            </a:xfrm>
+            <a:prstGeom prst="rect">
+              <a:avLst/>
+            </a:prstGeom>
+            <a:solidFill>
+              <a:schemeClr val="accent1">
+                <a:lumMod val="20000"/>
+                <a:lumOff val="80000"/>
+              </a:schemeClr>
+            </a:solidFill>
+            <a:ln>
+              <a:solidFill>
+                <a:schemeClr val="accent1">
+                  <a:lumMod val="50000"/>
+                </a:schemeClr>
+              </a:solidFill>
+            </a:ln>
+          </p:spPr>
+          <p:style>
+            <a:lnRef idx="2">
+              <a:schemeClr val="accent1">
+                <a:shade val="50000"/>
+              </a:schemeClr>
+            </a:lnRef>
+            <a:fillRef idx="1">
+              <a:schemeClr val="accent1"/>
+            </a:fillRef>
+            <a:effectRef idx="0">
+              <a:schemeClr val="accent1"/>
+            </a:effectRef>
+            <a:fontRef idx="minor">
+              <a:schemeClr val="lt1"/>
+            </a:fontRef>
+          </p:style>
+          <p:txBody>
+            <a:bodyPr rtlCol="0" anchor="ctr"/>
+            <a:lstStyle/>
+            <a:p>
+              <a:pPr algn="ctr"/>
+              <a:r>
+                <a:rPr lang="en-US" sz="900" dirty="0">
+                  <a:solidFill>
+                    <a:schemeClr val="tx1"/>
+                  </a:solidFill>
+                  <a:latin typeface="Avenir Book" panose="02000503020000020003" pitchFamily="2" charset="0"/>
+                </a:rPr>
+                <a:t>Mock QKD API implementation</a:t>
+              </a:r>
+            </a:p>
+          </p:txBody>
+        </p:sp>
+        <p:sp>
+          <p:nvSpPr>
+            <p:cNvPr id="32" name="Rectangle 31">
+              <a:extLst>
+                <a:ext uri="{FF2B5EF4-FFF2-40B4-BE49-F238E27FC236}">
+                  <a16:creationId xmlns:a16="http://schemas.microsoft.com/office/drawing/2014/main" id="{9035DBE4-1711-BC41-9C6D-4228A4ABEC69}"/>
+                </a:ext>
+              </a:extLst>
+            </p:cNvPr>
+            <p:cNvSpPr/>
+            <p:nvPr/>
+          </p:nvSpPr>
+          <p:spPr>
+            <a:xfrm>
+              <a:off x="6414622" y="4473631"/>
+              <a:ext cx="3331923" cy="324156"/>
+            </a:xfrm>
+            <a:prstGeom prst="rect">
+              <a:avLst/>
+            </a:prstGeom>
+            <a:solidFill>
+              <a:schemeClr val="accent1">
+                <a:lumMod val="20000"/>
+                <a:lumOff val="80000"/>
+              </a:schemeClr>
+            </a:solidFill>
+            <a:ln>
+              <a:solidFill>
+                <a:schemeClr val="accent1">
+                  <a:lumMod val="50000"/>
+                </a:schemeClr>
+              </a:solidFill>
+            </a:ln>
+          </p:spPr>
+          <p:style>
+            <a:lnRef idx="2">
+              <a:schemeClr val="accent1">
+                <a:shade val="50000"/>
+              </a:schemeClr>
+            </a:lnRef>
+            <a:fillRef idx="1">
+              <a:schemeClr val="accent1"/>
+            </a:fillRef>
+            <a:effectRef idx="0">
+              <a:schemeClr val="accent1"/>
+            </a:effectRef>
+            <a:fontRef idx="minor">
+              <a:schemeClr val="lt1"/>
+            </a:fontRef>
+          </p:style>
+          <p:txBody>
+            <a:bodyPr rtlCol="0" anchor="ctr"/>
+            <a:lstStyle/>
+            <a:p>
+              <a:pPr algn="ctr"/>
+              <a:r>
+                <a:rPr lang="en-US" sz="900" dirty="0">
+                  <a:solidFill>
+                    <a:schemeClr val="tx1"/>
+                  </a:solidFill>
+                  <a:latin typeface="Avenir Book" panose="02000503020000020003" pitchFamily="2" charset="0"/>
+                </a:rPr>
+                <a:t>ETSI QKD API</a:t>
+              </a:r>
+            </a:p>
+          </p:txBody>
+        </p:sp>
+        <p:cxnSp>
+          <p:nvCxnSpPr>
+            <p:cNvPr id="33" name="Straight Connector 32">
+              <a:extLst>
+                <a:ext uri="{FF2B5EF4-FFF2-40B4-BE49-F238E27FC236}">
+                  <a16:creationId xmlns:a16="http://schemas.microsoft.com/office/drawing/2014/main" id="{EDC44334-0AF8-3B4B-ACD5-01EC579719CB}"/>
+                </a:ext>
+              </a:extLst>
+            </p:cNvPr>
+            <p:cNvCxnSpPr/>
+            <p:nvPr/>
+          </p:nvCxnSpPr>
+          <p:spPr>
+            <a:xfrm flipH="1">
+              <a:off x="6414622" y="3264869"/>
+              <a:ext cx="557614" cy="517264"/>
+            </a:xfrm>
+            <a:prstGeom prst="line">
+              <a:avLst/>
+            </a:prstGeom>
+            <a:ln>
+              <a:solidFill>
+                <a:schemeClr val="accent1">
+                  <a:lumMod val="50000"/>
+                </a:schemeClr>
+              </a:solidFill>
+              <a:prstDash val="sysDash"/>
+            </a:ln>
+          </p:spPr>
+          <p:style>
+            <a:lnRef idx="1">
+              <a:schemeClr val="accent1"/>
+            </a:lnRef>
+            <a:fillRef idx="0">
+              <a:schemeClr val="accent1"/>
+            </a:fillRef>
+            <a:effectRef idx="0">
+              <a:schemeClr val="accent1"/>
+            </a:effectRef>
+            <a:fontRef idx="minor">
+              <a:schemeClr val="tx1"/>
+            </a:fontRef>
+          </p:style>
+        </p:cxnSp>
+        <p:cxnSp>
+          <p:nvCxnSpPr>
+            <p:cNvPr id="34" name="Straight Connector 33">
+              <a:extLst>
+                <a:ext uri="{FF2B5EF4-FFF2-40B4-BE49-F238E27FC236}">
+                  <a16:creationId xmlns:a16="http://schemas.microsoft.com/office/drawing/2014/main" id="{7A6B1CC5-90C4-8848-8A6D-A70FA530352B}"/>
+                </a:ext>
+              </a:extLst>
+            </p:cNvPr>
+            <p:cNvCxnSpPr/>
+            <p:nvPr/>
+          </p:nvCxnSpPr>
+          <p:spPr>
+            <a:xfrm>
+              <a:off x="9182036" y="3264869"/>
+              <a:ext cx="564509" cy="517264"/>
+            </a:xfrm>
+            <a:prstGeom prst="line">
+              <a:avLst/>
+            </a:prstGeom>
+            <a:ln>
+              <a:solidFill>
+                <a:schemeClr val="accent1">
+                  <a:lumMod val="50000"/>
+                </a:schemeClr>
+              </a:solidFill>
+              <a:prstDash val="sysDash"/>
+            </a:ln>
+          </p:spPr>
+          <p:style>
+            <a:lnRef idx="1">
+              <a:schemeClr val="accent1"/>
+            </a:lnRef>
+            <a:fillRef idx="0">
+              <a:schemeClr val="accent1"/>
+            </a:fillRef>
+            <a:effectRef idx="0">
+              <a:schemeClr val="accent1"/>
+            </a:effectRef>
+            <a:fontRef idx="minor">
+              <a:schemeClr val="tx1"/>
+            </a:fontRef>
+          </p:style>
+        </p:cxnSp>
+        <p:sp>
+          <p:nvSpPr>
+            <p:cNvPr id="36" name="Freeform 35">
+              <a:extLst>
+                <a:ext uri="{FF2B5EF4-FFF2-40B4-BE49-F238E27FC236}">
+                  <a16:creationId xmlns:a16="http://schemas.microsoft.com/office/drawing/2014/main" id="{B49FA24B-14FF-794A-B029-00919BE81760}"/>
+                </a:ext>
+              </a:extLst>
+            </p:cNvPr>
+            <p:cNvSpPr/>
+            <p:nvPr/>
+          </p:nvSpPr>
+          <p:spPr>
+            <a:xfrm>
+              <a:off x="6414622" y="1962162"/>
+              <a:ext cx="3331923" cy="1302707"/>
+            </a:xfrm>
+            <a:custGeom>
+              <a:avLst/>
+              <a:gdLst>
+                <a:gd name="connsiteX0" fmla="*/ 0 w 3331923"/>
+                <a:gd name="connsiteY0" fmla="*/ 0 h 1302707"/>
+                <a:gd name="connsiteX1" fmla="*/ 0 w 3331923"/>
+                <a:gd name="connsiteY1" fmla="*/ 1290181 h 1302707"/>
+                <a:gd name="connsiteX2" fmla="*/ 463463 w 3331923"/>
+                <a:gd name="connsiteY2" fmla="*/ 1290181 h 1302707"/>
+                <a:gd name="connsiteX3" fmla="*/ 463463 w 3331923"/>
+                <a:gd name="connsiteY3" fmla="*/ 519830 h 1302707"/>
+                <a:gd name="connsiteX4" fmla="*/ 2880986 w 3331923"/>
+                <a:gd name="connsiteY4" fmla="*/ 519830 h 1302707"/>
+                <a:gd name="connsiteX5" fmla="*/ 2880986 w 3331923"/>
+                <a:gd name="connsiteY5" fmla="*/ 1302707 h 1302707"/>
+                <a:gd name="connsiteX6" fmla="*/ 3331923 w 3331923"/>
+                <a:gd name="connsiteY6" fmla="*/ 1302707 h 1302707"/>
+                <a:gd name="connsiteX7" fmla="*/ 3331923 w 3331923"/>
+                <a:gd name="connsiteY7" fmla="*/ 12526 h 1302707"/>
+                <a:gd name="connsiteX8" fmla="*/ 0 w 3331923"/>
+                <a:gd name="connsiteY8" fmla="*/ 0 h 1302707"/>
+              </a:gdLst>
+              <a:ahLst/>
+              <a:cxnLst>
+                <a:cxn ang="0">
+                  <a:pos x="connsiteX0" y="connsiteY0"/>
+                </a:cxn>
+                <a:cxn ang="0">
+                  <a:pos x="connsiteX1" y="connsiteY1"/>
+                </a:cxn>
+                <a:cxn ang="0">
+                  <a:pos x="connsiteX2" y="connsiteY2"/>
+                </a:cxn>
+                <a:cxn ang="0">
+                  <a:pos x="connsiteX3" y="connsiteY3"/>
+                </a:cxn>
+                <a:cxn ang="0">
+                  <a:pos x="connsiteX4" y="connsiteY4"/>
+                </a:cxn>
+                <a:cxn ang="0">
+                  <a:pos x="connsiteX5" y="connsiteY5"/>
+                </a:cxn>
+                <a:cxn ang="0">
+                  <a:pos x="connsiteX6" y="connsiteY6"/>
+                </a:cxn>
+                <a:cxn ang="0">
+                  <a:pos x="connsiteX7" y="connsiteY7"/>
+                </a:cxn>
+                <a:cxn ang="0">
+                  <a:pos x="connsiteX8" y="connsiteY8"/>
+                </a:cxn>
+              </a:cxnLst>
+              <a:rect l="l" t="t" r="r" b="b"/>
+              <a:pathLst>
+                <a:path w="3331923" h="1302707">
+                  <a:moveTo>
+                    <a:pt x="0" y="0"/>
+                  </a:moveTo>
+                  <a:lnTo>
+                    <a:pt x="0" y="1290181"/>
+                  </a:lnTo>
+                  <a:lnTo>
+                    <a:pt x="463463" y="1290181"/>
+                  </a:lnTo>
+                  <a:lnTo>
+                    <a:pt x="463463" y="519830"/>
+                  </a:lnTo>
+                  <a:lnTo>
+                    <a:pt x="2880986" y="519830"/>
+                  </a:lnTo>
+                  <a:lnTo>
+                    <a:pt x="2880986" y="1302707"/>
+                  </a:lnTo>
+                  <a:lnTo>
+                    <a:pt x="3331923" y="1302707"/>
+                  </a:lnTo>
+                  <a:lnTo>
+                    <a:pt x="3331923" y="12526"/>
+                  </a:lnTo>
+                  <a:lnTo>
+                    <a:pt x="0" y="0"/>
+                  </a:lnTo>
+                  <a:close/>
+                </a:path>
+              </a:pathLst>
+            </a:custGeom>
+            <a:solidFill>
+              <a:schemeClr val="bg1">
+                <a:lumMod val="95000"/>
+              </a:schemeClr>
+            </a:solidFill>
+            <a:ln>
+              <a:solidFill>
+                <a:schemeClr val="tx1"/>
+              </a:solidFill>
+            </a:ln>
+          </p:spPr>
+          <p:style>
+            <a:lnRef idx="2">
+              <a:schemeClr val="accent1">
+                <a:shade val="50000"/>
+              </a:schemeClr>
+            </a:lnRef>
+            <a:fillRef idx="1">
+              <a:schemeClr val="accent1"/>
+            </a:fillRef>
+            <a:effectRef idx="0">
+              <a:schemeClr val="accent1"/>
+            </a:effectRef>
+            <a:fontRef idx="minor">
+              <a:schemeClr val="lt1"/>
+            </a:fontRef>
+          </p:style>
+          <p:txBody>
+            <a:bodyPr rtlCol="0" anchor="ctr"/>
+            <a:lstStyle/>
+            <a:p>
+              <a:pPr algn="ctr"/>
+              <a:r>
+                <a:rPr lang="en-US" sz="900" dirty="0">
+                  <a:solidFill>
+                    <a:schemeClr val="tx1"/>
+                  </a:solidFill>
+                  <a:latin typeface="Avenir Book" panose="02000503020000020003" pitchFamily="2" charset="0"/>
+                </a:rPr>
+                <a:t>OpenSSL library</a:t>
+              </a:r>
+            </a:p>
+            <a:p>
+              <a:pPr algn="ctr"/>
+              <a:endParaRPr lang="en-US" sz="900" dirty="0">
+                <a:solidFill>
+                  <a:schemeClr val="tx1"/>
+                </a:solidFill>
+                <a:latin typeface="Avenir Book" panose="02000503020000020003" pitchFamily="2" charset="0"/>
+              </a:endParaRPr>
+            </a:p>
+            <a:p>
+              <a:pPr algn="ctr"/>
+              <a:endParaRPr lang="en-US" sz="900" dirty="0">
+                <a:solidFill>
+                  <a:schemeClr val="tx1"/>
+                </a:solidFill>
+                <a:latin typeface="Avenir Book" panose="02000503020000020003" pitchFamily="2" charset="0"/>
+              </a:endParaRPr>
+            </a:p>
+            <a:p>
+              <a:pPr algn="ctr"/>
+              <a:endParaRPr lang="en-US" sz="900" dirty="0">
+                <a:solidFill>
+                  <a:schemeClr val="tx1"/>
+                </a:solidFill>
+                <a:latin typeface="Avenir Book" panose="02000503020000020003" pitchFamily="2" charset="0"/>
+              </a:endParaRPr>
+            </a:p>
+            <a:p>
+              <a:pPr algn="ctr"/>
+              <a:endParaRPr lang="en-US" sz="900" dirty="0">
+                <a:solidFill>
+                  <a:schemeClr val="tx1"/>
+                </a:solidFill>
+                <a:latin typeface="Avenir Book" panose="02000503020000020003" pitchFamily="2" charset="0"/>
+              </a:endParaRPr>
+            </a:p>
+          </p:txBody>
+        </p:sp>
+        <p:sp>
+          <p:nvSpPr>
+            <p:cNvPr id="37" name="Rectangle 36">
+              <a:extLst>
+                <a:ext uri="{FF2B5EF4-FFF2-40B4-BE49-F238E27FC236}">
+                  <a16:creationId xmlns:a16="http://schemas.microsoft.com/office/drawing/2014/main" id="{E447540E-15CC-6A4A-86B4-3711AB66088C}"/>
+                </a:ext>
+              </a:extLst>
+            </p:cNvPr>
+            <p:cNvSpPr/>
+            <p:nvPr/>
+          </p:nvSpPr>
+          <p:spPr>
+            <a:xfrm>
+              <a:off x="6414622" y="1283191"/>
+              <a:ext cx="3331923" cy="691497"/>
+            </a:xfrm>
+            <a:prstGeom prst="rect">
+              <a:avLst/>
+            </a:prstGeom>
+            <a:solidFill>
+              <a:schemeClr val="bg1">
+                <a:lumMod val="95000"/>
+              </a:schemeClr>
+            </a:solidFill>
+            <a:ln>
+              <a:solidFill>
+                <a:schemeClr val="tx1"/>
+              </a:solidFill>
+            </a:ln>
+          </p:spPr>
+          <p:style>
+            <a:lnRef idx="2">
+              <a:schemeClr val="accent1">
+                <a:shade val="50000"/>
+              </a:schemeClr>
+            </a:lnRef>
+            <a:fillRef idx="1">
+              <a:schemeClr val="accent1"/>
+            </a:fillRef>
+            <a:effectRef idx="0">
+              <a:schemeClr val="accent1"/>
+            </a:effectRef>
+            <a:fontRef idx="minor">
+              <a:schemeClr val="lt1"/>
+            </a:fontRef>
+          </p:style>
+          <p:txBody>
+            <a:bodyPr rtlCol="0" anchor="ctr"/>
+            <a:lstStyle/>
+            <a:p>
+              <a:pPr algn="ctr"/>
+              <a:r>
+                <a:rPr lang="en-US" sz="900" dirty="0">
+                  <a:solidFill>
+                    <a:schemeClr val="tx1"/>
+                  </a:solidFill>
+                  <a:latin typeface="Avenir Book" panose="02000503020000020003" pitchFamily="2" charset="0"/>
+                </a:rPr>
+                <a:t>OpenSSL HTTPS web server</a:t>
+              </a:r>
+            </a:p>
+          </p:txBody>
+        </p:sp>
+        <p:cxnSp>
+          <p:nvCxnSpPr>
+            <p:cNvPr id="39" name="Straight Arrow Connector 38">
+              <a:extLst>
+                <a:ext uri="{FF2B5EF4-FFF2-40B4-BE49-F238E27FC236}">
+                  <a16:creationId xmlns:a16="http://schemas.microsoft.com/office/drawing/2014/main" id="{4BB84F2D-258E-484D-A1A3-F190ADAA09B9}"/>
+                </a:ext>
+              </a:extLst>
+            </p:cNvPr>
+            <p:cNvCxnSpPr>
+              <a:stCxn id="22" idx="3"/>
+              <a:endCxn id="37" idx="1"/>
+            </p:cNvCxnSpPr>
+            <p:nvPr/>
+          </p:nvCxnSpPr>
+          <p:spPr>
+            <a:xfrm>
+              <a:off x="5247613" y="1628940"/>
+              <a:ext cx="1167009" cy="0"/>
+            </a:xfrm>
+            <a:prstGeom prst="straightConnector1">
+              <a:avLst/>
+            </a:prstGeom>
+            <a:ln w="12700">
+              <a:solidFill>
+                <a:schemeClr val="accent1">
+                  <a:lumMod val="50000"/>
+                </a:schemeClr>
+              </a:solidFill>
+              <a:headEnd type="triangle"/>
+              <a:tailEnd type="triangle"/>
+            </a:ln>
+          </p:spPr>
+          <p:style>
+            <a:lnRef idx="1">
+              <a:schemeClr val="accent1"/>
+            </a:lnRef>
+            <a:fillRef idx="0">
+              <a:schemeClr val="accent1"/>
+            </a:fillRef>
+            <a:effectRef idx="0">
+              <a:schemeClr val="accent1"/>
+            </a:effectRef>
+            <a:fontRef idx="minor">
+              <a:schemeClr val="tx1"/>
+            </a:fontRef>
+          </p:style>
+        </p:cxnSp>
+        <p:cxnSp>
+          <p:nvCxnSpPr>
+            <p:cNvPr id="40" name="Straight Arrow Connector 39">
+              <a:extLst>
+                <a:ext uri="{FF2B5EF4-FFF2-40B4-BE49-F238E27FC236}">
+                  <a16:creationId xmlns:a16="http://schemas.microsoft.com/office/drawing/2014/main" id="{B64872E4-E897-E447-975B-270778E0DE6D}"/>
+                </a:ext>
+              </a:extLst>
+            </p:cNvPr>
+            <p:cNvCxnSpPr/>
+            <p:nvPr/>
+          </p:nvCxnSpPr>
+          <p:spPr>
+            <a:xfrm>
+              <a:off x="5247613" y="2251305"/>
+              <a:ext cx="1167009" cy="0"/>
+            </a:xfrm>
+            <a:prstGeom prst="straightConnector1">
+              <a:avLst/>
+            </a:prstGeom>
+            <a:ln w="12700">
+              <a:solidFill>
+                <a:schemeClr val="accent1">
+                  <a:lumMod val="50000"/>
+                </a:schemeClr>
+              </a:solidFill>
+              <a:headEnd type="triangle"/>
+              <a:tailEnd type="triangle"/>
+            </a:ln>
+          </p:spPr>
+          <p:style>
+            <a:lnRef idx="1">
+              <a:schemeClr val="accent1"/>
+            </a:lnRef>
+            <a:fillRef idx="0">
+              <a:schemeClr val="accent1"/>
+            </a:fillRef>
+            <a:effectRef idx="0">
+              <a:schemeClr val="accent1"/>
+            </a:effectRef>
+            <a:fontRef idx="minor">
+              <a:schemeClr val="tx1"/>
+            </a:fontRef>
+          </p:style>
+        </p:cxnSp>
+        <p:cxnSp>
+          <p:nvCxnSpPr>
+            <p:cNvPr id="41" name="Straight Arrow Connector 40">
+              <a:extLst>
+                <a:ext uri="{FF2B5EF4-FFF2-40B4-BE49-F238E27FC236}">
+                  <a16:creationId xmlns:a16="http://schemas.microsoft.com/office/drawing/2014/main" id="{06E2957B-1B3D-5946-B54A-0893C75137CB}"/>
+                </a:ext>
+              </a:extLst>
+            </p:cNvPr>
+            <p:cNvCxnSpPr/>
+            <p:nvPr/>
+          </p:nvCxnSpPr>
+          <p:spPr>
+            <a:xfrm>
+              <a:off x="5247613" y="5146905"/>
+              <a:ext cx="1167009" cy="0"/>
+            </a:xfrm>
+            <a:prstGeom prst="straightConnector1">
+              <a:avLst/>
+            </a:prstGeom>
+            <a:ln w="12700">
+              <a:solidFill>
+                <a:schemeClr val="accent1">
+                  <a:lumMod val="50000"/>
+                </a:schemeClr>
+              </a:solidFill>
+              <a:headEnd type="triangle"/>
+              <a:tailEnd type="triangle"/>
+            </a:ln>
+          </p:spPr>
+          <p:style>
+            <a:lnRef idx="1">
+              <a:schemeClr val="accent1"/>
+            </a:lnRef>
+            <a:fillRef idx="0">
+              <a:schemeClr val="accent1"/>
+            </a:fillRef>
+            <a:effectRef idx="0">
+              <a:schemeClr val="accent1"/>
+            </a:effectRef>
+            <a:fontRef idx="minor">
+              <a:schemeClr val="tx1"/>
+            </a:fontRef>
+          </p:style>
+        </p:cxnSp>
+        <p:sp>
+          <p:nvSpPr>
+            <p:cNvPr id="42" name="Rectangle 41">
+              <a:extLst>
+                <a:ext uri="{FF2B5EF4-FFF2-40B4-BE49-F238E27FC236}">
+                  <a16:creationId xmlns:a16="http://schemas.microsoft.com/office/drawing/2014/main" id="{CE66C42F-9E41-B04B-A683-12F9510DBB77}"/>
+                </a:ext>
+              </a:extLst>
+            </p:cNvPr>
+            <p:cNvSpPr/>
+            <p:nvPr/>
+          </p:nvSpPr>
+          <p:spPr>
+            <a:xfrm>
+              <a:off x="5247612" y="1379374"/>
+              <a:ext cx="1167009" cy="324156"/>
+            </a:xfrm>
+            <a:prstGeom prst="rect">
+              <a:avLst/>
+            </a:prstGeom>
+            <a:noFill/>
+            <a:ln>
+              <a:noFill/>
+            </a:ln>
+          </p:spPr>
+          <p:style>
+            <a:lnRef idx="2">
+              <a:schemeClr val="accent1">
+                <a:shade val="50000"/>
+              </a:schemeClr>
+            </a:lnRef>
+            <a:fillRef idx="1">
+              <a:schemeClr val="accent1"/>
+            </a:fillRef>
+            <a:effectRef idx="0">
+              <a:schemeClr val="accent1"/>
+            </a:effectRef>
+            <a:fontRef idx="minor">
+              <a:schemeClr val="lt1"/>
+            </a:fontRef>
+          </p:style>
+          <p:txBody>
+            <a:bodyPr rtlCol="0" anchor="ctr"/>
+            <a:lstStyle/>
+            <a:p>
+              <a:pPr algn="ctr"/>
+              <a:r>
+                <a:rPr lang="en-US" sz="900" dirty="0">
+                  <a:solidFill>
+                    <a:schemeClr val="tx1"/>
+                  </a:solidFill>
+                  <a:latin typeface="Avenir Book" panose="02000503020000020003" pitchFamily="2" charset="0"/>
+                </a:rPr>
+                <a:t>HTTPS</a:t>
+              </a:r>
+            </a:p>
+          </p:txBody>
+        </p:sp>
+        <p:sp>
+          <p:nvSpPr>
+            <p:cNvPr id="43" name="Rectangle 42">
+              <a:extLst>
+                <a:ext uri="{FF2B5EF4-FFF2-40B4-BE49-F238E27FC236}">
+                  <a16:creationId xmlns:a16="http://schemas.microsoft.com/office/drawing/2014/main" id="{F16D82E4-09F3-3240-9590-C1AF35F42BBB}"/>
+                </a:ext>
+              </a:extLst>
+            </p:cNvPr>
+            <p:cNvSpPr/>
+            <p:nvPr/>
+          </p:nvSpPr>
+          <p:spPr>
+            <a:xfrm>
+              <a:off x="5247612" y="1985993"/>
+              <a:ext cx="1167009" cy="324156"/>
+            </a:xfrm>
+            <a:prstGeom prst="rect">
+              <a:avLst/>
+            </a:prstGeom>
+            <a:noFill/>
+            <a:ln>
+              <a:noFill/>
+            </a:ln>
+          </p:spPr>
+          <p:style>
+            <a:lnRef idx="2">
+              <a:schemeClr val="accent1">
+                <a:shade val="50000"/>
+              </a:schemeClr>
+            </a:lnRef>
+            <a:fillRef idx="1">
+              <a:schemeClr val="accent1"/>
+            </a:fillRef>
+            <a:effectRef idx="0">
+              <a:schemeClr val="accent1"/>
+            </a:effectRef>
+            <a:fontRef idx="minor">
+              <a:schemeClr val="lt1"/>
+            </a:fontRef>
+          </p:style>
+          <p:txBody>
+            <a:bodyPr rtlCol="0" anchor="ctr"/>
+            <a:lstStyle/>
+            <a:p>
+              <a:pPr algn="ctr"/>
+              <a:r>
+                <a:rPr lang="en-US" sz="900" dirty="0">
+                  <a:solidFill>
+                    <a:schemeClr val="tx1"/>
+                  </a:solidFill>
+                  <a:latin typeface="Avenir Book" panose="02000503020000020003" pitchFamily="2" charset="0"/>
+                </a:rPr>
+                <a:t>TLS</a:t>
+              </a:r>
+            </a:p>
+          </p:txBody>
+        </p:sp>
+        <p:sp>
+          <p:nvSpPr>
+            <p:cNvPr id="44" name="Rectangle 43">
+              <a:extLst>
+                <a:ext uri="{FF2B5EF4-FFF2-40B4-BE49-F238E27FC236}">
+                  <a16:creationId xmlns:a16="http://schemas.microsoft.com/office/drawing/2014/main" id="{9C5E52E3-2F39-CF43-AD69-F2936F272B82}"/>
+                </a:ext>
+              </a:extLst>
+            </p:cNvPr>
+            <p:cNvSpPr/>
+            <p:nvPr/>
+          </p:nvSpPr>
+          <p:spPr>
+            <a:xfrm>
+              <a:off x="5134863" y="4839016"/>
+              <a:ext cx="1411478" cy="324156"/>
+            </a:xfrm>
+            <a:prstGeom prst="rect">
+              <a:avLst/>
+            </a:prstGeom>
+            <a:noFill/>
+            <a:ln>
+              <a:noFill/>
+            </a:ln>
+          </p:spPr>
+          <p:style>
+            <a:lnRef idx="2">
+              <a:schemeClr val="accent1">
+                <a:shade val="50000"/>
+              </a:schemeClr>
+            </a:lnRef>
+            <a:fillRef idx="1">
+              <a:schemeClr val="accent1"/>
+            </a:fillRef>
+            <a:effectRef idx="0">
+              <a:schemeClr val="accent1"/>
+            </a:effectRef>
+            <a:fontRef idx="minor">
+              <a:schemeClr val="lt1"/>
+            </a:fontRef>
+          </p:style>
+          <p:txBody>
+            <a:bodyPr rtlCol="0" anchor="ctr"/>
+            <a:lstStyle/>
+            <a:p>
+              <a:pPr algn="ctr"/>
+              <a:r>
+                <a:rPr lang="en-US" sz="900" dirty="0">
+                  <a:solidFill>
+                    <a:schemeClr val="tx1"/>
+                  </a:solidFill>
+                  <a:latin typeface="Avenir Book" panose="02000503020000020003" pitchFamily="2" charset="0"/>
+                </a:rPr>
+                <a:t>Mock QKD</a:t>
+              </a:r>
+            </a:p>
+          </p:txBody>
+        </p:sp>
+      </p:grpSp>
+      <p:grpSp>
+        <p:nvGrpSpPr>
+          <p:cNvPr id="26" name="Group 25">
+            <a:extLst>
+              <a:ext uri="{FF2B5EF4-FFF2-40B4-BE49-F238E27FC236}">
+                <a16:creationId xmlns:a16="http://schemas.microsoft.com/office/drawing/2014/main" id="{31257F55-A930-2F40-83F3-656546B00145}"/>
+              </a:ext>
+            </a:extLst>
+          </p:cNvPr>
+          <p:cNvGrpSpPr/>
+          <p:nvPr/>
+        </p:nvGrpSpPr>
+        <p:grpSpPr>
+          <a:xfrm>
+            <a:off x="5829520" y="977595"/>
+            <a:ext cx="5027488" cy="3687207"/>
+            <a:chOff x="1920788" y="539707"/>
+            <a:chExt cx="7834303" cy="5745751"/>
+          </a:xfrm>
+        </p:grpSpPr>
+        <p:sp>
+          <p:nvSpPr>
+            <p:cNvPr id="28" name="Rectangle 27">
+              <a:extLst>
+                <a:ext uri="{FF2B5EF4-FFF2-40B4-BE49-F238E27FC236}">
+                  <a16:creationId xmlns:a16="http://schemas.microsoft.com/office/drawing/2014/main" id="{A7541CF3-9448-384D-983B-EF5CFED1BD2C}"/>
+                </a:ext>
+              </a:extLst>
+            </p:cNvPr>
+            <p:cNvSpPr/>
+            <p:nvPr/>
+          </p:nvSpPr>
+          <p:spPr>
+            <a:xfrm>
+              <a:off x="2481850" y="1844843"/>
+              <a:ext cx="2209800" cy="676542"/>
+            </a:xfrm>
+            <a:prstGeom prst="rect">
+              <a:avLst/>
+            </a:prstGeom>
+            <a:solidFill>
+              <a:schemeClr val="accent1">
+                <a:lumMod val="20000"/>
+                <a:lumOff val="80000"/>
+              </a:schemeClr>
+            </a:solidFill>
+            <a:ln>
+              <a:solidFill>
+                <a:schemeClr val="accent1">
+                  <a:lumMod val="50000"/>
+                </a:schemeClr>
+              </a:solidFill>
+            </a:ln>
+          </p:spPr>
+          <p:style>
+            <a:lnRef idx="2">
+              <a:schemeClr val="accent1">
+                <a:shade val="50000"/>
+              </a:schemeClr>
+            </a:lnRef>
+            <a:fillRef idx="1">
+              <a:schemeClr val="accent1"/>
+            </a:fillRef>
+            <a:effectRef idx="0">
+              <a:schemeClr val="accent1"/>
+            </a:effectRef>
+            <a:fontRef idx="minor">
+              <a:schemeClr val="lt1"/>
+            </a:fontRef>
+          </p:style>
+          <p:txBody>
+            <a:bodyPr rtlCol="0" anchor="ctr"/>
+            <a:lstStyle/>
+            <a:p>
+              <a:pPr algn="ctr"/>
+              <a:r>
+                <a:rPr lang="en-US" sz="900" dirty="0">
+                  <a:solidFill>
+                    <a:schemeClr val="tx1"/>
+                  </a:solidFill>
+                  <a:latin typeface="Avenir Book" panose="02000503020000020003" pitchFamily="2" charset="0"/>
+                </a:rPr>
+                <a:t>Mock QKD client engine</a:t>
+              </a:r>
+            </a:p>
+            <a:p>
+              <a:pPr algn="ctr"/>
+              <a:r>
+                <a:rPr lang="en-US" sz="500" dirty="0">
+                  <a:solidFill>
+                    <a:schemeClr val="tx1"/>
+                  </a:solidFill>
+                  <a:latin typeface="Avenir Book" panose="02000503020000020003" pitchFamily="2" charset="0"/>
+                </a:rPr>
+                <a:t>(Dynamically loaded library)</a:t>
+              </a:r>
+            </a:p>
+          </p:txBody>
+        </p:sp>
+        <p:sp>
+          <p:nvSpPr>
+            <p:cNvPr id="35" name="Freeform 34">
+              <a:extLst>
+                <a:ext uri="{FF2B5EF4-FFF2-40B4-BE49-F238E27FC236}">
+                  <a16:creationId xmlns:a16="http://schemas.microsoft.com/office/drawing/2014/main" id="{63C963FE-FC42-7640-B3C8-7D12C049A0DE}"/>
+                </a:ext>
+              </a:extLst>
+            </p:cNvPr>
+            <p:cNvSpPr/>
+            <p:nvPr/>
+          </p:nvSpPr>
+          <p:spPr>
+            <a:xfrm>
+              <a:off x="1924236" y="1218678"/>
+              <a:ext cx="3331923" cy="1302707"/>
+            </a:xfrm>
+            <a:custGeom>
+              <a:avLst/>
+              <a:gdLst>
+                <a:gd name="connsiteX0" fmla="*/ 0 w 3331923"/>
+                <a:gd name="connsiteY0" fmla="*/ 0 h 1302707"/>
+                <a:gd name="connsiteX1" fmla="*/ 0 w 3331923"/>
+                <a:gd name="connsiteY1" fmla="*/ 1290181 h 1302707"/>
+                <a:gd name="connsiteX2" fmla="*/ 463463 w 3331923"/>
+                <a:gd name="connsiteY2" fmla="*/ 1290181 h 1302707"/>
+                <a:gd name="connsiteX3" fmla="*/ 463463 w 3331923"/>
+                <a:gd name="connsiteY3" fmla="*/ 519830 h 1302707"/>
+                <a:gd name="connsiteX4" fmla="*/ 2880986 w 3331923"/>
+                <a:gd name="connsiteY4" fmla="*/ 519830 h 1302707"/>
+                <a:gd name="connsiteX5" fmla="*/ 2880986 w 3331923"/>
+                <a:gd name="connsiteY5" fmla="*/ 1302707 h 1302707"/>
+                <a:gd name="connsiteX6" fmla="*/ 3331923 w 3331923"/>
+                <a:gd name="connsiteY6" fmla="*/ 1302707 h 1302707"/>
+                <a:gd name="connsiteX7" fmla="*/ 3331923 w 3331923"/>
+                <a:gd name="connsiteY7" fmla="*/ 12526 h 1302707"/>
+                <a:gd name="connsiteX8" fmla="*/ 0 w 3331923"/>
+                <a:gd name="connsiteY8" fmla="*/ 0 h 1302707"/>
+              </a:gdLst>
+              <a:ahLst/>
+              <a:cxnLst>
+                <a:cxn ang="0">
+                  <a:pos x="connsiteX0" y="connsiteY0"/>
+                </a:cxn>
+                <a:cxn ang="0">
+                  <a:pos x="connsiteX1" y="connsiteY1"/>
+                </a:cxn>
+                <a:cxn ang="0">
+                  <a:pos x="connsiteX2" y="connsiteY2"/>
+                </a:cxn>
+                <a:cxn ang="0">
+                  <a:pos x="connsiteX3" y="connsiteY3"/>
+                </a:cxn>
+                <a:cxn ang="0">
+                  <a:pos x="connsiteX4" y="connsiteY4"/>
+                </a:cxn>
+                <a:cxn ang="0">
+                  <a:pos x="connsiteX5" y="connsiteY5"/>
+                </a:cxn>
+                <a:cxn ang="0">
+                  <a:pos x="connsiteX6" y="connsiteY6"/>
+                </a:cxn>
+                <a:cxn ang="0">
+                  <a:pos x="connsiteX7" y="connsiteY7"/>
+                </a:cxn>
+                <a:cxn ang="0">
+                  <a:pos x="connsiteX8" y="connsiteY8"/>
+                </a:cxn>
+              </a:cxnLst>
+              <a:rect l="l" t="t" r="r" b="b"/>
+              <a:pathLst>
+                <a:path w="3331923" h="1302707">
+                  <a:moveTo>
+                    <a:pt x="0" y="0"/>
+                  </a:moveTo>
+                  <a:lnTo>
+                    <a:pt x="0" y="1290181"/>
+                  </a:lnTo>
+                  <a:lnTo>
+                    <a:pt x="463463" y="1290181"/>
+                  </a:lnTo>
+                  <a:lnTo>
+                    <a:pt x="463463" y="519830"/>
+                  </a:lnTo>
+                  <a:lnTo>
+                    <a:pt x="2880986" y="519830"/>
+                  </a:lnTo>
+                  <a:lnTo>
+                    <a:pt x="2880986" y="1302707"/>
+                  </a:lnTo>
+                  <a:lnTo>
+                    <a:pt x="3331923" y="1302707"/>
+                  </a:lnTo>
+                  <a:lnTo>
+                    <a:pt x="3331923" y="12526"/>
+                  </a:lnTo>
+                  <a:lnTo>
+                    <a:pt x="0" y="0"/>
+                  </a:lnTo>
+                  <a:close/>
+                </a:path>
+              </a:pathLst>
+            </a:custGeom>
+            <a:solidFill>
+              <a:schemeClr val="bg1">
+                <a:lumMod val="95000"/>
+              </a:schemeClr>
+            </a:solidFill>
+            <a:ln>
+              <a:solidFill>
+                <a:schemeClr val="tx1"/>
+              </a:solidFill>
+            </a:ln>
+          </p:spPr>
+          <p:style>
+            <a:lnRef idx="2">
+              <a:schemeClr val="accent1">
+                <a:shade val="50000"/>
+              </a:schemeClr>
+            </a:lnRef>
+            <a:fillRef idx="1">
+              <a:schemeClr val="accent1"/>
+            </a:fillRef>
+            <a:effectRef idx="0">
+              <a:schemeClr val="accent1"/>
+            </a:effectRef>
+            <a:fontRef idx="minor">
+              <a:schemeClr val="lt1"/>
+            </a:fontRef>
+          </p:style>
+          <p:txBody>
+            <a:bodyPr rtlCol="0" anchor="ctr"/>
+            <a:lstStyle/>
+            <a:p>
+              <a:pPr algn="ctr"/>
+              <a:r>
+                <a:rPr lang="en-US" sz="900" dirty="0">
+                  <a:solidFill>
+                    <a:schemeClr val="tx1"/>
+                  </a:solidFill>
+                  <a:latin typeface="Avenir Book" panose="02000503020000020003" pitchFamily="2" charset="0"/>
+                </a:rPr>
+                <a:t>OpenSSL library</a:t>
+              </a:r>
+            </a:p>
+            <a:p>
+              <a:pPr algn="ctr"/>
+              <a:endParaRPr lang="en-US" sz="900" dirty="0">
+                <a:solidFill>
+                  <a:schemeClr val="tx1"/>
+                </a:solidFill>
+                <a:latin typeface="Avenir Book" panose="02000503020000020003" pitchFamily="2" charset="0"/>
+              </a:endParaRPr>
+            </a:p>
+            <a:p>
+              <a:pPr algn="ctr"/>
+              <a:endParaRPr lang="en-US" sz="900" dirty="0">
+                <a:solidFill>
+                  <a:schemeClr val="tx1"/>
+                </a:solidFill>
+                <a:latin typeface="Avenir Book" panose="02000503020000020003" pitchFamily="2" charset="0"/>
+              </a:endParaRPr>
+            </a:p>
+            <a:p>
+              <a:pPr algn="ctr"/>
+              <a:endParaRPr lang="en-US" sz="900" dirty="0">
+                <a:solidFill>
+                  <a:schemeClr val="tx1"/>
+                </a:solidFill>
+                <a:latin typeface="Avenir Book" panose="02000503020000020003" pitchFamily="2" charset="0"/>
+              </a:endParaRPr>
+            </a:p>
+            <a:p>
+              <a:pPr algn="ctr"/>
+              <a:endParaRPr lang="en-US" sz="900" dirty="0">
+                <a:solidFill>
+                  <a:schemeClr val="tx1"/>
+                </a:solidFill>
+                <a:latin typeface="Avenir Book" panose="02000503020000020003" pitchFamily="2" charset="0"/>
+              </a:endParaRPr>
+            </a:p>
+          </p:txBody>
+        </p:sp>
+        <p:sp>
+          <p:nvSpPr>
+            <p:cNvPr id="38" name="Rectangle 37">
+              <a:extLst>
+                <a:ext uri="{FF2B5EF4-FFF2-40B4-BE49-F238E27FC236}">
+                  <a16:creationId xmlns:a16="http://schemas.microsoft.com/office/drawing/2014/main" id="{90BC07E9-75B4-C043-826B-B2A53C5B3312}"/>
+                </a:ext>
+              </a:extLst>
+            </p:cNvPr>
+            <p:cNvSpPr/>
+            <p:nvPr/>
+          </p:nvSpPr>
+          <p:spPr>
+            <a:xfrm>
+              <a:off x="1924236" y="3038649"/>
+              <a:ext cx="3331923" cy="691497"/>
+            </a:xfrm>
+            <a:prstGeom prst="rect">
+              <a:avLst/>
+            </a:prstGeom>
+            <a:solidFill>
+              <a:schemeClr val="accent1">
+                <a:lumMod val="20000"/>
+                <a:lumOff val="80000"/>
+              </a:schemeClr>
+            </a:solidFill>
+            <a:ln>
+              <a:solidFill>
+                <a:schemeClr val="accent1">
+                  <a:lumMod val="50000"/>
+                </a:schemeClr>
+              </a:solidFill>
+            </a:ln>
+          </p:spPr>
+          <p:style>
+            <a:lnRef idx="2">
+              <a:schemeClr val="accent1">
+                <a:shade val="50000"/>
+              </a:schemeClr>
+            </a:lnRef>
+            <a:fillRef idx="1">
+              <a:schemeClr val="accent1"/>
+            </a:fillRef>
+            <a:effectRef idx="0">
+              <a:schemeClr val="accent1"/>
+            </a:effectRef>
+            <a:fontRef idx="minor">
+              <a:schemeClr val="lt1"/>
+            </a:fontRef>
+          </p:style>
+          <p:txBody>
+            <a:bodyPr rtlCol="0" anchor="ctr"/>
+            <a:lstStyle/>
+            <a:p>
+              <a:pPr algn="ctr"/>
+              <a:r>
+                <a:rPr lang="en-US" sz="900" dirty="0">
+                  <a:solidFill>
+                    <a:schemeClr val="tx1"/>
+                  </a:solidFill>
+                  <a:latin typeface="Avenir Book" panose="02000503020000020003" pitchFamily="2" charset="0"/>
+                </a:rPr>
+                <a:t>Diffie-Hellman (DH) client</a:t>
+              </a:r>
+            </a:p>
+          </p:txBody>
+        </p:sp>
+        <p:sp>
+          <p:nvSpPr>
+            <p:cNvPr id="45" name="Rectangle 44">
+              <a:extLst>
+                <a:ext uri="{FF2B5EF4-FFF2-40B4-BE49-F238E27FC236}">
+                  <a16:creationId xmlns:a16="http://schemas.microsoft.com/office/drawing/2014/main" id="{18C6D7BC-3605-2D4A-9660-F0BCEF0F7B86}"/>
+                </a:ext>
+              </a:extLst>
+            </p:cNvPr>
+            <p:cNvSpPr/>
+            <p:nvPr/>
+          </p:nvSpPr>
+          <p:spPr>
+            <a:xfrm>
+              <a:off x="1924236" y="539707"/>
+              <a:ext cx="3331923" cy="691497"/>
+            </a:xfrm>
+            <a:prstGeom prst="rect">
+              <a:avLst/>
+            </a:prstGeom>
+            <a:solidFill>
+              <a:schemeClr val="bg1">
+                <a:lumMod val="95000"/>
+              </a:schemeClr>
+            </a:solidFill>
+            <a:ln>
+              <a:solidFill>
+                <a:schemeClr val="tx1"/>
+              </a:solidFill>
+            </a:ln>
+          </p:spPr>
+          <p:style>
+            <a:lnRef idx="2">
+              <a:schemeClr val="accent1">
+                <a:shade val="50000"/>
+              </a:schemeClr>
+            </a:lnRef>
+            <a:fillRef idx="1">
+              <a:schemeClr val="accent1"/>
+            </a:fillRef>
+            <a:effectRef idx="0">
+              <a:schemeClr val="accent1"/>
+            </a:effectRef>
+            <a:fontRef idx="minor">
+              <a:schemeClr val="lt1"/>
+            </a:fontRef>
+          </p:style>
+          <p:txBody>
+            <a:bodyPr rtlCol="0" anchor="ctr"/>
+            <a:lstStyle/>
+            <a:p>
+              <a:pPr algn="ctr"/>
+              <a:r>
+                <a:rPr lang="en-US" sz="900" dirty="0">
+                  <a:solidFill>
+                    <a:schemeClr val="tx1"/>
+                  </a:solidFill>
+                  <a:latin typeface="Avenir Book" panose="02000503020000020003" pitchFamily="2" charset="0"/>
+                </a:rPr>
+                <a:t>OpenSSL HTTPS web client</a:t>
+              </a:r>
+            </a:p>
+          </p:txBody>
+        </p:sp>
+        <p:sp>
+          <p:nvSpPr>
+            <p:cNvPr id="46" name="Rectangle 45">
+              <a:extLst>
+                <a:ext uri="{FF2B5EF4-FFF2-40B4-BE49-F238E27FC236}">
+                  <a16:creationId xmlns:a16="http://schemas.microsoft.com/office/drawing/2014/main" id="{624C2AF6-657F-3948-BF86-D15307266223}"/>
+                </a:ext>
+              </a:extLst>
+            </p:cNvPr>
+            <p:cNvSpPr/>
+            <p:nvPr/>
+          </p:nvSpPr>
+          <p:spPr>
+            <a:xfrm>
+              <a:off x="6984229" y="1844843"/>
+              <a:ext cx="2209800" cy="676542"/>
+            </a:xfrm>
+            <a:prstGeom prst="rect">
+              <a:avLst/>
+            </a:prstGeom>
+            <a:solidFill>
+              <a:schemeClr val="accent1">
+                <a:lumMod val="20000"/>
+                <a:lumOff val="80000"/>
+              </a:schemeClr>
+            </a:solidFill>
+            <a:ln>
+              <a:solidFill>
+                <a:schemeClr val="accent1">
+                  <a:lumMod val="50000"/>
+                </a:schemeClr>
+              </a:solidFill>
+            </a:ln>
+          </p:spPr>
+          <p:style>
+            <a:lnRef idx="2">
+              <a:schemeClr val="accent1">
+                <a:shade val="50000"/>
+              </a:schemeClr>
+            </a:lnRef>
+            <a:fillRef idx="1">
+              <a:schemeClr val="accent1"/>
+            </a:fillRef>
+            <a:effectRef idx="0">
+              <a:schemeClr val="accent1"/>
+            </a:effectRef>
+            <a:fontRef idx="minor">
+              <a:schemeClr val="lt1"/>
+            </a:fontRef>
+          </p:style>
+          <p:txBody>
+            <a:bodyPr rtlCol="0" anchor="ctr"/>
+            <a:lstStyle/>
+            <a:p>
+              <a:pPr algn="ctr"/>
+              <a:r>
+                <a:rPr lang="en-US" sz="900" dirty="0">
+                  <a:solidFill>
+                    <a:schemeClr val="tx1"/>
+                  </a:solidFill>
+                  <a:latin typeface="Avenir Book" panose="02000503020000020003" pitchFamily="2" charset="0"/>
+                </a:rPr>
+                <a:t>Mock QKD server engine</a:t>
+              </a:r>
+            </a:p>
+            <a:p>
+              <a:pPr algn="ctr"/>
+              <a:r>
+                <a:rPr lang="en-US" sz="500" dirty="0">
+                  <a:solidFill>
+                    <a:schemeClr val="tx1"/>
+                  </a:solidFill>
+                  <a:latin typeface="Avenir Book" panose="02000503020000020003" pitchFamily="2" charset="0"/>
+                </a:rPr>
+                <a:t>(Dynamically loaded library)</a:t>
+              </a:r>
+            </a:p>
+          </p:txBody>
+        </p:sp>
+        <p:sp>
+          <p:nvSpPr>
+            <p:cNvPr id="47" name="Rectangle 46">
+              <a:extLst>
+                <a:ext uri="{FF2B5EF4-FFF2-40B4-BE49-F238E27FC236}">
+                  <a16:creationId xmlns:a16="http://schemas.microsoft.com/office/drawing/2014/main" id="{B05EC448-2A90-C743-92DE-9F1F02D17C43}"/>
+                </a:ext>
+              </a:extLst>
+            </p:cNvPr>
+            <p:cNvSpPr/>
+            <p:nvPr/>
+          </p:nvSpPr>
+          <p:spPr>
+            <a:xfrm>
+              <a:off x="1924236" y="4052127"/>
+              <a:ext cx="3331923" cy="691497"/>
+            </a:xfrm>
+            <a:prstGeom prst="rect">
+              <a:avLst/>
+            </a:prstGeom>
+            <a:solidFill>
+              <a:schemeClr val="accent1">
+                <a:lumMod val="20000"/>
+                <a:lumOff val="80000"/>
+              </a:schemeClr>
+            </a:solidFill>
+            <a:ln>
+              <a:solidFill>
+                <a:schemeClr val="accent1">
+                  <a:lumMod val="50000"/>
+                </a:schemeClr>
+              </a:solidFill>
+            </a:ln>
+          </p:spPr>
+          <p:style>
+            <a:lnRef idx="2">
+              <a:schemeClr val="accent1">
+                <a:shade val="50000"/>
+              </a:schemeClr>
+            </a:lnRef>
+            <a:fillRef idx="1">
+              <a:schemeClr val="accent1"/>
+            </a:fillRef>
+            <a:effectRef idx="0">
+              <a:schemeClr val="accent1"/>
+            </a:effectRef>
+            <a:fontRef idx="minor">
+              <a:schemeClr val="lt1"/>
+            </a:fontRef>
+          </p:style>
+          <p:txBody>
+            <a:bodyPr rtlCol="0" anchor="ctr"/>
+            <a:lstStyle/>
+            <a:p>
+              <a:pPr algn="ctr"/>
+              <a:r>
+                <a:rPr lang="en-US" sz="900" dirty="0">
+                  <a:solidFill>
+                    <a:schemeClr val="tx1"/>
+                  </a:solidFill>
+                  <a:latin typeface="Avenir Book" panose="02000503020000020003" pitchFamily="2" charset="0"/>
+                </a:rPr>
+                <a:t>BB84 QKD API implementation</a:t>
+              </a:r>
+            </a:p>
+          </p:txBody>
+        </p:sp>
+        <p:sp>
+          <p:nvSpPr>
+            <p:cNvPr id="48" name="Rectangle 47">
+              <a:extLst>
+                <a:ext uri="{FF2B5EF4-FFF2-40B4-BE49-F238E27FC236}">
+                  <a16:creationId xmlns:a16="http://schemas.microsoft.com/office/drawing/2014/main" id="{2ACA7764-6F80-FF46-B67E-2BD70328D49E}"/>
+                </a:ext>
+              </a:extLst>
+            </p:cNvPr>
+            <p:cNvSpPr/>
+            <p:nvPr/>
+          </p:nvSpPr>
+          <p:spPr>
+            <a:xfrm>
+              <a:off x="1924236" y="3730147"/>
+              <a:ext cx="3331923" cy="324156"/>
+            </a:xfrm>
+            <a:prstGeom prst="rect">
+              <a:avLst/>
+            </a:prstGeom>
+            <a:solidFill>
+              <a:schemeClr val="accent1">
+                <a:lumMod val="20000"/>
+                <a:lumOff val="80000"/>
+              </a:schemeClr>
+            </a:solidFill>
+            <a:ln>
+              <a:solidFill>
+                <a:schemeClr val="accent1">
+                  <a:lumMod val="50000"/>
+                </a:schemeClr>
+              </a:solidFill>
+            </a:ln>
+          </p:spPr>
+          <p:style>
+            <a:lnRef idx="2">
+              <a:schemeClr val="accent1">
+                <a:shade val="50000"/>
+              </a:schemeClr>
+            </a:lnRef>
+            <a:fillRef idx="1">
+              <a:schemeClr val="accent1"/>
+            </a:fillRef>
+            <a:effectRef idx="0">
+              <a:schemeClr val="accent1"/>
+            </a:effectRef>
+            <a:fontRef idx="minor">
+              <a:schemeClr val="lt1"/>
+            </a:fontRef>
+          </p:style>
+          <p:txBody>
+            <a:bodyPr rtlCol="0" anchor="ctr"/>
+            <a:lstStyle/>
+            <a:p>
+              <a:pPr algn="ctr"/>
+              <a:r>
+                <a:rPr lang="en-US" sz="900" dirty="0">
+                  <a:solidFill>
+                    <a:schemeClr val="tx1"/>
+                  </a:solidFill>
+                  <a:latin typeface="Avenir Book" panose="02000503020000020003" pitchFamily="2" charset="0"/>
+                </a:rPr>
+                <a:t>ETSI QKD API</a:t>
+              </a:r>
+            </a:p>
+          </p:txBody>
+        </p:sp>
+        <p:cxnSp>
+          <p:nvCxnSpPr>
+            <p:cNvPr id="49" name="Straight Connector 48">
+              <a:extLst>
+                <a:ext uri="{FF2B5EF4-FFF2-40B4-BE49-F238E27FC236}">
+                  <a16:creationId xmlns:a16="http://schemas.microsoft.com/office/drawing/2014/main" id="{F3D223E4-77D1-884D-8EE1-437761615DD0}"/>
+                </a:ext>
+              </a:extLst>
+            </p:cNvPr>
+            <p:cNvCxnSpPr/>
+            <p:nvPr/>
+          </p:nvCxnSpPr>
+          <p:spPr>
+            <a:xfrm flipH="1">
+              <a:off x="1924236" y="2521385"/>
+              <a:ext cx="557614" cy="517264"/>
+            </a:xfrm>
+            <a:prstGeom prst="line">
+              <a:avLst/>
+            </a:prstGeom>
+            <a:ln>
+              <a:solidFill>
+                <a:schemeClr val="accent1">
+                  <a:lumMod val="50000"/>
+                </a:schemeClr>
+              </a:solidFill>
+              <a:prstDash val="sysDash"/>
+            </a:ln>
+          </p:spPr>
+          <p:style>
+            <a:lnRef idx="1">
+              <a:schemeClr val="accent1"/>
+            </a:lnRef>
+            <a:fillRef idx="0">
+              <a:schemeClr val="accent1"/>
+            </a:fillRef>
+            <a:effectRef idx="0">
+              <a:schemeClr val="accent1"/>
+            </a:effectRef>
+            <a:fontRef idx="minor">
+              <a:schemeClr val="tx1"/>
+            </a:fontRef>
+          </p:style>
+        </p:cxnSp>
+        <p:cxnSp>
+          <p:nvCxnSpPr>
+            <p:cNvPr id="50" name="Straight Connector 49">
+              <a:extLst>
+                <a:ext uri="{FF2B5EF4-FFF2-40B4-BE49-F238E27FC236}">
+                  <a16:creationId xmlns:a16="http://schemas.microsoft.com/office/drawing/2014/main" id="{A0AF2213-AB25-C24F-A74E-D9C694C7C5B6}"/>
+                </a:ext>
+              </a:extLst>
+            </p:cNvPr>
+            <p:cNvCxnSpPr/>
+            <p:nvPr/>
+          </p:nvCxnSpPr>
+          <p:spPr>
+            <a:xfrm>
+              <a:off x="4691650" y="2521385"/>
+              <a:ext cx="564509" cy="517264"/>
+            </a:xfrm>
+            <a:prstGeom prst="line">
+              <a:avLst/>
+            </a:prstGeom>
+            <a:ln>
+              <a:solidFill>
+                <a:schemeClr val="accent1">
+                  <a:lumMod val="50000"/>
+                </a:schemeClr>
+              </a:solidFill>
+              <a:prstDash val="sysDash"/>
+            </a:ln>
+          </p:spPr>
+          <p:style>
+            <a:lnRef idx="1">
+              <a:schemeClr val="accent1"/>
+            </a:lnRef>
+            <a:fillRef idx="0">
+              <a:schemeClr val="accent1"/>
+            </a:fillRef>
+            <a:effectRef idx="0">
+              <a:schemeClr val="accent1"/>
+            </a:effectRef>
+            <a:fontRef idx="minor">
+              <a:schemeClr val="tx1"/>
+            </a:fontRef>
+          </p:style>
+        </p:cxnSp>
+        <p:sp>
+          <p:nvSpPr>
+            <p:cNvPr id="51" name="Rectangle 50">
+              <a:extLst>
+                <a:ext uri="{FF2B5EF4-FFF2-40B4-BE49-F238E27FC236}">
+                  <a16:creationId xmlns:a16="http://schemas.microsoft.com/office/drawing/2014/main" id="{E9927CE3-FF03-2D42-A62E-DC4A32E89CF8}"/>
+                </a:ext>
+              </a:extLst>
+            </p:cNvPr>
+            <p:cNvSpPr/>
+            <p:nvPr/>
+          </p:nvSpPr>
+          <p:spPr>
+            <a:xfrm>
+              <a:off x="6423168" y="3038649"/>
+              <a:ext cx="3331923" cy="691497"/>
+            </a:xfrm>
+            <a:prstGeom prst="rect">
+              <a:avLst/>
+            </a:prstGeom>
+            <a:solidFill>
+              <a:schemeClr val="accent1">
+                <a:lumMod val="20000"/>
+                <a:lumOff val="80000"/>
+              </a:schemeClr>
+            </a:solidFill>
+            <a:ln>
+              <a:solidFill>
+                <a:schemeClr val="accent1">
+                  <a:lumMod val="50000"/>
+                </a:schemeClr>
+              </a:solidFill>
+            </a:ln>
+          </p:spPr>
+          <p:style>
+            <a:lnRef idx="2">
+              <a:schemeClr val="accent1">
+                <a:shade val="50000"/>
+              </a:schemeClr>
+            </a:lnRef>
+            <a:fillRef idx="1">
+              <a:schemeClr val="accent1"/>
+            </a:fillRef>
+            <a:effectRef idx="0">
+              <a:schemeClr val="accent1"/>
+            </a:effectRef>
+            <a:fontRef idx="minor">
+              <a:schemeClr val="lt1"/>
+            </a:fontRef>
+          </p:style>
+          <p:txBody>
+            <a:bodyPr rtlCol="0" anchor="ctr"/>
+            <a:lstStyle/>
+            <a:p>
+              <a:pPr algn="ctr"/>
+              <a:r>
+                <a:rPr lang="en-US" sz="900" dirty="0">
+                  <a:solidFill>
+                    <a:schemeClr val="tx1"/>
+                  </a:solidFill>
+                  <a:latin typeface="Avenir Book" panose="02000503020000020003" pitchFamily="2" charset="0"/>
+                </a:rPr>
+                <a:t>Diffie-Hellman (DH) server</a:t>
+              </a:r>
+            </a:p>
+          </p:txBody>
+        </p:sp>
+        <p:sp>
+          <p:nvSpPr>
+            <p:cNvPr id="52" name="Rectangle 51">
+              <a:extLst>
+                <a:ext uri="{FF2B5EF4-FFF2-40B4-BE49-F238E27FC236}">
+                  <a16:creationId xmlns:a16="http://schemas.microsoft.com/office/drawing/2014/main" id="{5F4E8981-2930-F244-98D2-A274294A538F}"/>
+                </a:ext>
+              </a:extLst>
+            </p:cNvPr>
+            <p:cNvSpPr/>
+            <p:nvPr/>
+          </p:nvSpPr>
+          <p:spPr>
+            <a:xfrm>
+              <a:off x="6423168" y="4052127"/>
+              <a:ext cx="3331923" cy="691497"/>
+            </a:xfrm>
+            <a:prstGeom prst="rect">
+              <a:avLst/>
+            </a:prstGeom>
+            <a:solidFill>
+              <a:schemeClr val="accent1">
+                <a:lumMod val="20000"/>
+                <a:lumOff val="80000"/>
+              </a:schemeClr>
+            </a:solidFill>
+            <a:ln>
+              <a:solidFill>
+                <a:schemeClr val="accent1">
+                  <a:lumMod val="50000"/>
+                </a:schemeClr>
+              </a:solidFill>
+            </a:ln>
+          </p:spPr>
+          <p:style>
+            <a:lnRef idx="2">
+              <a:schemeClr val="accent1">
+                <a:shade val="50000"/>
+              </a:schemeClr>
+            </a:lnRef>
+            <a:fillRef idx="1">
+              <a:schemeClr val="accent1"/>
+            </a:fillRef>
+            <a:effectRef idx="0">
+              <a:schemeClr val="accent1"/>
+            </a:effectRef>
+            <a:fontRef idx="minor">
+              <a:schemeClr val="lt1"/>
+            </a:fontRef>
+          </p:style>
+          <p:txBody>
+            <a:bodyPr rtlCol="0" anchor="ctr"/>
+            <a:lstStyle/>
+            <a:p>
+              <a:pPr algn="ctr"/>
+              <a:r>
+                <a:rPr lang="en-US" sz="900" dirty="0">
+                  <a:solidFill>
+                    <a:schemeClr val="tx1"/>
+                  </a:solidFill>
+                  <a:latin typeface="Avenir Book" panose="02000503020000020003" pitchFamily="2" charset="0"/>
+                </a:rPr>
+                <a:t>BB84 QKD API implementation</a:t>
+              </a:r>
+            </a:p>
+          </p:txBody>
+        </p:sp>
+        <p:sp>
+          <p:nvSpPr>
+            <p:cNvPr id="53" name="Rectangle 52">
+              <a:extLst>
+                <a:ext uri="{FF2B5EF4-FFF2-40B4-BE49-F238E27FC236}">
+                  <a16:creationId xmlns:a16="http://schemas.microsoft.com/office/drawing/2014/main" id="{2BA3A3B6-DCA3-6F47-9F63-C15ACB97AC05}"/>
+                </a:ext>
+              </a:extLst>
+            </p:cNvPr>
+            <p:cNvSpPr/>
+            <p:nvPr/>
+          </p:nvSpPr>
+          <p:spPr>
+            <a:xfrm>
+              <a:off x="6423168" y="3730147"/>
+              <a:ext cx="3331923" cy="324156"/>
+            </a:xfrm>
+            <a:prstGeom prst="rect">
+              <a:avLst/>
+            </a:prstGeom>
+            <a:solidFill>
+              <a:schemeClr val="accent1">
+                <a:lumMod val="20000"/>
+                <a:lumOff val="80000"/>
+              </a:schemeClr>
+            </a:solidFill>
+            <a:ln>
+              <a:solidFill>
+                <a:schemeClr val="accent1">
+                  <a:lumMod val="50000"/>
+                </a:schemeClr>
+              </a:solidFill>
+            </a:ln>
+          </p:spPr>
+          <p:style>
+            <a:lnRef idx="2">
+              <a:schemeClr val="accent1">
+                <a:shade val="50000"/>
+              </a:schemeClr>
+            </a:lnRef>
+            <a:fillRef idx="1">
+              <a:schemeClr val="accent1"/>
+            </a:fillRef>
+            <a:effectRef idx="0">
+              <a:schemeClr val="accent1"/>
+            </a:effectRef>
+            <a:fontRef idx="minor">
+              <a:schemeClr val="lt1"/>
+            </a:fontRef>
+          </p:style>
+          <p:txBody>
+            <a:bodyPr rtlCol="0" anchor="ctr"/>
+            <a:lstStyle/>
+            <a:p>
+              <a:pPr algn="ctr"/>
+              <a:r>
+                <a:rPr lang="en-US" sz="900" dirty="0">
+                  <a:solidFill>
+                    <a:schemeClr val="tx1"/>
+                  </a:solidFill>
+                  <a:latin typeface="Avenir Book" panose="02000503020000020003" pitchFamily="2" charset="0"/>
+                </a:rPr>
+                <a:t>ETSI QKD API</a:t>
+              </a:r>
+            </a:p>
+          </p:txBody>
+        </p:sp>
+        <p:cxnSp>
+          <p:nvCxnSpPr>
+            <p:cNvPr id="54" name="Straight Connector 53">
+              <a:extLst>
+                <a:ext uri="{FF2B5EF4-FFF2-40B4-BE49-F238E27FC236}">
+                  <a16:creationId xmlns:a16="http://schemas.microsoft.com/office/drawing/2014/main" id="{DC0E4724-61EE-8840-9C0E-52606CF04D70}"/>
+                </a:ext>
+              </a:extLst>
+            </p:cNvPr>
+            <p:cNvCxnSpPr/>
+            <p:nvPr/>
+          </p:nvCxnSpPr>
+          <p:spPr>
+            <a:xfrm flipH="1">
+              <a:off x="6423168" y="2521385"/>
+              <a:ext cx="557614" cy="517264"/>
+            </a:xfrm>
+            <a:prstGeom prst="line">
+              <a:avLst/>
+            </a:prstGeom>
+            <a:ln>
+              <a:solidFill>
+                <a:schemeClr val="accent1">
+                  <a:lumMod val="50000"/>
+                </a:schemeClr>
+              </a:solidFill>
+              <a:prstDash val="sysDash"/>
+            </a:ln>
+          </p:spPr>
+          <p:style>
+            <a:lnRef idx="1">
+              <a:schemeClr val="accent1"/>
+            </a:lnRef>
+            <a:fillRef idx="0">
+              <a:schemeClr val="accent1"/>
+            </a:fillRef>
+            <a:effectRef idx="0">
+              <a:schemeClr val="accent1"/>
+            </a:effectRef>
+            <a:fontRef idx="minor">
+              <a:schemeClr val="tx1"/>
+            </a:fontRef>
+          </p:style>
+        </p:cxnSp>
+        <p:cxnSp>
+          <p:nvCxnSpPr>
+            <p:cNvPr id="55" name="Straight Connector 54">
+              <a:extLst>
+                <a:ext uri="{FF2B5EF4-FFF2-40B4-BE49-F238E27FC236}">
+                  <a16:creationId xmlns:a16="http://schemas.microsoft.com/office/drawing/2014/main" id="{D0882A8F-CADA-6649-A055-1AE42D5ACF17}"/>
+                </a:ext>
+              </a:extLst>
+            </p:cNvPr>
+            <p:cNvCxnSpPr/>
+            <p:nvPr/>
+          </p:nvCxnSpPr>
+          <p:spPr>
+            <a:xfrm>
+              <a:off x="9190582" y="2521385"/>
+              <a:ext cx="564509" cy="517264"/>
+            </a:xfrm>
+            <a:prstGeom prst="line">
+              <a:avLst/>
+            </a:prstGeom>
+            <a:ln>
+              <a:solidFill>
+                <a:schemeClr val="accent1">
+                  <a:lumMod val="50000"/>
+                </a:schemeClr>
+              </a:solidFill>
+              <a:prstDash val="sysDash"/>
+            </a:ln>
+          </p:spPr>
+          <p:style>
+            <a:lnRef idx="1">
+              <a:schemeClr val="accent1"/>
+            </a:lnRef>
+            <a:fillRef idx="0">
+              <a:schemeClr val="accent1"/>
+            </a:fillRef>
+            <a:effectRef idx="0">
+              <a:schemeClr val="accent1"/>
+            </a:effectRef>
+            <a:fontRef idx="minor">
+              <a:schemeClr val="tx1"/>
+            </a:fontRef>
+          </p:style>
+        </p:cxnSp>
+        <p:sp>
+          <p:nvSpPr>
+            <p:cNvPr id="56" name="Freeform 55">
+              <a:extLst>
+                <a:ext uri="{FF2B5EF4-FFF2-40B4-BE49-F238E27FC236}">
+                  <a16:creationId xmlns:a16="http://schemas.microsoft.com/office/drawing/2014/main" id="{8C9C26D7-8FEE-7843-86D8-E343AB4F4AD6}"/>
+                </a:ext>
+              </a:extLst>
+            </p:cNvPr>
+            <p:cNvSpPr/>
+            <p:nvPr/>
+          </p:nvSpPr>
+          <p:spPr>
+            <a:xfrm>
+              <a:off x="6423168" y="1218678"/>
+              <a:ext cx="3331923" cy="1302707"/>
+            </a:xfrm>
+            <a:custGeom>
+              <a:avLst/>
+              <a:gdLst>
+                <a:gd name="connsiteX0" fmla="*/ 0 w 3331923"/>
+                <a:gd name="connsiteY0" fmla="*/ 0 h 1302707"/>
+                <a:gd name="connsiteX1" fmla="*/ 0 w 3331923"/>
+                <a:gd name="connsiteY1" fmla="*/ 1290181 h 1302707"/>
+                <a:gd name="connsiteX2" fmla="*/ 463463 w 3331923"/>
+                <a:gd name="connsiteY2" fmla="*/ 1290181 h 1302707"/>
+                <a:gd name="connsiteX3" fmla="*/ 463463 w 3331923"/>
+                <a:gd name="connsiteY3" fmla="*/ 519830 h 1302707"/>
+                <a:gd name="connsiteX4" fmla="*/ 2880986 w 3331923"/>
+                <a:gd name="connsiteY4" fmla="*/ 519830 h 1302707"/>
+                <a:gd name="connsiteX5" fmla="*/ 2880986 w 3331923"/>
+                <a:gd name="connsiteY5" fmla="*/ 1302707 h 1302707"/>
+                <a:gd name="connsiteX6" fmla="*/ 3331923 w 3331923"/>
+                <a:gd name="connsiteY6" fmla="*/ 1302707 h 1302707"/>
+                <a:gd name="connsiteX7" fmla="*/ 3331923 w 3331923"/>
+                <a:gd name="connsiteY7" fmla="*/ 12526 h 1302707"/>
+                <a:gd name="connsiteX8" fmla="*/ 0 w 3331923"/>
+                <a:gd name="connsiteY8" fmla="*/ 0 h 1302707"/>
+              </a:gdLst>
+              <a:ahLst/>
+              <a:cxnLst>
+                <a:cxn ang="0">
+                  <a:pos x="connsiteX0" y="connsiteY0"/>
+                </a:cxn>
+                <a:cxn ang="0">
+                  <a:pos x="connsiteX1" y="connsiteY1"/>
+                </a:cxn>
+                <a:cxn ang="0">
+                  <a:pos x="connsiteX2" y="connsiteY2"/>
+                </a:cxn>
+                <a:cxn ang="0">
+                  <a:pos x="connsiteX3" y="connsiteY3"/>
+                </a:cxn>
+                <a:cxn ang="0">
+                  <a:pos x="connsiteX4" y="connsiteY4"/>
+                </a:cxn>
+                <a:cxn ang="0">
+                  <a:pos x="connsiteX5" y="connsiteY5"/>
+                </a:cxn>
+                <a:cxn ang="0">
+                  <a:pos x="connsiteX6" y="connsiteY6"/>
+                </a:cxn>
+                <a:cxn ang="0">
+                  <a:pos x="connsiteX7" y="connsiteY7"/>
+                </a:cxn>
+                <a:cxn ang="0">
+                  <a:pos x="connsiteX8" y="connsiteY8"/>
+                </a:cxn>
+              </a:cxnLst>
+              <a:rect l="l" t="t" r="r" b="b"/>
+              <a:pathLst>
+                <a:path w="3331923" h="1302707">
+                  <a:moveTo>
+                    <a:pt x="0" y="0"/>
+                  </a:moveTo>
+                  <a:lnTo>
+                    <a:pt x="0" y="1290181"/>
+                  </a:lnTo>
+                  <a:lnTo>
+                    <a:pt x="463463" y="1290181"/>
+                  </a:lnTo>
+                  <a:lnTo>
+                    <a:pt x="463463" y="519830"/>
+                  </a:lnTo>
+                  <a:lnTo>
+                    <a:pt x="2880986" y="519830"/>
+                  </a:lnTo>
+                  <a:lnTo>
+                    <a:pt x="2880986" y="1302707"/>
+                  </a:lnTo>
+                  <a:lnTo>
+                    <a:pt x="3331923" y="1302707"/>
+                  </a:lnTo>
+                  <a:lnTo>
+                    <a:pt x="3331923" y="12526"/>
+                  </a:lnTo>
+                  <a:lnTo>
+                    <a:pt x="0" y="0"/>
+                  </a:lnTo>
+                  <a:close/>
+                </a:path>
+              </a:pathLst>
+            </a:custGeom>
+            <a:solidFill>
+              <a:schemeClr val="bg1">
+                <a:lumMod val="95000"/>
+              </a:schemeClr>
+            </a:solidFill>
+            <a:ln>
+              <a:solidFill>
+                <a:schemeClr val="tx1"/>
+              </a:solidFill>
+            </a:ln>
+          </p:spPr>
+          <p:style>
+            <a:lnRef idx="2">
+              <a:schemeClr val="accent1">
+                <a:shade val="50000"/>
+              </a:schemeClr>
+            </a:lnRef>
+            <a:fillRef idx="1">
+              <a:schemeClr val="accent1"/>
+            </a:fillRef>
+            <a:effectRef idx="0">
+              <a:schemeClr val="accent1"/>
+            </a:effectRef>
+            <a:fontRef idx="minor">
+              <a:schemeClr val="lt1"/>
+            </a:fontRef>
+          </p:style>
+          <p:txBody>
+            <a:bodyPr rtlCol="0" anchor="ctr"/>
+            <a:lstStyle/>
+            <a:p>
+              <a:pPr algn="ctr"/>
+              <a:r>
+                <a:rPr lang="en-US" sz="900" dirty="0">
+                  <a:solidFill>
+                    <a:schemeClr val="tx1"/>
+                  </a:solidFill>
+                  <a:latin typeface="Avenir Book" panose="02000503020000020003" pitchFamily="2" charset="0"/>
+                </a:rPr>
+                <a:t>OpenSSL library</a:t>
+              </a:r>
+            </a:p>
+            <a:p>
+              <a:pPr algn="ctr"/>
+              <a:endParaRPr lang="en-US" sz="900" dirty="0">
+                <a:solidFill>
+                  <a:schemeClr val="tx1"/>
+                </a:solidFill>
+                <a:latin typeface="Avenir Book" panose="02000503020000020003" pitchFamily="2" charset="0"/>
+              </a:endParaRPr>
+            </a:p>
+            <a:p>
+              <a:pPr algn="ctr"/>
+              <a:endParaRPr lang="en-US" sz="900" dirty="0">
+                <a:solidFill>
+                  <a:schemeClr val="tx1"/>
+                </a:solidFill>
+                <a:latin typeface="Avenir Book" panose="02000503020000020003" pitchFamily="2" charset="0"/>
+              </a:endParaRPr>
+            </a:p>
+            <a:p>
+              <a:pPr algn="ctr"/>
+              <a:endParaRPr lang="en-US" sz="900" dirty="0">
+                <a:solidFill>
+                  <a:schemeClr val="tx1"/>
+                </a:solidFill>
+                <a:latin typeface="Avenir Book" panose="02000503020000020003" pitchFamily="2" charset="0"/>
+              </a:endParaRPr>
+            </a:p>
+            <a:p>
+              <a:pPr algn="ctr"/>
+              <a:endParaRPr lang="en-US" sz="900" dirty="0">
+                <a:solidFill>
+                  <a:schemeClr val="tx1"/>
+                </a:solidFill>
+                <a:latin typeface="Avenir Book" panose="02000503020000020003" pitchFamily="2" charset="0"/>
+              </a:endParaRPr>
+            </a:p>
+          </p:txBody>
+        </p:sp>
+        <p:sp>
+          <p:nvSpPr>
+            <p:cNvPr id="57" name="Rectangle 56">
+              <a:extLst>
+                <a:ext uri="{FF2B5EF4-FFF2-40B4-BE49-F238E27FC236}">
+                  <a16:creationId xmlns:a16="http://schemas.microsoft.com/office/drawing/2014/main" id="{A941D5C4-0258-614E-B814-C99F387A3B1E}"/>
+                </a:ext>
+              </a:extLst>
+            </p:cNvPr>
+            <p:cNvSpPr/>
+            <p:nvPr/>
+          </p:nvSpPr>
+          <p:spPr>
+            <a:xfrm>
+              <a:off x="6423168" y="539707"/>
+              <a:ext cx="3331923" cy="691497"/>
+            </a:xfrm>
+            <a:prstGeom prst="rect">
+              <a:avLst/>
+            </a:prstGeom>
+            <a:solidFill>
+              <a:schemeClr val="bg1">
+                <a:lumMod val="95000"/>
+              </a:schemeClr>
+            </a:solidFill>
+            <a:ln>
+              <a:solidFill>
+                <a:schemeClr val="tx1"/>
+              </a:solidFill>
+            </a:ln>
+          </p:spPr>
+          <p:style>
+            <a:lnRef idx="2">
+              <a:schemeClr val="accent1">
+                <a:shade val="50000"/>
+              </a:schemeClr>
+            </a:lnRef>
+            <a:fillRef idx="1">
+              <a:schemeClr val="accent1"/>
+            </a:fillRef>
+            <a:effectRef idx="0">
+              <a:schemeClr val="accent1"/>
+            </a:effectRef>
+            <a:fontRef idx="minor">
+              <a:schemeClr val="lt1"/>
+            </a:fontRef>
+          </p:style>
+          <p:txBody>
+            <a:bodyPr rtlCol="0" anchor="ctr"/>
+            <a:lstStyle/>
+            <a:p>
+              <a:pPr algn="ctr"/>
+              <a:r>
+                <a:rPr lang="en-US" sz="900" dirty="0">
+                  <a:solidFill>
+                    <a:schemeClr val="tx1"/>
+                  </a:solidFill>
+                  <a:latin typeface="Avenir Book" panose="02000503020000020003" pitchFamily="2" charset="0"/>
+                </a:rPr>
+                <a:t>OpenSSL HTTPS web server</a:t>
+              </a:r>
+            </a:p>
+          </p:txBody>
+        </p:sp>
+        <p:cxnSp>
+          <p:nvCxnSpPr>
+            <p:cNvPr id="58" name="Straight Arrow Connector 57">
+              <a:extLst>
+                <a:ext uri="{FF2B5EF4-FFF2-40B4-BE49-F238E27FC236}">
+                  <a16:creationId xmlns:a16="http://schemas.microsoft.com/office/drawing/2014/main" id="{CDB1182E-2C28-8C42-950A-478730954F2C}"/>
+                </a:ext>
+              </a:extLst>
+            </p:cNvPr>
+            <p:cNvCxnSpPr>
+              <a:stCxn id="45" idx="3"/>
+              <a:endCxn id="57" idx="1"/>
+            </p:cNvCxnSpPr>
+            <p:nvPr/>
+          </p:nvCxnSpPr>
+          <p:spPr>
+            <a:xfrm>
+              <a:off x="5256159" y="885456"/>
+              <a:ext cx="1167009" cy="0"/>
+            </a:xfrm>
+            <a:prstGeom prst="straightConnector1">
+              <a:avLst/>
+            </a:prstGeom>
+            <a:ln w="12700">
+              <a:solidFill>
+                <a:schemeClr val="accent1">
+                  <a:lumMod val="50000"/>
+                </a:schemeClr>
+              </a:solidFill>
+              <a:headEnd type="triangle"/>
+              <a:tailEnd type="triangle"/>
+            </a:ln>
+          </p:spPr>
+          <p:style>
+            <a:lnRef idx="1">
+              <a:schemeClr val="accent1"/>
+            </a:lnRef>
+            <a:fillRef idx="0">
+              <a:schemeClr val="accent1"/>
+            </a:fillRef>
+            <a:effectRef idx="0">
+              <a:schemeClr val="accent1"/>
+            </a:effectRef>
+            <a:fontRef idx="minor">
+              <a:schemeClr val="tx1"/>
+            </a:fontRef>
+          </p:style>
+        </p:cxnSp>
+        <p:cxnSp>
+          <p:nvCxnSpPr>
+            <p:cNvPr id="59" name="Straight Arrow Connector 58">
+              <a:extLst>
+                <a:ext uri="{FF2B5EF4-FFF2-40B4-BE49-F238E27FC236}">
+                  <a16:creationId xmlns:a16="http://schemas.microsoft.com/office/drawing/2014/main" id="{ADDB04CF-D245-3C4D-84E0-E4766E25AB71}"/>
+                </a:ext>
+              </a:extLst>
+            </p:cNvPr>
+            <p:cNvCxnSpPr/>
+            <p:nvPr/>
+          </p:nvCxnSpPr>
+          <p:spPr>
+            <a:xfrm>
+              <a:off x="5256159" y="1507821"/>
+              <a:ext cx="1167009" cy="0"/>
+            </a:xfrm>
+            <a:prstGeom prst="straightConnector1">
+              <a:avLst/>
+            </a:prstGeom>
+            <a:ln w="12700">
+              <a:solidFill>
+                <a:schemeClr val="accent1">
+                  <a:lumMod val="50000"/>
+                </a:schemeClr>
+              </a:solidFill>
+              <a:headEnd type="triangle"/>
+              <a:tailEnd type="triangle"/>
+            </a:ln>
+          </p:spPr>
+          <p:style>
+            <a:lnRef idx="1">
+              <a:schemeClr val="accent1"/>
+            </a:lnRef>
+            <a:fillRef idx="0">
+              <a:schemeClr val="accent1"/>
+            </a:fillRef>
+            <a:effectRef idx="0">
+              <a:schemeClr val="accent1"/>
+            </a:effectRef>
+            <a:fontRef idx="minor">
+              <a:schemeClr val="tx1"/>
+            </a:fontRef>
+          </p:style>
+        </p:cxnSp>
+        <p:cxnSp>
+          <p:nvCxnSpPr>
+            <p:cNvPr id="60" name="Straight Arrow Connector 59">
+              <a:extLst>
+                <a:ext uri="{FF2B5EF4-FFF2-40B4-BE49-F238E27FC236}">
+                  <a16:creationId xmlns:a16="http://schemas.microsoft.com/office/drawing/2014/main" id="{D045CC89-88F2-F84D-937E-20484BDA400D}"/>
+                </a:ext>
+              </a:extLst>
+            </p:cNvPr>
+            <p:cNvCxnSpPr/>
+            <p:nvPr/>
+          </p:nvCxnSpPr>
+          <p:spPr>
+            <a:xfrm>
+              <a:off x="5256159" y="4403421"/>
+              <a:ext cx="1167009" cy="0"/>
+            </a:xfrm>
+            <a:prstGeom prst="straightConnector1">
+              <a:avLst/>
+            </a:prstGeom>
+            <a:ln w="12700">
+              <a:solidFill>
+                <a:schemeClr val="accent1">
+                  <a:lumMod val="50000"/>
+                </a:schemeClr>
+              </a:solidFill>
+              <a:headEnd type="triangle"/>
+              <a:tailEnd type="triangle"/>
+            </a:ln>
+          </p:spPr>
+          <p:style>
+            <a:lnRef idx="1">
+              <a:schemeClr val="accent1"/>
+            </a:lnRef>
+            <a:fillRef idx="0">
+              <a:schemeClr val="accent1"/>
+            </a:fillRef>
+            <a:effectRef idx="0">
+              <a:schemeClr val="accent1"/>
+            </a:effectRef>
+            <a:fontRef idx="minor">
+              <a:schemeClr val="tx1"/>
+            </a:fontRef>
+          </p:style>
+        </p:cxnSp>
+        <p:sp>
+          <p:nvSpPr>
+            <p:cNvPr id="61" name="Rectangle 60">
+              <a:extLst>
+                <a:ext uri="{FF2B5EF4-FFF2-40B4-BE49-F238E27FC236}">
+                  <a16:creationId xmlns:a16="http://schemas.microsoft.com/office/drawing/2014/main" id="{CA764653-47E2-5F4A-9921-13A328A28558}"/>
+                </a:ext>
+              </a:extLst>
+            </p:cNvPr>
+            <p:cNvSpPr/>
+            <p:nvPr/>
+          </p:nvSpPr>
+          <p:spPr>
+            <a:xfrm>
+              <a:off x="5256158" y="635890"/>
+              <a:ext cx="1167009" cy="324156"/>
+            </a:xfrm>
+            <a:prstGeom prst="rect">
+              <a:avLst/>
+            </a:prstGeom>
+            <a:noFill/>
+            <a:ln>
+              <a:noFill/>
+            </a:ln>
+          </p:spPr>
+          <p:style>
+            <a:lnRef idx="2">
+              <a:schemeClr val="accent1">
+                <a:shade val="50000"/>
+              </a:schemeClr>
+            </a:lnRef>
+            <a:fillRef idx="1">
+              <a:schemeClr val="accent1"/>
+            </a:fillRef>
+            <a:effectRef idx="0">
+              <a:schemeClr val="accent1"/>
+            </a:effectRef>
+            <a:fontRef idx="minor">
+              <a:schemeClr val="lt1"/>
+            </a:fontRef>
+          </p:style>
+          <p:txBody>
+            <a:bodyPr rtlCol="0" anchor="ctr"/>
+            <a:lstStyle/>
+            <a:p>
+              <a:pPr algn="ctr"/>
+              <a:r>
+                <a:rPr lang="en-US" sz="900" dirty="0">
+                  <a:solidFill>
+                    <a:schemeClr val="tx1"/>
+                  </a:solidFill>
+                  <a:latin typeface="Avenir Book" panose="02000503020000020003" pitchFamily="2" charset="0"/>
+                </a:rPr>
+                <a:t>HTTPS</a:t>
+              </a:r>
+            </a:p>
+          </p:txBody>
+        </p:sp>
+        <p:sp>
+          <p:nvSpPr>
+            <p:cNvPr id="62" name="Rectangle 61">
+              <a:extLst>
+                <a:ext uri="{FF2B5EF4-FFF2-40B4-BE49-F238E27FC236}">
+                  <a16:creationId xmlns:a16="http://schemas.microsoft.com/office/drawing/2014/main" id="{81D5A312-8F03-E94A-935D-1A80AF72213C}"/>
+                </a:ext>
+              </a:extLst>
+            </p:cNvPr>
+            <p:cNvSpPr/>
+            <p:nvPr/>
+          </p:nvSpPr>
+          <p:spPr>
+            <a:xfrm>
+              <a:off x="5256158" y="1242509"/>
+              <a:ext cx="1167009" cy="324156"/>
+            </a:xfrm>
+            <a:prstGeom prst="rect">
+              <a:avLst/>
+            </a:prstGeom>
+            <a:noFill/>
+            <a:ln>
+              <a:noFill/>
+            </a:ln>
+          </p:spPr>
+          <p:style>
+            <a:lnRef idx="2">
+              <a:schemeClr val="accent1">
+                <a:shade val="50000"/>
+              </a:schemeClr>
+            </a:lnRef>
+            <a:fillRef idx="1">
+              <a:schemeClr val="accent1"/>
+            </a:fillRef>
+            <a:effectRef idx="0">
+              <a:schemeClr val="accent1"/>
+            </a:effectRef>
+            <a:fontRef idx="minor">
+              <a:schemeClr val="lt1"/>
+            </a:fontRef>
+          </p:style>
+          <p:txBody>
+            <a:bodyPr rtlCol="0" anchor="ctr"/>
+            <a:lstStyle/>
+            <a:p>
+              <a:pPr algn="ctr"/>
+              <a:r>
+                <a:rPr lang="en-US" sz="900" dirty="0">
+                  <a:solidFill>
+                    <a:schemeClr val="tx1"/>
+                  </a:solidFill>
+                  <a:latin typeface="Avenir Book" panose="02000503020000020003" pitchFamily="2" charset="0"/>
+                </a:rPr>
+                <a:t>TLS</a:t>
+              </a:r>
+            </a:p>
+          </p:txBody>
+        </p:sp>
+        <p:sp>
+          <p:nvSpPr>
+            <p:cNvPr id="63" name="Rectangle 62">
+              <a:extLst>
+                <a:ext uri="{FF2B5EF4-FFF2-40B4-BE49-F238E27FC236}">
+                  <a16:creationId xmlns:a16="http://schemas.microsoft.com/office/drawing/2014/main" id="{AD64DFD3-4964-744F-9301-B2EFB7340F4E}"/>
+                </a:ext>
+              </a:extLst>
+            </p:cNvPr>
+            <p:cNvSpPr/>
+            <p:nvPr/>
+          </p:nvSpPr>
+          <p:spPr>
+            <a:xfrm>
+              <a:off x="5256157" y="4135437"/>
+              <a:ext cx="1167009" cy="324156"/>
+            </a:xfrm>
+            <a:prstGeom prst="rect">
+              <a:avLst/>
+            </a:prstGeom>
+            <a:noFill/>
+            <a:ln>
+              <a:noFill/>
+            </a:ln>
+          </p:spPr>
+          <p:style>
+            <a:lnRef idx="2">
+              <a:schemeClr val="accent1">
+                <a:shade val="50000"/>
+              </a:schemeClr>
+            </a:lnRef>
+            <a:fillRef idx="1">
+              <a:schemeClr val="accent1"/>
+            </a:fillRef>
+            <a:effectRef idx="0">
+              <a:schemeClr val="accent1"/>
+            </a:effectRef>
+            <a:fontRef idx="minor">
+              <a:schemeClr val="lt1"/>
+            </a:fontRef>
+          </p:style>
+          <p:txBody>
+            <a:bodyPr rtlCol="0" anchor="ctr"/>
+            <a:lstStyle/>
+            <a:p>
+              <a:pPr algn="ctr"/>
+              <a:r>
+                <a:rPr lang="en-US" sz="900" dirty="0">
+                  <a:solidFill>
+                    <a:schemeClr val="tx1"/>
+                  </a:solidFill>
+                  <a:latin typeface="Avenir Book" panose="02000503020000020003" pitchFamily="2" charset="0"/>
+                </a:rPr>
+                <a:t>BB84 QKD</a:t>
+              </a:r>
+            </a:p>
+          </p:txBody>
+        </p:sp>
+        <p:sp>
+          <p:nvSpPr>
+            <p:cNvPr id="64" name="Rectangle 63">
+              <a:extLst>
+                <a:ext uri="{FF2B5EF4-FFF2-40B4-BE49-F238E27FC236}">
+                  <a16:creationId xmlns:a16="http://schemas.microsoft.com/office/drawing/2014/main" id="{E8D4C0AC-AF33-D446-9F4B-7F71C07DEBB5}"/>
+                </a:ext>
+              </a:extLst>
+            </p:cNvPr>
+            <p:cNvSpPr/>
+            <p:nvPr/>
+          </p:nvSpPr>
+          <p:spPr>
+            <a:xfrm>
+              <a:off x="1924234" y="4743624"/>
+              <a:ext cx="3331923" cy="324156"/>
+            </a:xfrm>
+            <a:prstGeom prst="rect">
+              <a:avLst/>
+            </a:prstGeom>
+            <a:solidFill>
+              <a:schemeClr val="bg1">
+                <a:lumMod val="95000"/>
+              </a:schemeClr>
+            </a:solidFill>
+            <a:ln>
+              <a:solidFill>
+                <a:schemeClr val="tx1"/>
+              </a:solidFill>
+            </a:ln>
+          </p:spPr>
+          <p:style>
+            <a:lnRef idx="2">
+              <a:schemeClr val="accent1">
+                <a:shade val="50000"/>
+              </a:schemeClr>
+            </a:lnRef>
+            <a:fillRef idx="1">
+              <a:schemeClr val="accent1"/>
+            </a:fillRef>
+            <a:effectRef idx="0">
+              <a:schemeClr val="accent1"/>
+            </a:effectRef>
+            <a:fontRef idx="minor">
+              <a:schemeClr val="lt1"/>
+            </a:fontRef>
+          </p:style>
+          <p:txBody>
+            <a:bodyPr rtlCol="0" anchor="ctr"/>
+            <a:lstStyle/>
+            <a:p>
+              <a:pPr algn="ctr"/>
+              <a:r>
+                <a:rPr lang="en-US" sz="900" dirty="0">
+                  <a:solidFill>
+                    <a:schemeClr val="tx1"/>
+                  </a:solidFill>
+                  <a:latin typeface="Avenir Book" panose="02000503020000020003" pitchFamily="2" charset="0"/>
+                </a:rPr>
+                <a:t>SimulaQron CQC API</a:t>
+              </a:r>
+            </a:p>
+          </p:txBody>
+        </p:sp>
+        <p:sp>
+          <p:nvSpPr>
+            <p:cNvPr id="65" name="Rectangle 64">
+              <a:extLst>
+                <a:ext uri="{FF2B5EF4-FFF2-40B4-BE49-F238E27FC236}">
+                  <a16:creationId xmlns:a16="http://schemas.microsoft.com/office/drawing/2014/main" id="{EBC3DC05-6BFD-034B-89D6-4AB0E9807A0C}"/>
+                </a:ext>
+              </a:extLst>
+            </p:cNvPr>
+            <p:cNvSpPr/>
+            <p:nvPr/>
+          </p:nvSpPr>
+          <p:spPr>
+            <a:xfrm>
+              <a:off x="6423166" y="4743624"/>
+              <a:ext cx="3331923" cy="324156"/>
+            </a:xfrm>
+            <a:prstGeom prst="rect">
+              <a:avLst/>
+            </a:prstGeom>
+            <a:solidFill>
+              <a:schemeClr val="bg1">
+                <a:lumMod val="95000"/>
+              </a:schemeClr>
+            </a:solidFill>
+            <a:ln>
+              <a:solidFill>
+                <a:schemeClr val="tx1"/>
+              </a:solidFill>
+            </a:ln>
+          </p:spPr>
+          <p:style>
+            <a:lnRef idx="2">
+              <a:schemeClr val="accent1">
+                <a:shade val="50000"/>
+              </a:schemeClr>
+            </a:lnRef>
+            <a:fillRef idx="1">
+              <a:schemeClr val="accent1"/>
+            </a:fillRef>
+            <a:effectRef idx="0">
+              <a:schemeClr val="accent1"/>
+            </a:effectRef>
+            <a:fontRef idx="minor">
+              <a:schemeClr val="lt1"/>
+            </a:fontRef>
+          </p:style>
+          <p:txBody>
+            <a:bodyPr rtlCol="0" anchor="ctr"/>
+            <a:lstStyle/>
+            <a:p>
+              <a:pPr algn="ctr"/>
+              <a:r>
+                <a:rPr lang="en-US" sz="900" dirty="0">
+                  <a:solidFill>
+                    <a:schemeClr val="tx1"/>
+                  </a:solidFill>
+                  <a:latin typeface="Avenir Book" panose="02000503020000020003" pitchFamily="2" charset="0"/>
+                </a:rPr>
+                <a:t>SimulaQron CQC API</a:t>
+              </a:r>
+            </a:p>
+          </p:txBody>
+        </p:sp>
+        <p:sp>
+          <p:nvSpPr>
+            <p:cNvPr id="66" name="Rectangle 65">
+              <a:extLst>
+                <a:ext uri="{FF2B5EF4-FFF2-40B4-BE49-F238E27FC236}">
+                  <a16:creationId xmlns:a16="http://schemas.microsoft.com/office/drawing/2014/main" id="{9B238182-7458-8C4F-9C13-2119D9D0F42C}"/>
+                </a:ext>
+              </a:extLst>
+            </p:cNvPr>
+            <p:cNvSpPr/>
+            <p:nvPr/>
+          </p:nvSpPr>
+          <p:spPr>
+            <a:xfrm>
+              <a:off x="1920788" y="5593961"/>
+              <a:ext cx="7834301" cy="691497"/>
+            </a:xfrm>
+            <a:prstGeom prst="rect">
+              <a:avLst/>
+            </a:prstGeom>
+            <a:solidFill>
+              <a:schemeClr val="bg1">
+                <a:lumMod val="95000"/>
+              </a:schemeClr>
+            </a:solidFill>
+            <a:ln>
+              <a:solidFill>
+                <a:schemeClr val="tx1"/>
+              </a:solidFill>
+            </a:ln>
+          </p:spPr>
+          <p:style>
+            <a:lnRef idx="2">
+              <a:schemeClr val="accent1">
+                <a:shade val="50000"/>
+              </a:schemeClr>
+            </a:lnRef>
+            <a:fillRef idx="1">
+              <a:schemeClr val="accent1"/>
+            </a:fillRef>
+            <a:effectRef idx="0">
+              <a:schemeClr val="accent1"/>
+            </a:effectRef>
+            <a:fontRef idx="minor">
+              <a:schemeClr val="lt1"/>
+            </a:fontRef>
+          </p:style>
+          <p:txBody>
+            <a:bodyPr rtlCol="0" anchor="ctr"/>
+            <a:lstStyle/>
+            <a:p>
+              <a:pPr algn="ctr"/>
+              <a:r>
+                <a:rPr lang="en-US" sz="900" dirty="0">
+                  <a:solidFill>
+                    <a:schemeClr val="tx1"/>
+                  </a:solidFill>
+                  <a:latin typeface="Avenir Book" panose="02000503020000020003" pitchFamily="2" charset="0"/>
+                </a:rPr>
+                <a:t>SimulaQron quantum network simulator</a:t>
+              </a:r>
+            </a:p>
+          </p:txBody>
+        </p:sp>
+        <p:cxnSp>
+          <p:nvCxnSpPr>
+            <p:cNvPr id="67" name="Straight Arrow Connector 66">
+              <a:extLst>
+                <a:ext uri="{FF2B5EF4-FFF2-40B4-BE49-F238E27FC236}">
+                  <a16:creationId xmlns:a16="http://schemas.microsoft.com/office/drawing/2014/main" id="{7E7C899F-A35B-C142-8C99-3A2085532AA3}"/>
+                </a:ext>
+              </a:extLst>
+            </p:cNvPr>
+            <p:cNvCxnSpPr>
+              <a:cxnSpLocks/>
+            </p:cNvCxnSpPr>
+            <p:nvPr/>
+          </p:nvCxnSpPr>
+          <p:spPr>
+            <a:xfrm flipV="1">
+              <a:off x="3610177" y="5067781"/>
+              <a:ext cx="0" cy="526180"/>
+            </a:xfrm>
+            <a:prstGeom prst="straightConnector1">
+              <a:avLst/>
+            </a:prstGeom>
+            <a:ln w="12700">
+              <a:solidFill>
+                <a:schemeClr val="accent1">
+                  <a:lumMod val="50000"/>
+                </a:schemeClr>
+              </a:solidFill>
+              <a:headEnd type="triangle"/>
+              <a:tailEnd type="triangle"/>
+            </a:ln>
+          </p:spPr>
+          <p:style>
+            <a:lnRef idx="1">
+              <a:schemeClr val="accent1"/>
+            </a:lnRef>
+            <a:fillRef idx="0">
+              <a:schemeClr val="accent1"/>
+            </a:fillRef>
+            <a:effectRef idx="0">
+              <a:schemeClr val="accent1"/>
+            </a:effectRef>
+            <a:fontRef idx="minor">
+              <a:schemeClr val="tx1"/>
+            </a:fontRef>
+          </p:style>
+        </p:cxnSp>
+        <p:cxnSp>
+          <p:nvCxnSpPr>
+            <p:cNvPr id="68" name="Straight Arrow Connector 67">
+              <a:extLst>
+                <a:ext uri="{FF2B5EF4-FFF2-40B4-BE49-F238E27FC236}">
+                  <a16:creationId xmlns:a16="http://schemas.microsoft.com/office/drawing/2014/main" id="{7190AA3C-8EDA-1A41-ADC7-591D0058DF5C}"/>
+                </a:ext>
+              </a:extLst>
+            </p:cNvPr>
+            <p:cNvCxnSpPr>
+              <a:cxnSpLocks/>
+            </p:cNvCxnSpPr>
+            <p:nvPr/>
+          </p:nvCxnSpPr>
+          <p:spPr>
+            <a:xfrm flipV="1">
+              <a:off x="8112386" y="5067781"/>
+              <a:ext cx="0" cy="526180"/>
+            </a:xfrm>
+            <a:prstGeom prst="straightConnector1">
+              <a:avLst/>
+            </a:prstGeom>
+            <a:ln w="12700">
+              <a:solidFill>
+                <a:schemeClr val="accent1">
+                  <a:lumMod val="50000"/>
+                </a:schemeClr>
+              </a:solidFill>
+              <a:headEnd type="triangle"/>
+              <a:tailEnd type="triangle"/>
+            </a:ln>
+          </p:spPr>
+          <p:style>
+            <a:lnRef idx="1">
+              <a:schemeClr val="accent1"/>
+            </a:lnRef>
+            <a:fillRef idx="0">
+              <a:schemeClr val="accent1"/>
+            </a:fillRef>
+            <a:effectRef idx="0">
+              <a:schemeClr val="accent1"/>
+            </a:effectRef>
+            <a:fontRef idx="minor">
+              <a:schemeClr val="tx1"/>
+            </a:fontRef>
+          </p:style>
+        </p:cxnSp>
+      </p:grpSp>
+      <p:sp>
+        <p:nvSpPr>
+          <p:cNvPr id="69" name="Rectangle 68">
+            <a:extLst>
+              <a:ext uri="{FF2B5EF4-FFF2-40B4-BE49-F238E27FC236}">
+                <a16:creationId xmlns:a16="http://schemas.microsoft.com/office/drawing/2014/main" id="{0C9FA5C5-F346-E444-ACA6-119520DBACC5}"/>
+              </a:ext>
+            </a:extLst>
+          </p:cNvPr>
+          <p:cNvSpPr/>
+          <p:nvPr/>
+        </p:nvSpPr>
+        <p:spPr>
+          <a:xfrm>
+            <a:off x="726299" y="430335"/>
+            <a:ext cx="4154896" cy="444276"/>
+          </a:xfrm>
+          <a:prstGeom prst="rect">
+            <a:avLst/>
+          </a:prstGeom>
+          <a:noFill/>
+          <a:ln>
+            <a:noFill/>
+          </a:ln>
+        </p:spPr>
+        <p:style>
+          <a:lnRef idx="2">
+            <a:schemeClr val="accent1">
+              <a:shade val="50000"/>
+            </a:schemeClr>
+          </a:lnRef>
+          <a:fillRef idx="1">
+            <a:schemeClr val="accent1"/>
+          </a:fillRef>
+          <a:effectRef idx="0">
+            <a:schemeClr val="accent1"/>
+          </a:effectRef>
+          <a:fontRef idx="minor">
+            <a:schemeClr val="lt1"/>
+          </a:fontRef>
+        </p:style>
+        <p:txBody>
+          <a:bodyPr rtlCol="0" anchor="ctr"/>
+          <a:lstStyle/>
+          <a:p>
+            <a:pPr algn="ctr"/>
+            <a:r>
+              <a:rPr lang="en-US" sz="1200" dirty="0">
+                <a:solidFill>
+                  <a:schemeClr val="tx1"/>
+                </a:solidFill>
+                <a:latin typeface="Avenir Book" panose="02000503020000020003" pitchFamily="2" charset="0"/>
+              </a:rPr>
+              <a:t>Mock QKD implementation</a:t>
+            </a:r>
+          </a:p>
+        </p:txBody>
+      </p:sp>
+      <p:sp>
+        <p:nvSpPr>
+          <p:cNvPr id="70" name="Rectangle 69">
+            <a:extLst>
+              <a:ext uri="{FF2B5EF4-FFF2-40B4-BE49-F238E27FC236}">
+                <a16:creationId xmlns:a16="http://schemas.microsoft.com/office/drawing/2014/main" id="{8004F274-460F-1546-986B-5D2CF0E75643}"/>
+              </a:ext>
+            </a:extLst>
+          </p:cNvPr>
+          <p:cNvSpPr/>
+          <p:nvPr/>
+        </p:nvSpPr>
+        <p:spPr>
+          <a:xfrm>
+            <a:off x="5829519" y="429892"/>
+            <a:ext cx="5027487" cy="444276"/>
+          </a:xfrm>
+          <a:prstGeom prst="rect">
+            <a:avLst/>
+          </a:prstGeom>
+          <a:noFill/>
+          <a:ln>
+            <a:noFill/>
+          </a:ln>
+        </p:spPr>
+        <p:style>
+          <a:lnRef idx="2">
+            <a:schemeClr val="accent1">
+              <a:shade val="50000"/>
+            </a:schemeClr>
+          </a:lnRef>
+          <a:fillRef idx="1">
+            <a:schemeClr val="accent1"/>
+          </a:fillRef>
+          <a:effectRef idx="0">
+            <a:schemeClr val="accent1"/>
+          </a:effectRef>
+          <a:fontRef idx="minor">
+            <a:schemeClr val="lt1"/>
+          </a:fontRef>
+        </p:style>
+        <p:txBody>
+          <a:bodyPr rtlCol="0" anchor="ctr"/>
+          <a:lstStyle/>
+          <a:p>
+            <a:pPr algn="ctr"/>
+            <a:r>
+              <a:rPr lang="en-US" sz="1200" dirty="0">
+                <a:solidFill>
+                  <a:schemeClr val="tx1"/>
+                </a:solidFill>
+                <a:latin typeface="Avenir Book" panose="02000503020000020003" pitchFamily="2" charset="0"/>
+              </a:rPr>
+              <a:t>BB84 QKD implementation running on SimulaQron</a:t>
+            </a:r>
+          </a:p>
+        </p:txBody>
+      </p:sp>
+    </p:spTree>
+    <p:extLst>
+      <p:ext uri="{BB962C8B-B14F-4D97-AF65-F5344CB8AC3E}">
+        <p14:creationId xmlns:p14="http://schemas.microsoft.com/office/powerpoint/2010/main" val="1513128975"/>
       </p:ext>
     </p:extLst>
   </p:cSld>

--- a/figures/diagrams.pptx
+++ b/figures/diagrams.pptx
@@ -5,13 +5,14 @@
     <p:sldMasterId id="2147483648" r:id="rId1"/>
   </p:sldMasterIdLst>
   <p:notesMasterIdLst>
-    <p:notesMasterId r:id="rId6"/>
+    <p:notesMasterId r:id="rId7"/>
   </p:notesMasterIdLst>
   <p:sldIdLst>
     <p:sldId id="257" r:id="rId2"/>
     <p:sldId id="256" r:id="rId3"/>
     <p:sldId id="258" r:id="rId4"/>
     <p:sldId id="259" r:id="rId5"/>
+    <p:sldId id="260" r:id="rId6"/>
   </p:sldIdLst>
   <p:sldSz cx="12192000" cy="6858000"/>
   <p:notesSz cx="6858000" cy="9144000"/>
@@ -12583,6 +12584,2583 @@
     <p:extLst>
       <p:ext uri="{BB962C8B-B14F-4D97-AF65-F5344CB8AC3E}">
         <p14:creationId xmlns:p14="http://schemas.microsoft.com/office/powerpoint/2010/main" val="1513128975"/>
+      </p:ext>
+    </p:extLst>
+  </p:cSld>
+  <p:clrMapOvr>
+    <a:masterClrMapping/>
+  </p:clrMapOvr>
+</p:sld>
+</file>
+
+<file path=ppt/slides/slide5.xml><?xml version="1.0" encoding="utf-8"?>
+<p:sld xmlns:a="http://schemas.openxmlformats.org/drawingml/2006/main" xmlns:r="http://schemas.openxmlformats.org/officeDocument/2006/relationships" xmlns:p="http://schemas.openxmlformats.org/presentationml/2006/main">
+  <p:cSld>
+    <p:spTree>
+      <p:nvGrpSpPr>
+        <p:cNvPr id="1" name=""/>
+        <p:cNvGrpSpPr/>
+        <p:nvPr/>
+      </p:nvGrpSpPr>
+      <p:grpSpPr>
+        <a:xfrm>
+          <a:off x="0" y="0"/>
+          <a:ext cx="0" cy="0"/>
+          <a:chOff x="0" y="0"/>
+          <a:chExt cx="0" cy="0"/>
+        </a:xfrm>
+      </p:grpSpPr>
+      <p:sp>
+        <p:nvSpPr>
+          <p:cNvPr id="2" name="Rectangle 1">
+            <a:extLst>
+              <a:ext uri="{FF2B5EF4-FFF2-40B4-BE49-F238E27FC236}">
+                <a16:creationId xmlns:a16="http://schemas.microsoft.com/office/drawing/2014/main" id="{46F7BE02-30B6-6042-A149-E29BADE58227}"/>
+              </a:ext>
+            </a:extLst>
+          </p:cNvPr>
+          <p:cNvSpPr/>
+          <p:nvPr/>
+        </p:nvSpPr>
+        <p:spPr>
+          <a:xfrm>
+            <a:off x="1811616" y="969551"/>
+            <a:ext cx="1136684" cy="444276"/>
+          </a:xfrm>
+          <a:prstGeom prst="rect">
+            <a:avLst/>
+          </a:prstGeom>
+          <a:solidFill>
+            <a:schemeClr val="bg1">
+              <a:lumMod val="95000"/>
+            </a:schemeClr>
+          </a:solidFill>
+          <a:ln>
+            <a:solidFill>
+              <a:schemeClr val="tx1"/>
+            </a:solidFill>
+          </a:ln>
+        </p:spPr>
+        <p:style>
+          <a:lnRef idx="2">
+            <a:schemeClr val="accent1">
+              <a:shade val="50000"/>
+            </a:schemeClr>
+          </a:lnRef>
+          <a:fillRef idx="1">
+            <a:schemeClr val="accent1"/>
+          </a:fillRef>
+          <a:effectRef idx="0">
+            <a:schemeClr val="accent1"/>
+          </a:effectRef>
+          <a:fontRef idx="minor">
+            <a:schemeClr val="lt1"/>
+          </a:fontRef>
+        </p:style>
+        <p:txBody>
+          <a:bodyPr rtlCol="0" anchor="ctr"/>
+          <a:lstStyle/>
+          <a:p>
+            <a:pPr algn="ctr"/>
+            <a:r>
+              <a:rPr lang="en-US" sz="900" dirty="0">
+                <a:solidFill>
+                  <a:schemeClr val="tx1"/>
+                </a:solidFill>
+                <a:latin typeface="Avenir Book" panose="02000503020000020003" pitchFamily="2" charset="0"/>
+              </a:rPr>
+              <a:t>TLS Server</a:t>
+            </a:r>
+          </a:p>
+        </p:txBody>
+      </p:sp>
+      <p:sp>
+        <p:nvSpPr>
+          <p:cNvPr id="3" name="Rectangle 2">
+            <a:extLst>
+              <a:ext uri="{FF2B5EF4-FFF2-40B4-BE49-F238E27FC236}">
+                <a16:creationId xmlns:a16="http://schemas.microsoft.com/office/drawing/2014/main" id="{96CF644B-CE65-7748-AFF9-C0D146D1B2FE}"/>
+              </a:ext>
+            </a:extLst>
+          </p:cNvPr>
+          <p:cNvSpPr/>
+          <p:nvPr/>
+        </p:nvSpPr>
+        <p:spPr>
+          <a:xfrm>
+            <a:off x="3544988" y="969551"/>
+            <a:ext cx="1136684" cy="444276"/>
+          </a:xfrm>
+          <a:prstGeom prst="rect">
+            <a:avLst/>
+          </a:prstGeom>
+          <a:solidFill>
+            <a:schemeClr val="bg1">
+              <a:lumMod val="95000"/>
+            </a:schemeClr>
+          </a:solidFill>
+          <a:ln>
+            <a:solidFill>
+              <a:schemeClr val="tx1"/>
+            </a:solidFill>
+          </a:ln>
+        </p:spPr>
+        <p:style>
+          <a:lnRef idx="2">
+            <a:schemeClr val="accent1">
+              <a:shade val="50000"/>
+            </a:schemeClr>
+          </a:lnRef>
+          <a:fillRef idx="1">
+            <a:schemeClr val="accent1"/>
+          </a:fillRef>
+          <a:effectRef idx="0">
+            <a:schemeClr val="accent1"/>
+          </a:effectRef>
+          <a:fontRef idx="minor">
+            <a:schemeClr val="lt1"/>
+          </a:fontRef>
+        </p:style>
+        <p:txBody>
+          <a:bodyPr rtlCol="0" anchor="ctr"/>
+          <a:lstStyle/>
+          <a:p>
+            <a:pPr algn="ctr"/>
+            <a:r>
+              <a:rPr lang="en-US" sz="900" dirty="0">
+                <a:solidFill>
+                  <a:schemeClr val="tx1"/>
+                </a:solidFill>
+                <a:latin typeface="Avenir Book" panose="02000503020000020003" pitchFamily="2" charset="0"/>
+              </a:rPr>
+              <a:t>ETSI QKD API</a:t>
+            </a:r>
+          </a:p>
+        </p:txBody>
+      </p:sp>
+      <p:sp>
+        <p:nvSpPr>
+          <p:cNvPr id="4" name="Rectangle 3">
+            <a:extLst>
+              <a:ext uri="{FF2B5EF4-FFF2-40B4-BE49-F238E27FC236}">
+                <a16:creationId xmlns:a16="http://schemas.microsoft.com/office/drawing/2014/main" id="{116F6800-A625-6F4B-84A0-8E4A0C15B858}"/>
+              </a:ext>
+            </a:extLst>
+          </p:cNvPr>
+          <p:cNvSpPr/>
+          <p:nvPr/>
+        </p:nvSpPr>
+        <p:spPr>
+          <a:xfrm>
+            <a:off x="7174241" y="969551"/>
+            <a:ext cx="1136684" cy="444276"/>
+          </a:xfrm>
+          <a:prstGeom prst="rect">
+            <a:avLst/>
+          </a:prstGeom>
+          <a:solidFill>
+            <a:schemeClr val="bg1">
+              <a:lumMod val="95000"/>
+            </a:schemeClr>
+          </a:solidFill>
+          <a:ln>
+            <a:solidFill>
+              <a:schemeClr val="tx1"/>
+            </a:solidFill>
+          </a:ln>
+        </p:spPr>
+        <p:style>
+          <a:lnRef idx="2">
+            <a:schemeClr val="accent1">
+              <a:shade val="50000"/>
+            </a:schemeClr>
+          </a:lnRef>
+          <a:fillRef idx="1">
+            <a:schemeClr val="accent1"/>
+          </a:fillRef>
+          <a:effectRef idx="0">
+            <a:schemeClr val="accent1"/>
+          </a:effectRef>
+          <a:fontRef idx="minor">
+            <a:schemeClr val="lt1"/>
+          </a:fontRef>
+        </p:style>
+        <p:txBody>
+          <a:bodyPr rtlCol="0" anchor="ctr"/>
+          <a:lstStyle/>
+          <a:p>
+            <a:pPr algn="ctr"/>
+            <a:r>
+              <a:rPr lang="en-US" sz="900" dirty="0">
+                <a:solidFill>
+                  <a:schemeClr val="tx1"/>
+                </a:solidFill>
+                <a:latin typeface="Avenir Book" panose="02000503020000020003" pitchFamily="2" charset="0"/>
+              </a:rPr>
+              <a:t>ETSI QKD API</a:t>
+            </a:r>
+          </a:p>
+        </p:txBody>
+      </p:sp>
+      <p:sp>
+        <p:nvSpPr>
+          <p:cNvPr id="5" name="Rectangle 4">
+            <a:extLst>
+              <a:ext uri="{FF2B5EF4-FFF2-40B4-BE49-F238E27FC236}">
+                <a16:creationId xmlns:a16="http://schemas.microsoft.com/office/drawing/2014/main" id="{89063BF7-0A47-074E-8C96-644760A5AFB1}"/>
+              </a:ext>
+            </a:extLst>
+          </p:cNvPr>
+          <p:cNvSpPr/>
+          <p:nvPr/>
+        </p:nvSpPr>
+        <p:spPr>
+          <a:xfrm>
+            <a:off x="8907613" y="969551"/>
+            <a:ext cx="1136684" cy="444276"/>
+          </a:xfrm>
+          <a:prstGeom prst="rect">
+            <a:avLst/>
+          </a:prstGeom>
+          <a:solidFill>
+            <a:schemeClr val="bg1">
+              <a:lumMod val="95000"/>
+            </a:schemeClr>
+          </a:solidFill>
+          <a:ln>
+            <a:solidFill>
+              <a:schemeClr val="tx1"/>
+            </a:solidFill>
+          </a:ln>
+        </p:spPr>
+        <p:style>
+          <a:lnRef idx="2">
+            <a:schemeClr val="accent1">
+              <a:shade val="50000"/>
+            </a:schemeClr>
+          </a:lnRef>
+          <a:fillRef idx="1">
+            <a:schemeClr val="accent1"/>
+          </a:fillRef>
+          <a:effectRef idx="0">
+            <a:schemeClr val="accent1"/>
+          </a:effectRef>
+          <a:fontRef idx="minor">
+            <a:schemeClr val="lt1"/>
+          </a:fontRef>
+        </p:style>
+        <p:txBody>
+          <a:bodyPr rtlCol="0" anchor="ctr"/>
+          <a:lstStyle/>
+          <a:p>
+            <a:pPr algn="ctr"/>
+            <a:r>
+              <a:rPr lang="en-US" sz="900" dirty="0">
+                <a:solidFill>
+                  <a:schemeClr val="tx1"/>
+                </a:solidFill>
+                <a:latin typeface="Avenir Book" panose="02000503020000020003" pitchFamily="2" charset="0"/>
+              </a:rPr>
+              <a:t>TLS Client</a:t>
+            </a:r>
+          </a:p>
+        </p:txBody>
+      </p:sp>
+      <p:cxnSp>
+        <p:nvCxnSpPr>
+          <p:cNvPr id="7" name="Straight Connector 6">
+            <a:extLst>
+              <a:ext uri="{FF2B5EF4-FFF2-40B4-BE49-F238E27FC236}">
+                <a16:creationId xmlns:a16="http://schemas.microsoft.com/office/drawing/2014/main" id="{4E339C81-D9D1-3741-ACAA-CDAD26347BD9}"/>
+              </a:ext>
+            </a:extLst>
+          </p:cNvPr>
+          <p:cNvCxnSpPr>
+            <a:stCxn id="2" idx="2"/>
+          </p:cNvCxnSpPr>
+          <p:nvPr/>
+        </p:nvCxnSpPr>
+        <p:spPr>
+          <a:xfrm flipH="1">
+            <a:off x="2367186" y="1413827"/>
+            <a:ext cx="12772" cy="4132896"/>
+          </a:xfrm>
+          <a:prstGeom prst="line">
+            <a:avLst/>
+          </a:prstGeom>
+          <a:ln>
+            <a:solidFill>
+              <a:schemeClr val="tx1"/>
+            </a:solidFill>
+            <a:prstDash val="dash"/>
+          </a:ln>
+        </p:spPr>
+        <p:style>
+          <a:lnRef idx="1">
+            <a:schemeClr val="accent1"/>
+          </a:lnRef>
+          <a:fillRef idx="0">
+            <a:schemeClr val="accent1"/>
+          </a:fillRef>
+          <a:effectRef idx="0">
+            <a:schemeClr val="accent1"/>
+          </a:effectRef>
+          <a:fontRef idx="minor">
+            <a:schemeClr val="tx1"/>
+          </a:fontRef>
+        </p:style>
+      </p:cxnSp>
+      <p:cxnSp>
+        <p:nvCxnSpPr>
+          <p:cNvPr id="8" name="Straight Connector 7">
+            <a:extLst>
+              <a:ext uri="{FF2B5EF4-FFF2-40B4-BE49-F238E27FC236}">
+                <a16:creationId xmlns:a16="http://schemas.microsoft.com/office/drawing/2014/main" id="{3135D38C-8A37-B546-A42B-409C71DF2B33}"/>
+              </a:ext>
+            </a:extLst>
+          </p:cNvPr>
+          <p:cNvCxnSpPr/>
+          <p:nvPr/>
+        </p:nvCxnSpPr>
+        <p:spPr>
+          <a:xfrm flipH="1">
+            <a:off x="4100558" y="1413827"/>
+            <a:ext cx="12772" cy="4132896"/>
+          </a:xfrm>
+          <a:prstGeom prst="line">
+            <a:avLst/>
+          </a:prstGeom>
+          <a:ln>
+            <a:solidFill>
+              <a:schemeClr val="tx1"/>
+            </a:solidFill>
+            <a:prstDash val="dash"/>
+          </a:ln>
+        </p:spPr>
+        <p:style>
+          <a:lnRef idx="1">
+            <a:schemeClr val="accent1"/>
+          </a:lnRef>
+          <a:fillRef idx="0">
+            <a:schemeClr val="accent1"/>
+          </a:fillRef>
+          <a:effectRef idx="0">
+            <a:schemeClr val="accent1"/>
+          </a:effectRef>
+          <a:fontRef idx="minor">
+            <a:schemeClr val="tx1"/>
+          </a:fontRef>
+        </p:style>
+      </p:cxnSp>
+      <p:cxnSp>
+        <p:nvCxnSpPr>
+          <p:cNvPr id="9" name="Straight Connector 8">
+            <a:extLst>
+              <a:ext uri="{FF2B5EF4-FFF2-40B4-BE49-F238E27FC236}">
+                <a16:creationId xmlns:a16="http://schemas.microsoft.com/office/drawing/2014/main" id="{C35827B3-064D-EA46-8BA2-C9A05ADDAF2B}"/>
+              </a:ext>
+            </a:extLst>
+          </p:cNvPr>
+          <p:cNvCxnSpPr/>
+          <p:nvPr/>
+        </p:nvCxnSpPr>
+        <p:spPr>
+          <a:xfrm flipH="1">
+            <a:off x="7742583" y="1413827"/>
+            <a:ext cx="12772" cy="4132896"/>
+          </a:xfrm>
+          <a:prstGeom prst="line">
+            <a:avLst/>
+          </a:prstGeom>
+          <a:ln>
+            <a:solidFill>
+              <a:schemeClr val="tx1"/>
+            </a:solidFill>
+            <a:prstDash val="dash"/>
+          </a:ln>
+        </p:spPr>
+        <p:style>
+          <a:lnRef idx="1">
+            <a:schemeClr val="accent1"/>
+          </a:lnRef>
+          <a:fillRef idx="0">
+            <a:schemeClr val="accent1"/>
+          </a:fillRef>
+          <a:effectRef idx="0">
+            <a:schemeClr val="accent1"/>
+          </a:effectRef>
+          <a:fontRef idx="minor">
+            <a:schemeClr val="tx1"/>
+          </a:fontRef>
+        </p:style>
+      </p:cxnSp>
+      <p:cxnSp>
+        <p:nvCxnSpPr>
+          <p:cNvPr id="10" name="Straight Connector 9">
+            <a:extLst>
+              <a:ext uri="{FF2B5EF4-FFF2-40B4-BE49-F238E27FC236}">
+                <a16:creationId xmlns:a16="http://schemas.microsoft.com/office/drawing/2014/main" id="{8978174C-1222-094C-8732-541185064BA3}"/>
+              </a:ext>
+            </a:extLst>
+          </p:cNvPr>
+          <p:cNvCxnSpPr/>
+          <p:nvPr/>
+        </p:nvCxnSpPr>
+        <p:spPr>
+          <a:xfrm flipH="1">
+            <a:off x="9463183" y="1413827"/>
+            <a:ext cx="12772" cy="4132896"/>
+          </a:xfrm>
+          <a:prstGeom prst="line">
+            <a:avLst/>
+          </a:prstGeom>
+          <a:ln>
+            <a:solidFill>
+              <a:schemeClr val="tx1"/>
+            </a:solidFill>
+            <a:prstDash val="dash"/>
+          </a:ln>
+        </p:spPr>
+        <p:style>
+          <a:lnRef idx="1">
+            <a:schemeClr val="accent1"/>
+          </a:lnRef>
+          <a:fillRef idx="0">
+            <a:schemeClr val="accent1"/>
+          </a:fillRef>
+          <a:effectRef idx="0">
+            <a:schemeClr val="accent1"/>
+          </a:effectRef>
+          <a:fontRef idx="minor">
+            <a:schemeClr val="tx1"/>
+          </a:fontRef>
+        </p:style>
+      </p:cxnSp>
+      <p:sp>
+        <p:nvSpPr>
+          <p:cNvPr id="11" name="Rectangle 10">
+            <a:extLst>
+              <a:ext uri="{FF2B5EF4-FFF2-40B4-BE49-F238E27FC236}">
+                <a16:creationId xmlns:a16="http://schemas.microsoft.com/office/drawing/2014/main" id="{011ABC56-D9B7-6A41-980F-2820307B1AD3}"/>
+              </a:ext>
+            </a:extLst>
+          </p:cNvPr>
+          <p:cNvSpPr/>
+          <p:nvPr/>
+        </p:nvSpPr>
+        <p:spPr>
+          <a:xfrm>
+            <a:off x="4053648" y="1873980"/>
+            <a:ext cx="124193" cy="354705"/>
+          </a:xfrm>
+          <a:prstGeom prst="rect">
+            <a:avLst/>
+          </a:prstGeom>
+          <a:solidFill>
+            <a:schemeClr val="bg1"/>
+          </a:solidFill>
+          <a:ln>
+            <a:solidFill>
+              <a:schemeClr val="tx1"/>
+            </a:solidFill>
+          </a:ln>
+        </p:spPr>
+        <p:style>
+          <a:lnRef idx="2">
+            <a:schemeClr val="accent1">
+              <a:shade val="50000"/>
+            </a:schemeClr>
+          </a:lnRef>
+          <a:fillRef idx="1">
+            <a:schemeClr val="accent1"/>
+          </a:fillRef>
+          <a:effectRef idx="0">
+            <a:schemeClr val="accent1"/>
+          </a:effectRef>
+          <a:fontRef idx="minor">
+            <a:schemeClr val="lt1"/>
+          </a:fontRef>
+        </p:style>
+        <p:txBody>
+          <a:bodyPr rtlCol="0" anchor="ctr"/>
+          <a:lstStyle/>
+          <a:p>
+            <a:pPr algn="ctr"/>
+            <a:endParaRPr lang="en-US" sz="900" dirty="0">
+              <a:solidFill>
+                <a:schemeClr val="tx1"/>
+              </a:solidFill>
+              <a:latin typeface="Avenir Book" panose="02000503020000020003" pitchFamily="2" charset="0"/>
+            </a:endParaRPr>
+          </a:p>
+        </p:txBody>
+      </p:sp>
+      <p:cxnSp>
+        <p:nvCxnSpPr>
+          <p:cNvPr id="13" name="Straight Arrow Connector 12">
+            <a:extLst>
+              <a:ext uri="{FF2B5EF4-FFF2-40B4-BE49-F238E27FC236}">
+                <a16:creationId xmlns:a16="http://schemas.microsoft.com/office/drawing/2014/main" id="{4D98EB09-C4D7-BA47-B7AB-A2C9CBD72BF3}"/>
+              </a:ext>
+            </a:extLst>
+          </p:cNvPr>
+          <p:cNvCxnSpPr>
+            <a:cxnSpLocks/>
+          </p:cNvCxnSpPr>
+          <p:nvPr/>
+        </p:nvCxnSpPr>
+        <p:spPr>
+          <a:xfrm>
+            <a:off x="2373572" y="1873980"/>
+            <a:ext cx="1671794" cy="0"/>
+          </a:xfrm>
+          <a:prstGeom prst="straightConnector1">
+            <a:avLst/>
+          </a:prstGeom>
+          <a:ln>
+            <a:solidFill>
+              <a:schemeClr val="tx1"/>
+            </a:solidFill>
+            <a:tailEnd type="triangle"/>
+          </a:ln>
+        </p:spPr>
+        <p:style>
+          <a:lnRef idx="1">
+            <a:schemeClr val="accent1"/>
+          </a:lnRef>
+          <a:fillRef idx="0">
+            <a:schemeClr val="accent1"/>
+          </a:fillRef>
+          <a:effectRef idx="0">
+            <a:schemeClr val="accent1"/>
+          </a:effectRef>
+          <a:fontRef idx="minor">
+            <a:schemeClr val="tx1"/>
+          </a:fontRef>
+        </p:style>
+      </p:cxnSp>
+      <p:cxnSp>
+        <p:nvCxnSpPr>
+          <p:cNvPr id="19" name="Straight Arrow Connector 18">
+            <a:extLst>
+              <a:ext uri="{FF2B5EF4-FFF2-40B4-BE49-F238E27FC236}">
+                <a16:creationId xmlns:a16="http://schemas.microsoft.com/office/drawing/2014/main" id="{C9E36711-199D-DD4D-B3D2-C2319208216F}"/>
+              </a:ext>
+            </a:extLst>
+          </p:cNvPr>
+          <p:cNvCxnSpPr>
+            <a:cxnSpLocks/>
+          </p:cNvCxnSpPr>
+          <p:nvPr/>
+        </p:nvCxnSpPr>
+        <p:spPr>
+          <a:xfrm flipH="1">
+            <a:off x="2379958" y="2228685"/>
+            <a:ext cx="1671794" cy="0"/>
+          </a:xfrm>
+          <a:prstGeom prst="straightConnector1">
+            <a:avLst/>
+          </a:prstGeom>
+          <a:ln>
+            <a:solidFill>
+              <a:schemeClr val="tx1"/>
+            </a:solidFill>
+            <a:prstDash val="dash"/>
+            <a:tailEnd type="triangle"/>
+          </a:ln>
+        </p:spPr>
+        <p:style>
+          <a:lnRef idx="1">
+            <a:schemeClr val="accent1"/>
+          </a:lnRef>
+          <a:fillRef idx="0">
+            <a:schemeClr val="accent1"/>
+          </a:fillRef>
+          <a:effectRef idx="0">
+            <a:schemeClr val="accent1"/>
+          </a:effectRef>
+          <a:fontRef idx="minor">
+            <a:schemeClr val="tx1"/>
+          </a:fontRef>
+        </p:style>
+      </p:cxnSp>
+      <p:sp>
+        <p:nvSpPr>
+          <p:cNvPr id="20" name="Rectangle 19">
+            <a:extLst>
+              <a:ext uri="{FF2B5EF4-FFF2-40B4-BE49-F238E27FC236}">
+                <a16:creationId xmlns:a16="http://schemas.microsoft.com/office/drawing/2014/main" id="{125798E2-2392-F646-ABE7-E5F45CA6161D}"/>
+              </a:ext>
+            </a:extLst>
+          </p:cNvPr>
+          <p:cNvSpPr/>
+          <p:nvPr/>
+        </p:nvSpPr>
+        <p:spPr>
+          <a:xfrm>
+            <a:off x="2373572" y="1651135"/>
+            <a:ext cx="1739758" cy="234792"/>
+          </a:xfrm>
+          <a:prstGeom prst="rect">
+            <a:avLst/>
+          </a:prstGeom>
+          <a:noFill/>
+          <a:ln>
+            <a:noFill/>
+          </a:ln>
+        </p:spPr>
+        <p:style>
+          <a:lnRef idx="2">
+            <a:schemeClr val="accent1">
+              <a:shade val="50000"/>
+            </a:schemeClr>
+          </a:lnRef>
+          <a:fillRef idx="1">
+            <a:schemeClr val="accent1"/>
+          </a:fillRef>
+          <a:effectRef idx="0">
+            <a:schemeClr val="accent1"/>
+          </a:effectRef>
+          <a:fontRef idx="minor">
+            <a:schemeClr val="lt1"/>
+          </a:fontRef>
+        </p:style>
+        <p:txBody>
+          <a:bodyPr rtlCol="0" anchor="ctr"/>
+          <a:lstStyle/>
+          <a:p>
+            <a:pPr algn="ctr"/>
+            <a:r>
+              <a:rPr lang="en-US" sz="900" dirty="0">
+                <a:solidFill>
+                  <a:schemeClr val="tx1"/>
+                </a:solidFill>
+                <a:latin typeface="Avenir Book" panose="02000503020000020003" pitchFamily="2" charset="0"/>
+              </a:rPr>
+              <a:t>QKD_OPEN(NULL)</a:t>
+            </a:r>
+          </a:p>
+        </p:txBody>
+      </p:sp>
+      <p:sp>
+        <p:nvSpPr>
+          <p:cNvPr id="21" name="Rectangle 20">
+            <a:extLst>
+              <a:ext uri="{FF2B5EF4-FFF2-40B4-BE49-F238E27FC236}">
+                <a16:creationId xmlns:a16="http://schemas.microsoft.com/office/drawing/2014/main" id="{4225410D-207C-B147-B214-02890F782C05}"/>
+              </a:ext>
+            </a:extLst>
+          </p:cNvPr>
+          <p:cNvSpPr/>
+          <p:nvPr/>
+        </p:nvSpPr>
+        <p:spPr>
+          <a:xfrm>
+            <a:off x="2382113" y="2027667"/>
+            <a:ext cx="1739758" cy="234792"/>
+          </a:xfrm>
+          <a:prstGeom prst="rect">
+            <a:avLst/>
+          </a:prstGeom>
+          <a:noFill/>
+          <a:ln>
+            <a:noFill/>
+          </a:ln>
+        </p:spPr>
+        <p:style>
+          <a:lnRef idx="2">
+            <a:schemeClr val="accent1">
+              <a:shade val="50000"/>
+            </a:schemeClr>
+          </a:lnRef>
+          <a:fillRef idx="1">
+            <a:schemeClr val="accent1"/>
+          </a:fillRef>
+          <a:effectRef idx="0">
+            <a:schemeClr val="accent1"/>
+          </a:effectRef>
+          <a:fontRef idx="minor">
+            <a:schemeClr val="lt1"/>
+          </a:fontRef>
+        </p:style>
+        <p:txBody>
+          <a:bodyPr rtlCol="0" anchor="ctr"/>
+          <a:lstStyle/>
+          <a:p>
+            <a:pPr algn="ctr"/>
+            <a:r>
+              <a:rPr lang="en-US" sz="900" dirty="0" err="1">
+                <a:solidFill>
+                  <a:schemeClr val="tx1"/>
+                </a:solidFill>
+                <a:latin typeface="Avenir Book" panose="02000503020000020003" pitchFamily="2" charset="0"/>
+              </a:rPr>
+              <a:t>key_handle</a:t>
+            </a:r>
+            <a:endParaRPr lang="en-US" sz="900" dirty="0">
+              <a:solidFill>
+                <a:schemeClr val="tx1"/>
+              </a:solidFill>
+              <a:latin typeface="Avenir Book" panose="02000503020000020003" pitchFamily="2" charset="0"/>
+            </a:endParaRPr>
+          </a:p>
+        </p:txBody>
+      </p:sp>
+      <p:cxnSp>
+        <p:nvCxnSpPr>
+          <p:cNvPr id="22" name="Straight Arrow Connector 21">
+            <a:extLst>
+              <a:ext uri="{FF2B5EF4-FFF2-40B4-BE49-F238E27FC236}">
+                <a16:creationId xmlns:a16="http://schemas.microsoft.com/office/drawing/2014/main" id="{F3563072-3FBD-0D4C-B740-3AFE31AF8BB9}"/>
+              </a:ext>
+            </a:extLst>
+          </p:cNvPr>
+          <p:cNvCxnSpPr>
+            <a:cxnSpLocks/>
+          </p:cNvCxnSpPr>
+          <p:nvPr/>
+        </p:nvCxnSpPr>
+        <p:spPr>
+          <a:xfrm>
+            <a:off x="2373572" y="2609310"/>
+            <a:ext cx="7033900" cy="0"/>
+          </a:xfrm>
+          <a:prstGeom prst="straightConnector1">
+            <a:avLst/>
+          </a:prstGeom>
+          <a:ln>
+            <a:solidFill>
+              <a:schemeClr val="tx1"/>
+            </a:solidFill>
+            <a:tailEnd type="triangle"/>
+          </a:ln>
+        </p:spPr>
+        <p:style>
+          <a:lnRef idx="1">
+            <a:schemeClr val="accent1"/>
+          </a:lnRef>
+          <a:fillRef idx="0">
+            <a:schemeClr val="accent1"/>
+          </a:fillRef>
+          <a:effectRef idx="0">
+            <a:schemeClr val="accent1"/>
+          </a:effectRef>
+          <a:fontRef idx="minor">
+            <a:schemeClr val="tx1"/>
+          </a:fontRef>
+        </p:style>
+      </p:cxnSp>
+      <p:sp>
+        <p:nvSpPr>
+          <p:cNvPr id="24" name="Rectangle 23">
+            <a:extLst>
+              <a:ext uri="{FF2B5EF4-FFF2-40B4-BE49-F238E27FC236}">
+                <a16:creationId xmlns:a16="http://schemas.microsoft.com/office/drawing/2014/main" id="{5A5A396D-A552-464A-A8F7-AEAD9CFC26A0}"/>
+              </a:ext>
+            </a:extLst>
+          </p:cNvPr>
+          <p:cNvSpPr/>
+          <p:nvPr/>
+        </p:nvSpPr>
+        <p:spPr>
+          <a:xfrm>
+            <a:off x="5093505" y="2408808"/>
+            <a:ext cx="1739758" cy="234792"/>
+          </a:xfrm>
+          <a:prstGeom prst="rect">
+            <a:avLst/>
+          </a:prstGeom>
+          <a:noFill/>
+          <a:ln>
+            <a:noFill/>
+          </a:ln>
+        </p:spPr>
+        <p:style>
+          <a:lnRef idx="2">
+            <a:schemeClr val="accent1">
+              <a:shade val="50000"/>
+            </a:schemeClr>
+          </a:lnRef>
+          <a:fillRef idx="1">
+            <a:schemeClr val="accent1"/>
+          </a:fillRef>
+          <a:effectRef idx="0">
+            <a:schemeClr val="accent1"/>
+          </a:effectRef>
+          <a:fontRef idx="minor">
+            <a:schemeClr val="lt1"/>
+          </a:fontRef>
+        </p:style>
+        <p:txBody>
+          <a:bodyPr rtlCol="0" anchor="ctr"/>
+          <a:lstStyle/>
+          <a:p>
+            <a:pPr algn="ctr"/>
+            <a:r>
+              <a:rPr lang="en-US" sz="900" dirty="0" err="1">
+                <a:solidFill>
+                  <a:schemeClr val="tx1"/>
+                </a:solidFill>
+                <a:latin typeface="Avenir Book" panose="02000503020000020003" pitchFamily="2" charset="0"/>
+              </a:rPr>
+              <a:t>key_handle</a:t>
+            </a:r>
+            <a:endParaRPr lang="en-US" sz="900" dirty="0">
+              <a:solidFill>
+                <a:schemeClr val="tx1"/>
+              </a:solidFill>
+              <a:latin typeface="Avenir Book" panose="02000503020000020003" pitchFamily="2" charset="0"/>
+            </a:endParaRPr>
+          </a:p>
+        </p:txBody>
+      </p:sp>
+      <p:sp>
+        <p:nvSpPr>
+          <p:cNvPr id="25" name="Rectangle 24">
+            <a:extLst>
+              <a:ext uri="{FF2B5EF4-FFF2-40B4-BE49-F238E27FC236}">
+                <a16:creationId xmlns:a16="http://schemas.microsoft.com/office/drawing/2014/main" id="{79D75E33-6AC3-1343-8951-44906101DDD0}"/>
+              </a:ext>
+            </a:extLst>
+          </p:cNvPr>
+          <p:cNvSpPr/>
+          <p:nvPr/>
+        </p:nvSpPr>
+        <p:spPr>
+          <a:xfrm>
+            <a:off x="9407472" y="2609310"/>
+            <a:ext cx="124193" cy="354705"/>
+          </a:xfrm>
+          <a:prstGeom prst="rect">
+            <a:avLst/>
+          </a:prstGeom>
+          <a:solidFill>
+            <a:schemeClr val="bg1"/>
+          </a:solidFill>
+          <a:ln>
+            <a:solidFill>
+              <a:schemeClr val="tx1"/>
+            </a:solidFill>
+          </a:ln>
+        </p:spPr>
+        <p:style>
+          <a:lnRef idx="2">
+            <a:schemeClr val="accent1">
+              <a:shade val="50000"/>
+            </a:schemeClr>
+          </a:lnRef>
+          <a:fillRef idx="1">
+            <a:schemeClr val="accent1"/>
+          </a:fillRef>
+          <a:effectRef idx="0">
+            <a:schemeClr val="accent1"/>
+          </a:effectRef>
+          <a:fontRef idx="minor">
+            <a:schemeClr val="lt1"/>
+          </a:fontRef>
+        </p:style>
+        <p:txBody>
+          <a:bodyPr rtlCol="0" anchor="ctr"/>
+          <a:lstStyle/>
+          <a:p>
+            <a:pPr algn="ctr"/>
+            <a:endParaRPr lang="en-US" sz="900" dirty="0">
+              <a:solidFill>
+                <a:schemeClr val="tx1"/>
+              </a:solidFill>
+              <a:latin typeface="Avenir Book" panose="02000503020000020003" pitchFamily="2" charset="0"/>
+            </a:endParaRPr>
+          </a:p>
+        </p:txBody>
+      </p:sp>
+      <p:cxnSp>
+        <p:nvCxnSpPr>
+          <p:cNvPr id="26" name="Straight Arrow Connector 25">
+            <a:extLst>
+              <a:ext uri="{FF2B5EF4-FFF2-40B4-BE49-F238E27FC236}">
+                <a16:creationId xmlns:a16="http://schemas.microsoft.com/office/drawing/2014/main" id="{5D447EAE-F39D-8E40-A223-AFBD8D426971}"/>
+              </a:ext>
+            </a:extLst>
+          </p:cNvPr>
+          <p:cNvCxnSpPr>
+            <a:cxnSpLocks/>
+          </p:cNvCxnSpPr>
+          <p:nvPr/>
+        </p:nvCxnSpPr>
+        <p:spPr>
+          <a:xfrm flipH="1">
+            <a:off x="7748969" y="2963659"/>
+            <a:ext cx="1671794" cy="0"/>
+          </a:xfrm>
+          <a:prstGeom prst="straightConnector1">
+            <a:avLst/>
+          </a:prstGeom>
+          <a:ln>
+            <a:solidFill>
+              <a:schemeClr val="tx1"/>
+            </a:solidFill>
+            <a:tailEnd type="triangle"/>
+          </a:ln>
+        </p:spPr>
+        <p:style>
+          <a:lnRef idx="1">
+            <a:schemeClr val="accent1"/>
+          </a:lnRef>
+          <a:fillRef idx="0">
+            <a:schemeClr val="accent1"/>
+          </a:fillRef>
+          <a:effectRef idx="0">
+            <a:schemeClr val="accent1"/>
+          </a:effectRef>
+          <a:fontRef idx="minor">
+            <a:schemeClr val="tx1"/>
+          </a:fontRef>
+        </p:style>
+      </p:cxnSp>
+      <p:sp>
+        <p:nvSpPr>
+          <p:cNvPr id="28" name="Rectangle 27">
+            <a:extLst>
+              <a:ext uri="{FF2B5EF4-FFF2-40B4-BE49-F238E27FC236}">
+                <a16:creationId xmlns:a16="http://schemas.microsoft.com/office/drawing/2014/main" id="{8BAD318B-E645-824A-9720-39845495F13D}"/>
+              </a:ext>
+            </a:extLst>
+          </p:cNvPr>
+          <p:cNvSpPr/>
+          <p:nvPr/>
+        </p:nvSpPr>
+        <p:spPr>
+          <a:xfrm>
+            <a:off x="7791907" y="2765137"/>
+            <a:ext cx="1739758" cy="234792"/>
+          </a:xfrm>
+          <a:prstGeom prst="rect">
+            <a:avLst/>
+          </a:prstGeom>
+          <a:noFill/>
+          <a:ln>
+            <a:noFill/>
+          </a:ln>
+        </p:spPr>
+        <p:style>
+          <a:lnRef idx="2">
+            <a:schemeClr val="accent1">
+              <a:shade val="50000"/>
+            </a:schemeClr>
+          </a:lnRef>
+          <a:fillRef idx="1">
+            <a:schemeClr val="accent1"/>
+          </a:fillRef>
+          <a:effectRef idx="0">
+            <a:schemeClr val="accent1"/>
+          </a:effectRef>
+          <a:fontRef idx="minor">
+            <a:schemeClr val="lt1"/>
+          </a:fontRef>
+        </p:style>
+        <p:txBody>
+          <a:bodyPr rtlCol="0" anchor="ctr"/>
+          <a:lstStyle/>
+          <a:p>
+            <a:pPr algn="ctr"/>
+            <a:r>
+              <a:rPr lang="en-US" sz="900" dirty="0">
+                <a:solidFill>
+                  <a:schemeClr val="tx1"/>
+                </a:solidFill>
+                <a:latin typeface="Avenir Book" panose="02000503020000020003" pitchFamily="2" charset="0"/>
+              </a:rPr>
+              <a:t>QKD_OPEN(</a:t>
+            </a:r>
+            <a:r>
+              <a:rPr lang="en-US" sz="900" dirty="0" err="1">
+                <a:solidFill>
+                  <a:schemeClr val="tx1"/>
+                </a:solidFill>
+                <a:latin typeface="Avenir Book" panose="02000503020000020003" pitchFamily="2" charset="0"/>
+              </a:rPr>
+              <a:t>key_handle</a:t>
+            </a:r>
+            <a:r>
+              <a:rPr lang="en-US" sz="900" dirty="0">
+                <a:solidFill>
+                  <a:schemeClr val="tx1"/>
+                </a:solidFill>
+                <a:latin typeface="Avenir Book" panose="02000503020000020003" pitchFamily="2" charset="0"/>
+              </a:rPr>
+              <a:t>)</a:t>
+            </a:r>
+          </a:p>
+        </p:txBody>
+      </p:sp>
+      <p:sp>
+        <p:nvSpPr>
+          <p:cNvPr id="31" name="Rectangle 30">
+            <a:extLst>
+              <a:ext uri="{FF2B5EF4-FFF2-40B4-BE49-F238E27FC236}">
+                <a16:creationId xmlns:a16="http://schemas.microsoft.com/office/drawing/2014/main" id="{6AF31C7B-C516-7140-8863-B16298EC6763}"/>
+              </a:ext>
+            </a:extLst>
+          </p:cNvPr>
+          <p:cNvSpPr/>
+          <p:nvPr/>
+        </p:nvSpPr>
+        <p:spPr>
+          <a:xfrm>
+            <a:off x="4062189" y="3432248"/>
+            <a:ext cx="124193" cy="354705"/>
+          </a:xfrm>
+          <a:prstGeom prst="rect">
+            <a:avLst/>
+          </a:prstGeom>
+          <a:solidFill>
+            <a:schemeClr val="bg1"/>
+          </a:solidFill>
+          <a:ln>
+            <a:solidFill>
+              <a:schemeClr val="tx1"/>
+            </a:solidFill>
+          </a:ln>
+        </p:spPr>
+        <p:style>
+          <a:lnRef idx="2">
+            <a:schemeClr val="accent1">
+              <a:shade val="50000"/>
+            </a:schemeClr>
+          </a:lnRef>
+          <a:fillRef idx="1">
+            <a:schemeClr val="accent1"/>
+          </a:fillRef>
+          <a:effectRef idx="0">
+            <a:schemeClr val="accent1"/>
+          </a:effectRef>
+          <a:fontRef idx="minor">
+            <a:schemeClr val="lt1"/>
+          </a:fontRef>
+        </p:style>
+        <p:txBody>
+          <a:bodyPr rtlCol="0" anchor="ctr"/>
+          <a:lstStyle/>
+          <a:p>
+            <a:pPr algn="ctr"/>
+            <a:endParaRPr lang="en-US" sz="900" dirty="0">
+              <a:solidFill>
+                <a:schemeClr val="tx1"/>
+              </a:solidFill>
+              <a:latin typeface="Avenir Book" panose="02000503020000020003" pitchFamily="2" charset="0"/>
+            </a:endParaRPr>
+          </a:p>
+        </p:txBody>
+      </p:sp>
+      <p:cxnSp>
+        <p:nvCxnSpPr>
+          <p:cNvPr id="32" name="Straight Arrow Connector 31">
+            <a:extLst>
+              <a:ext uri="{FF2B5EF4-FFF2-40B4-BE49-F238E27FC236}">
+                <a16:creationId xmlns:a16="http://schemas.microsoft.com/office/drawing/2014/main" id="{1BACB0E0-53C8-DB4C-8F12-4A361927DB15}"/>
+              </a:ext>
+            </a:extLst>
+          </p:cNvPr>
+          <p:cNvCxnSpPr>
+            <a:cxnSpLocks/>
+          </p:cNvCxnSpPr>
+          <p:nvPr/>
+        </p:nvCxnSpPr>
+        <p:spPr>
+          <a:xfrm>
+            <a:off x="2382113" y="3432248"/>
+            <a:ext cx="1671794" cy="0"/>
+          </a:xfrm>
+          <a:prstGeom prst="straightConnector1">
+            <a:avLst/>
+          </a:prstGeom>
+          <a:ln>
+            <a:solidFill>
+              <a:schemeClr val="tx1"/>
+            </a:solidFill>
+            <a:tailEnd type="triangle"/>
+          </a:ln>
+        </p:spPr>
+        <p:style>
+          <a:lnRef idx="1">
+            <a:schemeClr val="accent1"/>
+          </a:lnRef>
+          <a:fillRef idx="0">
+            <a:schemeClr val="accent1"/>
+          </a:fillRef>
+          <a:effectRef idx="0">
+            <a:schemeClr val="accent1"/>
+          </a:effectRef>
+          <a:fontRef idx="minor">
+            <a:schemeClr val="tx1"/>
+          </a:fontRef>
+        </p:style>
+      </p:cxnSp>
+      <p:cxnSp>
+        <p:nvCxnSpPr>
+          <p:cNvPr id="33" name="Straight Arrow Connector 32">
+            <a:extLst>
+              <a:ext uri="{FF2B5EF4-FFF2-40B4-BE49-F238E27FC236}">
+                <a16:creationId xmlns:a16="http://schemas.microsoft.com/office/drawing/2014/main" id="{7670B476-4245-8B42-B1F5-98260D638D5F}"/>
+              </a:ext>
+            </a:extLst>
+          </p:cNvPr>
+          <p:cNvCxnSpPr>
+            <a:cxnSpLocks/>
+          </p:cNvCxnSpPr>
+          <p:nvPr/>
+        </p:nvCxnSpPr>
+        <p:spPr>
+          <a:xfrm flipH="1">
+            <a:off x="2388499" y="3786953"/>
+            <a:ext cx="1671794" cy="0"/>
+          </a:xfrm>
+          <a:prstGeom prst="straightConnector1">
+            <a:avLst/>
+          </a:prstGeom>
+          <a:ln>
+            <a:solidFill>
+              <a:schemeClr val="tx1"/>
+            </a:solidFill>
+            <a:prstDash val="dash"/>
+            <a:tailEnd type="triangle"/>
+          </a:ln>
+        </p:spPr>
+        <p:style>
+          <a:lnRef idx="1">
+            <a:schemeClr val="accent1"/>
+          </a:lnRef>
+          <a:fillRef idx="0">
+            <a:schemeClr val="accent1"/>
+          </a:fillRef>
+          <a:effectRef idx="0">
+            <a:schemeClr val="accent1"/>
+          </a:effectRef>
+          <a:fontRef idx="minor">
+            <a:schemeClr val="tx1"/>
+          </a:fontRef>
+        </p:style>
+      </p:cxnSp>
+      <p:sp>
+        <p:nvSpPr>
+          <p:cNvPr id="34" name="Rectangle 33">
+            <a:extLst>
+              <a:ext uri="{FF2B5EF4-FFF2-40B4-BE49-F238E27FC236}">
+                <a16:creationId xmlns:a16="http://schemas.microsoft.com/office/drawing/2014/main" id="{BAA004EA-5A5A-1F45-9F36-7268848F4118}"/>
+              </a:ext>
+            </a:extLst>
+          </p:cNvPr>
+          <p:cNvSpPr/>
+          <p:nvPr/>
+        </p:nvSpPr>
+        <p:spPr>
+          <a:xfrm>
+            <a:off x="2382113" y="3209403"/>
+            <a:ext cx="1739758" cy="234792"/>
+          </a:xfrm>
+          <a:prstGeom prst="rect">
+            <a:avLst/>
+          </a:prstGeom>
+          <a:noFill/>
+          <a:ln>
+            <a:noFill/>
+          </a:ln>
+        </p:spPr>
+        <p:style>
+          <a:lnRef idx="2">
+            <a:schemeClr val="accent1">
+              <a:shade val="50000"/>
+            </a:schemeClr>
+          </a:lnRef>
+          <a:fillRef idx="1">
+            <a:schemeClr val="accent1"/>
+          </a:fillRef>
+          <a:effectRef idx="0">
+            <a:schemeClr val="accent1"/>
+          </a:effectRef>
+          <a:fontRef idx="minor">
+            <a:schemeClr val="lt1"/>
+          </a:fontRef>
+        </p:style>
+        <p:txBody>
+          <a:bodyPr rtlCol="0" anchor="ctr"/>
+          <a:lstStyle/>
+          <a:p>
+            <a:pPr algn="ctr"/>
+            <a:r>
+              <a:rPr lang="en-US" sz="900" dirty="0">
+                <a:solidFill>
+                  <a:schemeClr val="tx1"/>
+                </a:solidFill>
+                <a:latin typeface="Avenir Book" panose="02000503020000020003" pitchFamily="2" charset="0"/>
+              </a:rPr>
+              <a:t>QKD_CONNECT_BLOCKING</a:t>
+            </a:r>
+          </a:p>
+        </p:txBody>
+      </p:sp>
+      <p:sp>
+        <p:nvSpPr>
+          <p:cNvPr id="35" name="Rectangle 34">
+            <a:extLst>
+              <a:ext uri="{FF2B5EF4-FFF2-40B4-BE49-F238E27FC236}">
+                <a16:creationId xmlns:a16="http://schemas.microsoft.com/office/drawing/2014/main" id="{297BBBE7-273F-C849-889D-0C372F98A4F6}"/>
+              </a:ext>
+            </a:extLst>
+          </p:cNvPr>
+          <p:cNvSpPr/>
+          <p:nvPr/>
+        </p:nvSpPr>
+        <p:spPr>
+          <a:xfrm>
+            <a:off x="2390654" y="3585935"/>
+            <a:ext cx="1739758" cy="234792"/>
+          </a:xfrm>
+          <a:prstGeom prst="rect">
+            <a:avLst/>
+          </a:prstGeom>
+          <a:noFill/>
+          <a:ln>
+            <a:noFill/>
+          </a:ln>
+        </p:spPr>
+        <p:style>
+          <a:lnRef idx="2">
+            <a:schemeClr val="accent1">
+              <a:shade val="50000"/>
+            </a:schemeClr>
+          </a:lnRef>
+          <a:fillRef idx="1">
+            <a:schemeClr val="accent1"/>
+          </a:fillRef>
+          <a:effectRef idx="0">
+            <a:schemeClr val="accent1"/>
+          </a:effectRef>
+          <a:fontRef idx="minor">
+            <a:schemeClr val="lt1"/>
+          </a:fontRef>
+        </p:style>
+        <p:txBody>
+          <a:bodyPr rtlCol="0" anchor="ctr"/>
+          <a:lstStyle/>
+          <a:p>
+            <a:pPr algn="ctr"/>
+            <a:r>
+              <a:rPr lang="en-US" sz="900" dirty="0">
+                <a:solidFill>
+                  <a:schemeClr val="tx1"/>
+                </a:solidFill>
+                <a:latin typeface="Avenir Book" panose="02000503020000020003" pitchFamily="2" charset="0"/>
+              </a:rPr>
+              <a:t>Connection OK</a:t>
+            </a:r>
+          </a:p>
+        </p:txBody>
+      </p:sp>
+      <p:sp>
+        <p:nvSpPr>
+          <p:cNvPr id="36" name="Rectangle 35">
+            <a:extLst>
+              <a:ext uri="{FF2B5EF4-FFF2-40B4-BE49-F238E27FC236}">
+                <a16:creationId xmlns:a16="http://schemas.microsoft.com/office/drawing/2014/main" id="{C786A821-6A69-EC41-977D-BE8C037F059D}"/>
+              </a:ext>
+            </a:extLst>
+          </p:cNvPr>
+          <p:cNvSpPr/>
+          <p:nvPr/>
+        </p:nvSpPr>
+        <p:spPr>
+          <a:xfrm>
+            <a:off x="7678961" y="3432248"/>
+            <a:ext cx="124193" cy="354705"/>
+          </a:xfrm>
+          <a:prstGeom prst="rect">
+            <a:avLst/>
+          </a:prstGeom>
+          <a:solidFill>
+            <a:schemeClr val="bg1"/>
+          </a:solidFill>
+          <a:ln>
+            <a:solidFill>
+              <a:schemeClr val="tx1"/>
+            </a:solidFill>
+          </a:ln>
+        </p:spPr>
+        <p:style>
+          <a:lnRef idx="2">
+            <a:schemeClr val="accent1">
+              <a:shade val="50000"/>
+            </a:schemeClr>
+          </a:lnRef>
+          <a:fillRef idx="1">
+            <a:schemeClr val="accent1"/>
+          </a:fillRef>
+          <a:effectRef idx="0">
+            <a:schemeClr val="accent1"/>
+          </a:effectRef>
+          <a:fontRef idx="minor">
+            <a:schemeClr val="lt1"/>
+          </a:fontRef>
+        </p:style>
+        <p:txBody>
+          <a:bodyPr rtlCol="0" anchor="ctr"/>
+          <a:lstStyle/>
+          <a:p>
+            <a:pPr algn="ctr"/>
+            <a:endParaRPr lang="en-US" sz="900" dirty="0">
+              <a:solidFill>
+                <a:schemeClr val="tx1"/>
+              </a:solidFill>
+              <a:latin typeface="Avenir Book" panose="02000503020000020003" pitchFamily="2" charset="0"/>
+            </a:endParaRPr>
+          </a:p>
+        </p:txBody>
+      </p:sp>
+      <p:cxnSp>
+        <p:nvCxnSpPr>
+          <p:cNvPr id="37" name="Straight Arrow Connector 36">
+            <a:extLst>
+              <a:ext uri="{FF2B5EF4-FFF2-40B4-BE49-F238E27FC236}">
+                <a16:creationId xmlns:a16="http://schemas.microsoft.com/office/drawing/2014/main" id="{93B20877-AE8C-6D45-B055-D090A2272358}"/>
+              </a:ext>
+            </a:extLst>
+          </p:cNvPr>
+          <p:cNvCxnSpPr>
+            <a:cxnSpLocks/>
+          </p:cNvCxnSpPr>
+          <p:nvPr/>
+        </p:nvCxnSpPr>
+        <p:spPr>
+          <a:xfrm flipH="1">
+            <a:off x="7803253" y="3432248"/>
+            <a:ext cx="1671794" cy="0"/>
+          </a:xfrm>
+          <a:prstGeom prst="straightConnector1">
+            <a:avLst/>
+          </a:prstGeom>
+          <a:ln>
+            <a:solidFill>
+              <a:schemeClr val="tx1"/>
+            </a:solidFill>
+            <a:tailEnd type="triangle"/>
+          </a:ln>
+        </p:spPr>
+        <p:style>
+          <a:lnRef idx="1">
+            <a:schemeClr val="accent1"/>
+          </a:lnRef>
+          <a:fillRef idx="0">
+            <a:schemeClr val="accent1"/>
+          </a:fillRef>
+          <a:effectRef idx="0">
+            <a:schemeClr val="accent1"/>
+          </a:effectRef>
+          <a:fontRef idx="minor">
+            <a:schemeClr val="tx1"/>
+          </a:fontRef>
+        </p:style>
+      </p:cxnSp>
+      <p:cxnSp>
+        <p:nvCxnSpPr>
+          <p:cNvPr id="38" name="Straight Arrow Connector 37">
+            <a:extLst>
+              <a:ext uri="{FF2B5EF4-FFF2-40B4-BE49-F238E27FC236}">
+                <a16:creationId xmlns:a16="http://schemas.microsoft.com/office/drawing/2014/main" id="{FC107E8F-FC15-A64F-B95D-50FED53EB091}"/>
+              </a:ext>
+            </a:extLst>
+          </p:cNvPr>
+          <p:cNvCxnSpPr>
+            <a:cxnSpLocks/>
+          </p:cNvCxnSpPr>
+          <p:nvPr/>
+        </p:nvCxnSpPr>
+        <p:spPr>
+          <a:xfrm>
+            <a:off x="7794729" y="3786953"/>
+            <a:ext cx="1671794" cy="0"/>
+          </a:xfrm>
+          <a:prstGeom prst="straightConnector1">
+            <a:avLst/>
+          </a:prstGeom>
+          <a:ln>
+            <a:solidFill>
+              <a:schemeClr val="tx1"/>
+            </a:solidFill>
+            <a:prstDash val="dash"/>
+            <a:tailEnd type="triangle"/>
+          </a:ln>
+        </p:spPr>
+        <p:style>
+          <a:lnRef idx="1">
+            <a:schemeClr val="accent1"/>
+          </a:lnRef>
+          <a:fillRef idx="0">
+            <a:schemeClr val="accent1"/>
+          </a:fillRef>
+          <a:effectRef idx="0">
+            <a:schemeClr val="accent1"/>
+          </a:effectRef>
+          <a:fontRef idx="minor">
+            <a:schemeClr val="tx1"/>
+          </a:fontRef>
+        </p:style>
+      </p:cxnSp>
+      <p:sp>
+        <p:nvSpPr>
+          <p:cNvPr id="39" name="Rectangle 38">
+            <a:extLst>
+              <a:ext uri="{FF2B5EF4-FFF2-40B4-BE49-F238E27FC236}">
+                <a16:creationId xmlns:a16="http://schemas.microsoft.com/office/drawing/2014/main" id="{4B61DAC1-A9EC-3347-B749-B545D1AD1C4B}"/>
+              </a:ext>
+            </a:extLst>
+          </p:cNvPr>
+          <p:cNvSpPr/>
+          <p:nvPr/>
+        </p:nvSpPr>
+        <p:spPr>
+          <a:xfrm>
+            <a:off x="7738643" y="3209403"/>
+            <a:ext cx="1739758" cy="234792"/>
+          </a:xfrm>
+          <a:prstGeom prst="rect">
+            <a:avLst/>
+          </a:prstGeom>
+          <a:noFill/>
+          <a:ln>
+            <a:noFill/>
+          </a:ln>
+        </p:spPr>
+        <p:style>
+          <a:lnRef idx="2">
+            <a:schemeClr val="accent1">
+              <a:shade val="50000"/>
+            </a:schemeClr>
+          </a:lnRef>
+          <a:fillRef idx="1">
+            <a:schemeClr val="accent1"/>
+          </a:fillRef>
+          <a:effectRef idx="0">
+            <a:schemeClr val="accent1"/>
+          </a:effectRef>
+          <a:fontRef idx="minor">
+            <a:schemeClr val="lt1"/>
+          </a:fontRef>
+        </p:style>
+        <p:txBody>
+          <a:bodyPr rtlCol="0" anchor="ctr"/>
+          <a:lstStyle/>
+          <a:p>
+            <a:pPr algn="ctr"/>
+            <a:r>
+              <a:rPr lang="en-US" sz="900" dirty="0">
+                <a:solidFill>
+                  <a:schemeClr val="tx1"/>
+                </a:solidFill>
+                <a:latin typeface="Avenir Book" panose="02000503020000020003" pitchFamily="2" charset="0"/>
+              </a:rPr>
+              <a:t>QKD_CONNECT_BLOCKING</a:t>
+            </a:r>
+          </a:p>
+        </p:txBody>
+      </p:sp>
+      <p:sp>
+        <p:nvSpPr>
+          <p:cNvPr id="40" name="Rectangle 39">
+            <a:extLst>
+              <a:ext uri="{FF2B5EF4-FFF2-40B4-BE49-F238E27FC236}">
+                <a16:creationId xmlns:a16="http://schemas.microsoft.com/office/drawing/2014/main" id="{40EC9004-A468-874B-B3D9-DEEC101A5158}"/>
+              </a:ext>
+            </a:extLst>
+          </p:cNvPr>
+          <p:cNvSpPr/>
+          <p:nvPr/>
+        </p:nvSpPr>
+        <p:spPr>
+          <a:xfrm>
+            <a:off x="7747184" y="3585935"/>
+            <a:ext cx="1739758" cy="234792"/>
+          </a:xfrm>
+          <a:prstGeom prst="rect">
+            <a:avLst/>
+          </a:prstGeom>
+          <a:noFill/>
+          <a:ln>
+            <a:noFill/>
+          </a:ln>
+        </p:spPr>
+        <p:style>
+          <a:lnRef idx="2">
+            <a:schemeClr val="accent1">
+              <a:shade val="50000"/>
+            </a:schemeClr>
+          </a:lnRef>
+          <a:fillRef idx="1">
+            <a:schemeClr val="accent1"/>
+          </a:fillRef>
+          <a:effectRef idx="0">
+            <a:schemeClr val="accent1"/>
+          </a:effectRef>
+          <a:fontRef idx="minor">
+            <a:schemeClr val="lt1"/>
+          </a:fontRef>
+        </p:style>
+        <p:txBody>
+          <a:bodyPr rtlCol="0" anchor="ctr"/>
+          <a:lstStyle/>
+          <a:p>
+            <a:pPr algn="ctr"/>
+            <a:r>
+              <a:rPr lang="en-US" sz="900" dirty="0">
+                <a:solidFill>
+                  <a:schemeClr val="tx1"/>
+                </a:solidFill>
+                <a:latin typeface="Avenir Book" panose="02000503020000020003" pitchFamily="2" charset="0"/>
+              </a:rPr>
+              <a:t>Connection OK</a:t>
+            </a:r>
+          </a:p>
+        </p:txBody>
+      </p:sp>
+      <p:sp>
+        <p:nvSpPr>
+          <p:cNvPr id="41" name="Rectangle 40">
+            <a:extLst>
+              <a:ext uri="{FF2B5EF4-FFF2-40B4-BE49-F238E27FC236}">
+                <a16:creationId xmlns:a16="http://schemas.microsoft.com/office/drawing/2014/main" id="{451D7B6A-8B37-5143-8CC5-D664AFE027C7}"/>
+              </a:ext>
+            </a:extLst>
+          </p:cNvPr>
+          <p:cNvSpPr/>
+          <p:nvPr/>
+        </p:nvSpPr>
+        <p:spPr>
+          <a:xfrm>
+            <a:off x="4045144" y="4370452"/>
+            <a:ext cx="124193" cy="354705"/>
+          </a:xfrm>
+          <a:prstGeom prst="rect">
+            <a:avLst/>
+          </a:prstGeom>
+          <a:solidFill>
+            <a:schemeClr val="bg1"/>
+          </a:solidFill>
+          <a:ln>
+            <a:solidFill>
+              <a:schemeClr val="tx1"/>
+            </a:solidFill>
+          </a:ln>
+        </p:spPr>
+        <p:style>
+          <a:lnRef idx="2">
+            <a:schemeClr val="accent1">
+              <a:shade val="50000"/>
+            </a:schemeClr>
+          </a:lnRef>
+          <a:fillRef idx="1">
+            <a:schemeClr val="accent1"/>
+          </a:fillRef>
+          <a:effectRef idx="0">
+            <a:schemeClr val="accent1"/>
+          </a:effectRef>
+          <a:fontRef idx="minor">
+            <a:schemeClr val="lt1"/>
+          </a:fontRef>
+        </p:style>
+        <p:txBody>
+          <a:bodyPr rtlCol="0" anchor="ctr"/>
+          <a:lstStyle/>
+          <a:p>
+            <a:pPr algn="ctr"/>
+            <a:endParaRPr lang="en-US" sz="900" dirty="0">
+              <a:solidFill>
+                <a:schemeClr val="tx1"/>
+              </a:solidFill>
+              <a:latin typeface="Avenir Book" panose="02000503020000020003" pitchFamily="2" charset="0"/>
+            </a:endParaRPr>
+          </a:p>
+        </p:txBody>
+      </p:sp>
+      <p:cxnSp>
+        <p:nvCxnSpPr>
+          <p:cNvPr id="42" name="Straight Arrow Connector 41">
+            <a:extLst>
+              <a:ext uri="{FF2B5EF4-FFF2-40B4-BE49-F238E27FC236}">
+                <a16:creationId xmlns:a16="http://schemas.microsoft.com/office/drawing/2014/main" id="{41F607EF-BAEC-4143-8AD2-AB4600B76840}"/>
+              </a:ext>
+            </a:extLst>
+          </p:cNvPr>
+          <p:cNvCxnSpPr>
+            <a:cxnSpLocks/>
+          </p:cNvCxnSpPr>
+          <p:nvPr/>
+        </p:nvCxnSpPr>
+        <p:spPr>
+          <a:xfrm>
+            <a:off x="2365068" y="4370452"/>
+            <a:ext cx="1671794" cy="0"/>
+          </a:xfrm>
+          <a:prstGeom prst="straightConnector1">
+            <a:avLst/>
+          </a:prstGeom>
+          <a:ln>
+            <a:solidFill>
+              <a:schemeClr val="tx1"/>
+            </a:solidFill>
+            <a:tailEnd type="triangle"/>
+          </a:ln>
+        </p:spPr>
+        <p:style>
+          <a:lnRef idx="1">
+            <a:schemeClr val="accent1"/>
+          </a:lnRef>
+          <a:fillRef idx="0">
+            <a:schemeClr val="accent1"/>
+          </a:fillRef>
+          <a:effectRef idx="0">
+            <a:schemeClr val="accent1"/>
+          </a:effectRef>
+          <a:fontRef idx="minor">
+            <a:schemeClr val="tx1"/>
+          </a:fontRef>
+        </p:style>
+      </p:cxnSp>
+      <p:cxnSp>
+        <p:nvCxnSpPr>
+          <p:cNvPr id="43" name="Straight Arrow Connector 42">
+            <a:extLst>
+              <a:ext uri="{FF2B5EF4-FFF2-40B4-BE49-F238E27FC236}">
+                <a16:creationId xmlns:a16="http://schemas.microsoft.com/office/drawing/2014/main" id="{F8D1E0F9-12A0-D244-89FE-BF117051024A}"/>
+              </a:ext>
+            </a:extLst>
+          </p:cNvPr>
+          <p:cNvCxnSpPr>
+            <a:cxnSpLocks/>
+          </p:cNvCxnSpPr>
+          <p:nvPr/>
+        </p:nvCxnSpPr>
+        <p:spPr>
+          <a:xfrm flipH="1">
+            <a:off x="2371454" y="4725157"/>
+            <a:ext cx="1671794" cy="0"/>
+          </a:xfrm>
+          <a:prstGeom prst="straightConnector1">
+            <a:avLst/>
+          </a:prstGeom>
+          <a:ln>
+            <a:solidFill>
+              <a:schemeClr val="tx1"/>
+            </a:solidFill>
+            <a:prstDash val="dash"/>
+            <a:tailEnd type="triangle"/>
+          </a:ln>
+        </p:spPr>
+        <p:style>
+          <a:lnRef idx="1">
+            <a:schemeClr val="accent1"/>
+          </a:lnRef>
+          <a:fillRef idx="0">
+            <a:schemeClr val="accent1"/>
+          </a:fillRef>
+          <a:effectRef idx="0">
+            <a:schemeClr val="accent1"/>
+          </a:effectRef>
+          <a:fontRef idx="minor">
+            <a:schemeClr val="tx1"/>
+          </a:fontRef>
+        </p:style>
+      </p:cxnSp>
+      <p:sp>
+        <p:nvSpPr>
+          <p:cNvPr id="44" name="Rectangle 43">
+            <a:extLst>
+              <a:ext uri="{FF2B5EF4-FFF2-40B4-BE49-F238E27FC236}">
+                <a16:creationId xmlns:a16="http://schemas.microsoft.com/office/drawing/2014/main" id="{3B8D31A0-F51A-5F4E-9A86-C0401B7DC2D0}"/>
+              </a:ext>
+            </a:extLst>
+          </p:cNvPr>
+          <p:cNvSpPr/>
+          <p:nvPr/>
+        </p:nvSpPr>
+        <p:spPr>
+          <a:xfrm>
+            <a:off x="2365068" y="4147607"/>
+            <a:ext cx="1739758" cy="234792"/>
+          </a:xfrm>
+          <a:prstGeom prst="rect">
+            <a:avLst/>
+          </a:prstGeom>
+          <a:noFill/>
+          <a:ln>
+            <a:noFill/>
+          </a:ln>
+        </p:spPr>
+        <p:style>
+          <a:lnRef idx="2">
+            <a:schemeClr val="accent1">
+              <a:shade val="50000"/>
+            </a:schemeClr>
+          </a:lnRef>
+          <a:fillRef idx="1">
+            <a:schemeClr val="accent1"/>
+          </a:fillRef>
+          <a:effectRef idx="0">
+            <a:schemeClr val="accent1"/>
+          </a:effectRef>
+          <a:fontRef idx="minor">
+            <a:schemeClr val="lt1"/>
+          </a:fontRef>
+        </p:style>
+        <p:txBody>
+          <a:bodyPr rtlCol="0" anchor="ctr"/>
+          <a:lstStyle/>
+          <a:p>
+            <a:pPr algn="ctr"/>
+            <a:r>
+              <a:rPr lang="en-US" sz="900" dirty="0">
+                <a:solidFill>
+                  <a:schemeClr val="tx1"/>
+                </a:solidFill>
+                <a:latin typeface="Avenir Book" panose="02000503020000020003" pitchFamily="2" charset="0"/>
+              </a:rPr>
+              <a:t>QKD_GET_KEY(</a:t>
+            </a:r>
+            <a:r>
+              <a:rPr lang="en-US" sz="900" dirty="0" err="1">
+                <a:solidFill>
+                  <a:schemeClr val="tx1"/>
+                </a:solidFill>
+                <a:latin typeface="Avenir Book" panose="02000503020000020003" pitchFamily="2" charset="0"/>
+              </a:rPr>
+              <a:t>key_handle</a:t>
+            </a:r>
+            <a:r>
+              <a:rPr lang="en-US" sz="900" dirty="0">
+                <a:solidFill>
+                  <a:schemeClr val="tx1"/>
+                </a:solidFill>
+                <a:latin typeface="Avenir Book" panose="02000503020000020003" pitchFamily="2" charset="0"/>
+              </a:rPr>
+              <a:t>)</a:t>
+            </a:r>
+          </a:p>
+        </p:txBody>
+      </p:sp>
+      <p:sp>
+        <p:nvSpPr>
+          <p:cNvPr id="45" name="Rectangle 44">
+            <a:extLst>
+              <a:ext uri="{FF2B5EF4-FFF2-40B4-BE49-F238E27FC236}">
+                <a16:creationId xmlns:a16="http://schemas.microsoft.com/office/drawing/2014/main" id="{E137686A-EB1D-7C4C-A118-5D0F898D2F0B}"/>
+              </a:ext>
+            </a:extLst>
+          </p:cNvPr>
+          <p:cNvSpPr/>
+          <p:nvPr/>
+        </p:nvSpPr>
+        <p:spPr>
+          <a:xfrm>
+            <a:off x="2373609" y="4524139"/>
+            <a:ext cx="1739758" cy="234792"/>
+          </a:xfrm>
+          <a:prstGeom prst="rect">
+            <a:avLst/>
+          </a:prstGeom>
+          <a:noFill/>
+          <a:ln>
+            <a:noFill/>
+          </a:ln>
+        </p:spPr>
+        <p:style>
+          <a:lnRef idx="2">
+            <a:schemeClr val="accent1">
+              <a:shade val="50000"/>
+            </a:schemeClr>
+          </a:lnRef>
+          <a:fillRef idx="1">
+            <a:schemeClr val="accent1"/>
+          </a:fillRef>
+          <a:effectRef idx="0">
+            <a:schemeClr val="accent1"/>
+          </a:effectRef>
+          <a:fontRef idx="minor">
+            <a:schemeClr val="lt1"/>
+          </a:fontRef>
+        </p:style>
+        <p:txBody>
+          <a:bodyPr rtlCol="0" anchor="ctr"/>
+          <a:lstStyle/>
+          <a:p>
+            <a:pPr algn="ctr"/>
+            <a:r>
+              <a:rPr lang="en-US" sz="900" dirty="0" err="1">
+                <a:solidFill>
+                  <a:schemeClr val="tx1"/>
+                </a:solidFill>
+                <a:latin typeface="Avenir Book" panose="02000503020000020003" pitchFamily="2" charset="0"/>
+              </a:rPr>
+              <a:t>key_buffer</a:t>
+            </a:r>
+            <a:endParaRPr lang="en-US" sz="900" dirty="0">
+              <a:solidFill>
+                <a:schemeClr val="tx1"/>
+              </a:solidFill>
+              <a:latin typeface="Avenir Book" panose="02000503020000020003" pitchFamily="2" charset="0"/>
+            </a:endParaRPr>
+          </a:p>
+        </p:txBody>
+      </p:sp>
+      <p:sp>
+        <p:nvSpPr>
+          <p:cNvPr id="46" name="Rectangle 45">
+            <a:extLst>
+              <a:ext uri="{FF2B5EF4-FFF2-40B4-BE49-F238E27FC236}">
+                <a16:creationId xmlns:a16="http://schemas.microsoft.com/office/drawing/2014/main" id="{526DB1C9-3E6C-274E-9924-168FF80CAADD}"/>
+              </a:ext>
+            </a:extLst>
+          </p:cNvPr>
+          <p:cNvSpPr/>
+          <p:nvPr/>
+        </p:nvSpPr>
+        <p:spPr>
+          <a:xfrm>
+            <a:off x="7661916" y="4370452"/>
+            <a:ext cx="124193" cy="354705"/>
+          </a:xfrm>
+          <a:prstGeom prst="rect">
+            <a:avLst/>
+          </a:prstGeom>
+          <a:solidFill>
+            <a:schemeClr val="bg1"/>
+          </a:solidFill>
+          <a:ln>
+            <a:solidFill>
+              <a:schemeClr val="tx1"/>
+            </a:solidFill>
+          </a:ln>
+        </p:spPr>
+        <p:style>
+          <a:lnRef idx="2">
+            <a:schemeClr val="accent1">
+              <a:shade val="50000"/>
+            </a:schemeClr>
+          </a:lnRef>
+          <a:fillRef idx="1">
+            <a:schemeClr val="accent1"/>
+          </a:fillRef>
+          <a:effectRef idx="0">
+            <a:schemeClr val="accent1"/>
+          </a:effectRef>
+          <a:fontRef idx="minor">
+            <a:schemeClr val="lt1"/>
+          </a:fontRef>
+        </p:style>
+        <p:txBody>
+          <a:bodyPr rtlCol="0" anchor="ctr"/>
+          <a:lstStyle/>
+          <a:p>
+            <a:pPr algn="ctr"/>
+            <a:endParaRPr lang="en-US" sz="900" dirty="0">
+              <a:solidFill>
+                <a:schemeClr val="tx1"/>
+              </a:solidFill>
+              <a:latin typeface="Avenir Book" panose="02000503020000020003" pitchFamily="2" charset="0"/>
+            </a:endParaRPr>
+          </a:p>
+        </p:txBody>
+      </p:sp>
+      <p:cxnSp>
+        <p:nvCxnSpPr>
+          <p:cNvPr id="47" name="Straight Arrow Connector 46">
+            <a:extLst>
+              <a:ext uri="{FF2B5EF4-FFF2-40B4-BE49-F238E27FC236}">
+                <a16:creationId xmlns:a16="http://schemas.microsoft.com/office/drawing/2014/main" id="{DF222A15-BD16-4348-8E0A-CD93340802B0}"/>
+              </a:ext>
+            </a:extLst>
+          </p:cNvPr>
+          <p:cNvCxnSpPr>
+            <a:cxnSpLocks/>
+          </p:cNvCxnSpPr>
+          <p:nvPr/>
+        </p:nvCxnSpPr>
+        <p:spPr>
+          <a:xfrm flipH="1">
+            <a:off x="7786208" y="4370452"/>
+            <a:ext cx="1671794" cy="0"/>
+          </a:xfrm>
+          <a:prstGeom prst="straightConnector1">
+            <a:avLst/>
+          </a:prstGeom>
+          <a:ln>
+            <a:solidFill>
+              <a:schemeClr val="tx1"/>
+            </a:solidFill>
+            <a:tailEnd type="triangle"/>
+          </a:ln>
+        </p:spPr>
+        <p:style>
+          <a:lnRef idx="1">
+            <a:schemeClr val="accent1"/>
+          </a:lnRef>
+          <a:fillRef idx="0">
+            <a:schemeClr val="accent1"/>
+          </a:fillRef>
+          <a:effectRef idx="0">
+            <a:schemeClr val="accent1"/>
+          </a:effectRef>
+          <a:fontRef idx="minor">
+            <a:schemeClr val="tx1"/>
+          </a:fontRef>
+        </p:style>
+      </p:cxnSp>
+      <p:cxnSp>
+        <p:nvCxnSpPr>
+          <p:cNvPr id="48" name="Straight Arrow Connector 47">
+            <a:extLst>
+              <a:ext uri="{FF2B5EF4-FFF2-40B4-BE49-F238E27FC236}">
+                <a16:creationId xmlns:a16="http://schemas.microsoft.com/office/drawing/2014/main" id="{D9BB9607-C7DC-8341-BC78-1F8A02443EE8}"/>
+              </a:ext>
+            </a:extLst>
+          </p:cNvPr>
+          <p:cNvCxnSpPr>
+            <a:cxnSpLocks/>
+          </p:cNvCxnSpPr>
+          <p:nvPr/>
+        </p:nvCxnSpPr>
+        <p:spPr>
+          <a:xfrm>
+            <a:off x="7777684" y="4725157"/>
+            <a:ext cx="1671794" cy="0"/>
+          </a:xfrm>
+          <a:prstGeom prst="straightConnector1">
+            <a:avLst/>
+          </a:prstGeom>
+          <a:ln>
+            <a:solidFill>
+              <a:schemeClr val="tx1"/>
+            </a:solidFill>
+            <a:prstDash val="dash"/>
+            <a:tailEnd type="triangle"/>
+          </a:ln>
+        </p:spPr>
+        <p:style>
+          <a:lnRef idx="1">
+            <a:schemeClr val="accent1"/>
+          </a:lnRef>
+          <a:fillRef idx="0">
+            <a:schemeClr val="accent1"/>
+          </a:fillRef>
+          <a:effectRef idx="0">
+            <a:schemeClr val="accent1"/>
+          </a:effectRef>
+          <a:fontRef idx="minor">
+            <a:schemeClr val="tx1"/>
+          </a:fontRef>
+        </p:style>
+      </p:cxnSp>
+      <p:sp>
+        <p:nvSpPr>
+          <p:cNvPr id="49" name="Rectangle 48">
+            <a:extLst>
+              <a:ext uri="{FF2B5EF4-FFF2-40B4-BE49-F238E27FC236}">
+                <a16:creationId xmlns:a16="http://schemas.microsoft.com/office/drawing/2014/main" id="{A6448572-223B-844A-ABD2-B1987E85D075}"/>
+              </a:ext>
+            </a:extLst>
+          </p:cNvPr>
+          <p:cNvSpPr/>
+          <p:nvPr/>
+        </p:nvSpPr>
+        <p:spPr>
+          <a:xfrm>
+            <a:off x="7721598" y="4147607"/>
+            <a:ext cx="1739758" cy="234792"/>
+          </a:xfrm>
+          <a:prstGeom prst="rect">
+            <a:avLst/>
+          </a:prstGeom>
+          <a:noFill/>
+          <a:ln>
+            <a:noFill/>
+          </a:ln>
+        </p:spPr>
+        <p:style>
+          <a:lnRef idx="2">
+            <a:schemeClr val="accent1">
+              <a:shade val="50000"/>
+            </a:schemeClr>
+          </a:lnRef>
+          <a:fillRef idx="1">
+            <a:schemeClr val="accent1"/>
+          </a:fillRef>
+          <a:effectRef idx="0">
+            <a:schemeClr val="accent1"/>
+          </a:effectRef>
+          <a:fontRef idx="minor">
+            <a:schemeClr val="lt1"/>
+          </a:fontRef>
+        </p:style>
+        <p:txBody>
+          <a:bodyPr rtlCol="0" anchor="ctr"/>
+          <a:lstStyle/>
+          <a:p>
+            <a:pPr algn="ctr"/>
+            <a:r>
+              <a:rPr lang="en-US" sz="900" dirty="0">
+                <a:solidFill>
+                  <a:schemeClr val="tx1"/>
+                </a:solidFill>
+                <a:latin typeface="Avenir Book" panose="02000503020000020003" pitchFamily="2" charset="0"/>
+              </a:rPr>
+              <a:t>QKD_GET_KEY(</a:t>
+            </a:r>
+            <a:r>
+              <a:rPr lang="en-US" sz="900" dirty="0" err="1">
+                <a:solidFill>
+                  <a:schemeClr val="tx1"/>
+                </a:solidFill>
+                <a:latin typeface="Avenir Book" panose="02000503020000020003" pitchFamily="2" charset="0"/>
+              </a:rPr>
+              <a:t>key_handle</a:t>
+            </a:r>
+            <a:r>
+              <a:rPr lang="en-US" sz="900" dirty="0">
+                <a:solidFill>
+                  <a:schemeClr val="tx1"/>
+                </a:solidFill>
+                <a:latin typeface="Avenir Book" panose="02000503020000020003" pitchFamily="2" charset="0"/>
+              </a:rPr>
+              <a:t>)</a:t>
+            </a:r>
+          </a:p>
+        </p:txBody>
+      </p:sp>
+      <p:sp>
+        <p:nvSpPr>
+          <p:cNvPr id="50" name="Rectangle 49">
+            <a:extLst>
+              <a:ext uri="{FF2B5EF4-FFF2-40B4-BE49-F238E27FC236}">
+                <a16:creationId xmlns:a16="http://schemas.microsoft.com/office/drawing/2014/main" id="{4B1D2385-0F5D-7849-8D33-DC9B0171DE19}"/>
+              </a:ext>
+            </a:extLst>
+          </p:cNvPr>
+          <p:cNvSpPr/>
+          <p:nvPr/>
+        </p:nvSpPr>
+        <p:spPr>
+          <a:xfrm>
+            <a:off x="7730139" y="4524139"/>
+            <a:ext cx="1739758" cy="234792"/>
+          </a:xfrm>
+          <a:prstGeom prst="rect">
+            <a:avLst/>
+          </a:prstGeom>
+          <a:noFill/>
+          <a:ln>
+            <a:noFill/>
+          </a:ln>
+        </p:spPr>
+        <p:style>
+          <a:lnRef idx="2">
+            <a:schemeClr val="accent1">
+              <a:shade val="50000"/>
+            </a:schemeClr>
+          </a:lnRef>
+          <a:fillRef idx="1">
+            <a:schemeClr val="accent1"/>
+          </a:fillRef>
+          <a:effectRef idx="0">
+            <a:schemeClr val="accent1"/>
+          </a:effectRef>
+          <a:fontRef idx="minor">
+            <a:schemeClr val="lt1"/>
+          </a:fontRef>
+        </p:style>
+        <p:txBody>
+          <a:bodyPr rtlCol="0" anchor="ctr"/>
+          <a:lstStyle/>
+          <a:p>
+            <a:pPr algn="ctr"/>
+            <a:r>
+              <a:rPr lang="en-US" sz="900" dirty="0" err="1">
+                <a:solidFill>
+                  <a:schemeClr val="tx1"/>
+                </a:solidFill>
+                <a:latin typeface="Avenir Book" panose="02000503020000020003" pitchFamily="2" charset="0"/>
+              </a:rPr>
+              <a:t>key_buffer</a:t>
+            </a:r>
+            <a:endParaRPr lang="en-US" sz="900" dirty="0">
+              <a:solidFill>
+                <a:schemeClr val="tx1"/>
+              </a:solidFill>
+              <a:latin typeface="Avenir Book" panose="02000503020000020003" pitchFamily="2" charset="0"/>
+            </a:endParaRPr>
+          </a:p>
+        </p:txBody>
+      </p:sp>
+      <p:cxnSp>
+        <p:nvCxnSpPr>
+          <p:cNvPr id="51" name="Straight Arrow Connector 50">
+            <a:extLst>
+              <a:ext uri="{FF2B5EF4-FFF2-40B4-BE49-F238E27FC236}">
+                <a16:creationId xmlns:a16="http://schemas.microsoft.com/office/drawing/2014/main" id="{92026E72-0052-164E-8265-9F6677E860A9}"/>
+              </a:ext>
+            </a:extLst>
+          </p:cNvPr>
+          <p:cNvCxnSpPr>
+            <a:cxnSpLocks/>
+          </p:cNvCxnSpPr>
+          <p:nvPr/>
+        </p:nvCxnSpPr>
+        <p:spPr>
+          <a:xfrm>
+            <a:off x="2365068" y="5290760"/>
+            <a:ext cx="1735490" cy="0"/>
+          </a:xfrm>
+          <a:prstGeom prst="straightConnector1">
+            <a:avLst/>
+          </a:prstGeom>
+          <a:ln>
+            <a:solidFill>
+              <a:schemeClr val="tx1"/>
+            </a:solidFill>
+            <a:tailEnd type="triangle"/>
+          </a:ln>
+        </p:spPr>
+        <p:style>
+          <a:lnRef idx="1">
+            <a:schemeClr val="accent1"/>
+          </a:lnRef>
+          <a:fillRef idx="0">
+            <a:schemeClr val="accent1"/>
+          </a:fillRef>
+          <a:effectRef idx="0">
+            <a:schemeClr val="accent1"/>
+          </a:effectRef>
+          <a:fontRef idx="minor">
+            <a:schemeClr val="tx1"/>
+          </a:fontRef>
+        </p:style>
+      </p:cxnSp>
+      <p:sp>
+        <p:nvSpPr>
+          <p:cNvPr id="52" name="Rectangle 51">
+            <a:extLst>
+              <a:ext uri="{FF2B5EF4-FFF2-40B4-BE49-F238E27FC236}">
+                <a16:creationId xmlns:a16="http://schemas.microsoft.com/office/drawing/2014/main" id="{DBB289E6-F51A-754E-9B19-E16257185CF9}"/>
+              </a:ext>
+            </a:extLst>
+          </p:cNvPr>
+          <p:cNvSpPr/>
+          <p:nvPr/>
+        </p:nvSpPr>
+        <p:spPr>
+          <a:xfrm>
+            <a:off x="2365068" y="5067915"/>
+            <a:ext cx="1739758" cy="234792"/>
+          </a:xfrm>
+          <a:prstGeom prst="rect">
+            <a:avLst/>
+          </a:prstGeom>
+          <a:noFill/>
+          <a:ln>
+            <a:noFill/>
+          </a:ln>
+        </p:spPr>
+        <p:style>
+          <a:lnRef idx="2">
+            <a:schemeClr val="accent1">
+              <a:shade val="50000"/>
+            </a:schemeClr>
+          </a:lnRef>
+          <a:fillRef idx="1">
+            <a:schemeClr val="accent1"/>
+          </a:fillRef>
+          <a:effectRef idx="0">
+            <a:schemeClr val="accent1"/>
+          </a:effectRef>
+          <a:fontRef idx="minor">
+            <a:schemeClr val="lt1"/>
+          </a:fontRef>
+        </p:style>
+        <p:txBody>
+          <a:bodyPr rtlCol="0" anchor="ctr"/>
+          <a:lstStyle/>
+          <a:p>
+            <a:pPr algn="ctr"/>
+            <a:r>
+              <a:rPr lang="en-US" sz="900" dirty="0">
+                <a:solidFill>
+                  <a:schemeClr val="tx1"/>
+                </a:solidFill>
+                <a:latin typeface="Avenir Book" panose="02000503020000020003" pitchFamily="2" charset="0"/>
+              </a:rPr>
+              <a:t>QKD_CLOSE(</a:t>
+            </a:r>
+            <a:r>
+              <a:rPr lang="en-US" sz="900" dirty="0" err="1">
+                <a:solidFill>
+                  <a:schemeClr val="tx1"/>
+                </a:solidFill>
+                <a:latin typeface="Avenir Book" panose="02000503020000020003" pitchFamily="2" charset="0"/>
+              </a:rPr>
+              <a:t>key_handle</a:t>
+            </a:r>
+            <a:r>
+              <a:rPr lang="en-US" sz="900" dirty="0">
+                <a:solidFill>
+                  <a:schemeClr val="tx1"/>
+                </a:solidFill>
+                <a:latin typeface="Avenir Book" panose="02000503020000020003" pitchFamily="2" charset="0"/>
+              </a:rPr>
+              <a:t>)</a:t>
+            </a:r>
+          </a:p>
+        </p:txBody>
+      </p:sp>
+      <p:cxnSp>
+        <p:nvCxnSpPr>
+          <p:cNvPr id="53" name="Straight Arrow Connector 52">
+            <a:extLst>
+              <a:ext uri="{FF2B5EF4-FFF2-40B4-BE49-F238E27FC236}">
+                <a16:creationId xmlns:a16="http://schemas.microsoft.com/office/drawing/2014/main" id="{9A0DCB40-1C6D-F74F-956A-98B668E03A53}"/>
+              </a:ext>
+            </a:extLst>
+          </p:cNvPr>
+          <p:cNvCxnSpPr>
+            <a:cxnSpLocks/>
+          </p:cNvCxnSpPr>
+          <p:nvPr/>
+        </p:nvCxnSpPr>
+        <p:spPr>
+          <a:xfrm flipH="1">
+            <a:off x="7747184" y="5290760"/>
+            <a:ext cx="1710818" cy="0"/>
+          </a:xfrm>
+          <a:prstGeom prst="straightConnector1">
+            <a:avLst/>
+          </a:prstGeom>
+          <a:ln>
+            <a:solidFill>
+              <a:schemeClr val="tx1"/>
+            </a:solidFill>
+            <a:tailEnd type="triangle"/>
+          </a:ln>
+        </p:spPr>
+        <p:style>
+          <a:lnRef idx="1">
+            <a:schemeClr val="accent1"/>
+          </a:lnRef>
+          <a:fillRef idx="0">
+            <a:schemeClr val="accent1"/>
+          </a:fillRef>
+          <a:effectRef idx="0">
+            <a:schemeClr val="accent1"/>
+          </a:effectRef>
+          <a:fontRef idx="minor">
+            <a:schemeClr val="tx1"/>
+          </a:fontRef>
+        </p:style>
+      </p:cxnSp>
+      <p:sp>
+        <p:nvSpPr>
+          <p:cNvPr id="54" name="Rectangle 53">
+            <a:extLst>
+              <a:ext uri="{FF2B5EF4-FFF2-40B4-BE49-F238E27FC236}">
+                <a16:creationId xmlns:a16="http://schemas.microsoft.com/office/drawing/2014/main" id="{24725D74-6A1C-A54A-8C50-FBD1830C343D}"/>
+              </a:ext>
+            </a:extLst>
+          </p:cNvPr>
+          <p:cNvSpPr/>
+          <p:nvPr/>
+        </p:nvSpPr>
+        <p:spPr>
+          <a:xfrm>
+            <a:off x="7721598" y="5067915"/>
+            <a:ext cx="1739758" cy="234792"/>
+          </a:xfrm>
+          <a:prstGeom prst="rect">
+            <a:avLst/>
+          </a:prstGeom>
+          <a:noFill/>
+          <a:ln>
+            <a:noFill/>
+          </a:ln>
+        </p:spPr>
+        <p:style>
+          <a:lnRef idx="2">
+            <a:schemeClr val="accent1">
+              <a:shade val="50000"/>
+            </a:schemeClr>
+          </a:lnRef>
+          <a:fillRef idx="1">
+            <a:schemeClr val="accent1"/>
+          </a:fillRef>
+          <a:effectRef idx="0">
+            <a:schemeClr val="accent1"/>
+          </a:effectRef>
+          <a:fontRef idx="minor">
+            <a:schemeClr val="lt1"/>
+          </a:fontRef>
+        </p:style>
+        <p:txBody>
+          <a:bodyPr rtlCol="0" anchor="ctr"/>
+          <a:lstStyle/>
+          <a:p>
+            <a:pPr algn="ctr"/>
+            <a:r>
+              <a:rPr lang="en-US" sz="900" dirty="0">
+                <a:solidFill>
+                  <a:schemeClr val="tx1"/>
+                </a:solidFill>
+                <a:latin typeface="Avenir Book" panose="02000503020000020003" pitchFamily="2" charset="0"/>
+              </a:rPr>
+              <a:t>QKD_CLOSE(</a:t>
+            </a:r>
+            <a:r>
+              <a:rPr lang="en-US" sz="900" dirty="0" err="1">
+                <a:solidFill>
+                  <a:schemeClr val="tx1"/>
+                </a:solidFill>
+                <a:latin typeface="Avenir Book" panose="02000503020000020003" pitchFamily="2" charset="0"/>
+              </a:rPr>
+              <a:t>key_handle</a:t>
+            </a:r>
+            <a:r>
+              <a:rPr lang="en-US" sz="900" dirty="0">
+                <a:solidFill>
+                  <a:schemeClr val="tx1"/>
+                </a:solidFill>
+                <a:latin typeface="Avenir Book" panose="02000503020000020003" pitchFamily="2" charset="0"/>
+              </a:rPr>
+              <a:t>)</a:t>
+            </a:r>
+          </a:p>
+        </p:txBody>
+      </p:sp>
+      <p:sp>
+        <p:nvSpPr>
+          <p:cNvPr id="57" name="Rounded Rectangle 56">
+            <a:extLst>
+              <a:ext uri="{FF2B5EF4-FFF2-40B4-BE49-F238E27FC236}">
+                <a16:creationId xmlns:a16="http://schemas.microsoft.com/office/drawing/2014/main" id="{B5A8B125-0CD6-F748-B080-1A10A0D95A7B}"/>
+              </a:ext>
+            </a:extLst>
+          </p:cNvPr>
+          <p:cNvSpPr/>
+          <p:nvPr/>
+        </p:nvSpPr>
+        <p:spPr>
+          <a:xfrm>
+            <a:off x="2160409" y="4043573"/>
+            <a:ext cx="2176235" cy="928468"/>
+          </a:xfrm>
+          <a:prstGeom prst="roundRect">
+            <a:avLst/>
+          </a:prstGeom>
+          <a:ln>
+            <a:solidFill>
+              <a:schemeClr val="tx1"/>
+            </a:solidFill>
+            <a:prstDash val="dash"/>
+          </a:ln>
+        </p:spPr>
+        <p:style>
+          <a:lnRef idx="1">
+            <a:schemeClr val="accent1"/>
+          </a:lnRef>
+          <a:fillRef idx="0">
+            <a:schemeClr val="accent1"/>
+          </a:fillRef>
+          <a:effectRef idx="0">
+            <a:schemeClr val="accent1"/>
+          </a:effectRef>
+          <a:fontRef idx="minor">
+            <a:schemeClr val="tx1"/>
+          </a:fontRef>
+        </p:style>
+        <p:txBody>
+          <a:bodyPr rtlCol="0" anchor="ctr"/>
+          <a:lstStyle/>
+          <a:p>
+            <a:pPr algn="ctr"/>
+            <a:endParaRPr lang="en-US"/>
+          </a:p>
+        </p:txBody>
+      </p:sp>
+      <p:sp>
+        <p:nvSpPr>
+          <p:cNvPr id="58" name="Arc 57">
+            <a:extLst>
+              <a:ext uri="{FF2B5EF4-FFF2-40B4-BE49-F238E27FC236}">
+                <a16:creationId xmlns:a16="http://schemas.microsoft.com/office/drawing/2014/main" id="{BDB9AAE9-3120-2A4D-A9FD-F5B193DFDE07}"/>
+              </a:ext>
+            </a:extLst>
+          </p:cNvPr>
+          <p:cNvSpPr/>
+          <p:nvPr/>
+        </p:nvSpPr>
+        <p:spPr>
+          <a:xfrm>
+            <a:off x="4167837" y="4353283"/>
+            <a:ext cx="354697" cy="354697"/>
+          </a:xfrm>
+          <a:prstGeom prst="arc">
+            <a:avLst>
+              <a:gd name="adj1" fmla="val 16200000"/>
+              <a:gd name="adj2" fmla="val 6035625"/>
+            </a:avLst>
+          </a:prstGeom>
+          <a:ln>
+            <a:solidFill>
+              <a:schemeClr val="tx1"/>
+            </a:solidFill>
+            <a:prstDash val="dash"/>
+            <a:headEnd type="none" w="med" len="med"/>
+            <a:tailEnd type="triangle" w="med" len="med"/>
+          </a:ln>
+        </p:spPr>
+        <p:style>
+          <a:lnRef idx="1">
+            <a:schemeClr val="accent1"/>
+          </a:lnRef>
+          <a:fillRef idx="0">
+            <a:schemeClr val="accent1"/>
+          </a:fillRef>
+          <a:effectRef idx="0">
+            <a:schemeClr val="accent1"/>
+          </a:effectRef>
+          <a:fontRef idx="minor">
+            <a:schemeClr val="tx1"/>
+          </a:fontRef>
+        </p:style>
+        <p:txBody>
+          <a:bodyPr rot="0" spcFirstLastPara="0" vertOverflow="overflow" horzOverflow="overflow" vert="horz" wrap="square" lIns="91440" tIns="45720" rIns="91440" bIns="45720" numCol="1" spcCol="0" rtlCol="0" fromWordArt="0" anchor="ctr" anchorCtr="0" forceAA="0" compatLnSpc="1">
+            <a:prstTxWarp prst="textNoShape">
+              <a:avLst/>
+            </a:prstTxWarp>
+            <a:noAutofit/>
+          </a:bodyPr>
+          <a:lstStyle/>
+          <a:p>
+            <a:pPr algn="ctr"/>
+            <a:endParaRPr lang="en-US"/>
+          </a:p>
+        </p:txBody>
+      </p:sp>
+      <p:sp>
+        <p:nvSpPr>
+          <p:cNvPr id="59" name="Rounded Rectangle 58">
+            <a:extLst>
+              <a:ext uri="{FF2B5EF4-FFF2-40B4-BE49-F238E27FC236}">
+                <a16:creationId xmlns:a16="http://schemas.microsoft.com/office/drawing/2014/main" id="{5976754B-A1FA-9F42-B91B-EB0FC55773F3}"/>
+              </a:ext>
+            </a:extLst>
+          </p:cNvPr>
+          <p:cNvSpPr/>
+          <p:nvPr/>
+        </p:nvSpPr>
+        <p:spPr>
+          <a:xfrm>
+            <a:off x="7495135" y="4043573"/>
+            <a:ext cx="2176235" cy="928468"/>
+          </a:xfrm>
+          <a:prstGeom prst="roundRect">
+            <a:avLst/>
+          </a:prstGeom>
+          <a:ln>
+            <a:solidFill>
+              <a:schemeClr val="tx1"/>
+            </a:solidFill>
+            <a:prstDash val="dash"/>
+          </a:ln>
+        </p:spPr>
+        <p:style>
+          <a:lnRef idx="1">
+            <a:schemeClr val="accent1"/>
+          </a:lnRef>
+          <a:fillRef idx="0">
+            <a:schemeClr val="accent1"/>
+          </a:fillRef>
+          <a:effectRef idx="0">
+            <a:schemeClr val="accent1"/>
+          </a:effectRef>
+          <a:fontRef idx="minor">
+            <a:schemeClr val="tx1"/>
+          </a:fontRef>
+        </p:style>
+        <p:txBody>
+          <a:bodyPr rtlCol="0" anchor="ctr"/>
+          <a:lstStyle/>
+          <a:p>
+            <a:pPr algn="ctr"/>
+            <a:endParaRPr lang="en-US"/>
+          </a:p>
+        </p:txBody>
+      </p:sp>
+      <p:sp>
+        <p:nvSpPr>
+          <p:cNvPr id="60" name="Arc 59">
+            <a:extLst>
+              <a:ext uri="{FF2B5EF4-FFF2-40B4-BE49-F238E27FC236}">
+                <a16:creationId xmlns:a16="http://schemas.microsoft.com/office/drawing/2014/main" id="{BF9493D9-0100-5E4E-BC32-6BBCBB260200}"/>
+              </a:ext>
+            </a:extLst>
+          </p:cNvPr>
+          <p:cNvSpPr/>
+          <p:nvPr/>
+        </p:nvSpPr>
+        <p:spPr>
+          <a:xfrm>
+            <a:off x="9502563" y="4353283"/>
+            <a:ext cx="354697" cy="354697"/>
+          </a:xfrm>
+          <a:prstGeom prst="arc">
+            <a:avLst>
+              <a:gd name="adj1" fmla="val 16200000"/>
+              <a:gd name="adj2" fmla="val 6035625"/>
+            </a:avLst>
+          </a:prstGeom>
+          <a:ln>
+            <a:solidFill>
+              <a:schemeClr val="tx1"/>
+            </a:solidFill>
+            <a:prstDash val="dash"/>
+            <a:headEnd type="none" w="med" len="med"/>
+            <a:tailEnd type="triangle" w="med" len="med"/>
+          </a:ln>
+        </p:spPr>
+        <p:style>
+          <a:lnRef idx="1">
+            <a:schemeClr val="accent1"/>
+          </a:lnRef>
+          <a:fillRef idx="0">
+            <a:schemeClr val="accent1"/>
+          </a:fillRef>
+          <a:effectRef idx="0">
+            <a:schemeClr val="accent1"/>
+          </a:effectRef>
+          <a:fontRef idx="minor">
+            <a:schemeClr val="tx1"/>
+          </a:fontRef>
+        </p:style>
+        <p:txBody>
+          <a:bodyPr rot="0" spcFirstLastPara="0" vertOverflow="overflow" horzOverflow="overflow" vert="horz" wrap="square" lIns="91440" tIns="45720" rIns="91440" bIns="45720" numCol="1" spcCol="0" rtlCol="0" fromWordArt="0" anchor="ctr" anchorCtr="0" forceAA="0" compatLnSpc="1">
+            <a:prstTxWarp prst="textNoShape">
+              <a:avLst/>
+            </a:prstTxWarp>
+            <a:noAutofit/>
+          </a:bodyPr>
+          <a:lstStyle/>
+          <a:p>
+            <a:pPr algn="ctr"/>
+            <a:endParaRPr lang="en-US"/>
+          </a:p>
+        </p:txBody>
+      </p:sp>
+    </p:spTree>
+    <p:extLst>
+      <p:ext uri="{BB962C8B-B14F-4D97-AF65-F5344CB8AC3E}">
+        <p14:creationId xmlns:p14="http://schemas.microsoft.com/office/powerpoint/2010/main" val="2297855573"/>
       </p:ext>
     </p:extLst>
   </p:cSld>

--- a/figures/diagrams.pptx
+++ b/figures/diagrams.pptx
@@ -4664,7 +4664,7 @@
                 </a:solidFill>
                 <a:latin typeface="Avenir Book" panose="02000503020000020003" pitchFamily="2" charset="0"/>
               </a:rPr>
-              <a:t>Diffie-Hellman (DH) client</a:t>
+              <a:t>Diffie-Hellman (DH) client callbacks</a:t>
             </a:r>
           </a:p>
         </p:txBody>
@@ -5032,7 +5032,7 @@
                 </a:solidFill>
                 <a:latin typeface="Avenir Book" panose="02000503020000020003" pitchFamily="2" charset="0"/>
               </a:rPr>
-              <a:t>Diffie-Hellman (DH) server</a:t>
+              <a:t>Diffie-Hellman (DH) server callbacks</a:t>
             </a:r>
           </a:p>
         </p:txBody>
@@ -5663,7 +5663,7 @@
                 </a:solidFill>
                 <a:latin typeface="Avenir Book" panose="02000503020000020003" pitchFamily="2" charset="0"/>
               </a:rPr>
-              <a:t>Mock QKD client engine</a:t>
+              <a:t>QKD client engine</a:t>
             </a:r>
           </a:p>
           <a:p>
@@ -5925,7 +5925,7 @@
                 </a:solidFill>
                 <a:latin typeface="Avenir Book" panose="02000503020000020003" pitchFamily="2" charset="0"/>
               </a:rPr>
-              <a:t>Diffie-Hellman (DH) client</a:t>
+              <a:t>Diffie-Hellman (DH) client callbacks</a:t>
             </a:r>
           </a:p>
         </p:txBody>
@@ -6056,7 +6056,7 @@
                 </a:solidFill>
                 <a:latin typeface="Avenir Book" panose="02000503020000020003" pitchFamily="2" charset="0"/>
               </a:rPr>
-              <a:t>Mock QKD server engine</a:t>
+              <a:t>QKD server engine</a:t>
             </a:r>
           </a:p>
           <a:p>
@@ -6357,7 +6357,7 @@
                 </a:solidFill>
                 <a:latin typeface="Avenir Book" panose="02000503020000020003" pitchFamily="2" charset="0"/>
               </a:rPr>
-              <a:t>Diffie-Hellman (DH) server</a:t>
+              <a:t>Diffie-Hellman (DH) server callbacks</a:t>
             </a:r>
           </a:p>
         </p:txBody>
@@ -7255,7 +7255,7 @@
                   </a:solidFill>
                   <a:latin typeface="Avenir Book" panose="02000503020000020003" pitchFamily="2" charset="0"/>
                 </a:rPr>
-                <a:t>Mock QKD client engine</a:t>
+                <a:t>QKD client engine</a:t>
               </a:r>
             </a:p>
             <a:p>
@@ -7517,7 +7517,7 @@
                   </a:solidFill>
                   <a:latin typeface="Avenir Book" panose="02000503020000020003" pitchFamily="2" charset="0"/>
                 </a:rPr>
-                <a:t>Diffie-Hellman (DH) client</a:t>
+                <a:t>Diffie-Hellman (DH) client callbacks</a:t>
               </a:r>
             </a:p>
           </p:txBody>
@@ -7648,7 +7648,7 @@
                   </a:solidFill>
                   <a:latin typeface="Avenir Book" panose="02000503020000020003" pitchFamily="2" charset="0"/>
                 </a:rPr>
-                <a:t>Mock QKD server engine</a:t>
+                <a:t>QKD server engine</a:t>
               </a:r>
             </a:p>
             <a:p>
@@ -7949,7 +7949,7 @@
                   </a:solidFill>
                   <a:latin typeface="Avenir Book" panose="02000503020000020003" pitchFamily="2" charset="0"/>
                 </a:rPr>
-                <a:t>Diffie-Hellman (DH) server</a:t>
+                <a:t>Diffie-Hellman (DH) server callbacks</a:t>
               </a:r>
             </a:p>
           </p:txBody>
@@ -9134,7 +9134,7 @@
                   </a:solidFill>
                   <a:latin typeface="Avenir Book" panose="02000503020000020003" pitchFamily="2" charset="0"/>
                 </a:rPr>
-                <a:t>Mock QKD client engine</a:t>
+                <a:t>QKD client engine</a:t>
               </a:r>
             </a:p>
             <a:p>
@@ -9396,7 +9396,7 @@
                   </a:solidFill>
                   <a:latin typeface="Avenir Book" panose="02000503020000020003" pitchFamily="2" charset="0"/>
                 </a:rPr>
-                <a:t>Diffie-Hellman (DH) client</a:t>
+                <a:t>Diffie-Hellman (DH) client callbacks</a:t>
               </a:r>
             </a:p>
           </p:txBody>
@@ -9527,7 +9527,7 @@
                   </a:solidFill>
                   <a:latin typeface="Avenir Book" panose="02000503020000020003" pitchFamily="2" charset="0"/>
                 </a:rPr>
-                <a:t>Mock QKD server engine</a:t>
+                <a:t>QKD server engine</a:t>
               </a:r>
             </a:p>
             <a:p>
@@ -9828,7 +9828,7 @@
                   </a:solidFill>
                   <a:latin typeface="Avenir Book" panose="02000503020000020003" pitchFamily="2" charset="0"/>
                 </a:rPr>
-                <a:t>Diffie-Hellman (DH) server</a:t>
+                <a:t>Diffie-Hellman (DH) server callbacks</a:t>
               </a:r>
             </a:p>
           </p:txBody>
@@ -10697,7 +10697,7 @@
                   </a:solidFill>
                   <a:latin typeface="Avenir Book" panose="02000503020000020003" pitchFamily="2" charset="0"/>
                 </a:rPr>
-                <a:t>Mock QKD client engine</a:t>
+                <a:t>QKD client engine</a:t>
               </a:r>
             </a:p>
             <a:p>
@@ -10959,7 +10959,7 @@
                   </a:solidFill>
                   <a:latin typeface="Avenir Book" panose="02000503020000020003" pitchFamily="2" charset="0"/>
                 </a:rPr>
-                <a:t>Diffie-Hellman (DH) client</a:t>
+                <a:t>Diffie-Hellman (DH) client callbacks</a:t>
               </a:r>
             </a:p>
           </p:txBody>
@@ -11090,7 +11090,7 @@
                   </a:solidFill>
                   <a:latin typeface="Avenir Book" panose="02000503020000020003" pitchFamily="2" charset="0"/>
                 </a:rPr>
-                <a:t>Mock QKD server engine</a:t>
+                <a:t>QKD server engine</a:t>
               </a:r>
             </a:p>
             <a:p>
@@ -11391,7 +11391,7 @@
                   </a:solidFill>
                   <a:latin typeface="Avenir Book" panose="02000503020000020003" pitchFamily="2" charset="0"/>
                 </a:rPr>
-                <a:t>Diffie-Hellman (DH) server</a:t>
+                <a:t>Diffie-Hellman (DH) server callbacks</a:t>
               </a:r>
             </a:p>
           </p:txBody>
